--- a/Progetto-AMSC-NBody/nbody_project_barnes_hut.pptx
+++ b/Progetto-AMSC-NBody/nbody_project_barnes_hut.pptx
@@ -5,28 +5,35 @@
     <p:sldMasterId id="2147483648" r:id="rId4"/>
   </p:sldMasterIdLst>
   <p:notesMasterIdLst>
-    <p:notesMasterId r:id="rId21"/>
+    <p:notesMasterId r:id="rId28"/>
   </p:notesMasterIdLst>
   <p:handoutMasterIdLst>
-    <p:handoutMasterId r:id="rId22"/>
+    <p:handoutMasterId r:id="rId29"/>
   </p:handoutMasterIdLst>
   <p:sldIdLst>
     <p:sldId id="325" r:id="rId5"/>
     <p:sldId id="326" r:id="rId6"/>
     <p:sldId id="327" r:id="rId7"/>
-    <p:sldId id="328" r:id="rId8"/>
-    <p:sldId id="340" r:id="rId9"/>
-    <p:sldId id="344" r:id="rId10"/>
-    <p:sldId id="341" r:id="rId11"/>
-    <p:sldId id="342" r:id="rId12"/>
-    <p:sldId id="343" r:id="rId13"/>
-    <p:sldId id="346" r:id="rId14"/>
-    <p:sldId id="347" r:id="rId15"/>
-    <p:sldId id="348" r:id="rId16"/>
-    <p:sldId id="351" r:id="rId17"/>
-    <p:sldId id="352" r:id="rId18"/>
-    <p:sldId id="350" r:id="rId19"/>
-    <p:sldId id="339" r:id="rId20"/>
+    <p:sldId id="353" r:id="rId8"/>
+    <p:sldId id="328" r:id="rId9"/>
+    <p:sldId id="340" r:id="rId10"/>
+    <p:sldId id="344" r:id="rId11"/>
+    <p:sldId id="341" r:id="rId12"/>
+    <p:sldId id="354" r:id="rId13"/>
+    <p:sldId id="355" r:id="rId14"/>
+    <p:sldId id="357" r:id="rId15"/>
+    <p:sldId id="358" r:id="rId16"/>
+    <p:sldId id="342" r:id="rId17"/>
+    <p:sldId id="343" r:id="rId18"/>
+    <p:sldId id="346" r:id="rId19"/>
+    <p:sldId id="347" r:id="rId20"/>
+    <p:sldId id="348" r:id="rId21"/>
+    <p:sldId id="351" r:id="rId22"/>
+    <p:sldId id="352" r:id="rId23"/>
+    <p:sldId id="350" r:id="rId24"/>
+    <p:sldId id="356" r:id="rId25"/>
+    <p:sldId id="359" r:id="rId26"/>
+    <p:sldId id="339" r:id="rId27"/>
   </p:sldIdLst>
   <p:sldSz cx="12192000" cy="6858000"/>
   <p:notesSz cx="6858000" cy="9144000"/>
@@ -255,7 +262,7 @@
             <a:pPr rtl="0"/>
             <a:fld id="{FD6C7549-0246-44BA-93A9-40F12E42018F}" type="datetime1">
               <a:rPr lang="it-IT" smtClean="0"/>
-              <a:t>21/12/2022</a:t>
+              <a:t>25/01/2023</a:t>
             </a:fld>
             <a:endParaRPr lang="it-IT" dirty="0"/>
           </a:p>
@@ -437,7 +444,7 @@
             <a:pPr rtl="0"/>
             <a:fld id="{A8115AD7-15A0-4B5C-986D-26C693CFC79C}" type="datetime1">
               <a:rPr lang="it-IT" smtClean="0"/>
-              <a:t>21/12/2022</a:t>
+              <a:t>25/01/2023</a:t>
             </a:fld>
             <a:endParaRPr lang="it-IT" dirty="0"/>
           </a:p>
@@ -950,6 +957,67 @@
     </p:spTree>
     <p:extLst>
       <p:ext uri="{BB962C8B-B14F-4D97-AF65-F5344CB8AC3E}">
+        <p14:creationId xmlns:p14="http://schemas.microsoft.com/office/powerpoint/2010/main" val="243345326"/>
+      </p:ext>
+    </p:extLst>
+  </p:cSld>
+  <p:clrMapOvr>
+    <a:masterClrMapping/>
+  </p:clrMapOvr>
+</p:notes>
+</file>
+
+<file path=ppt/notesSlides/notesSlide5.xml><?xml version="1.0" encoding="utf-8"?>
+<p:notes xmlns:a="http://schemas.openxmlformats.org/drawingml/2006/main" xmlns:r="http://schemas.openxmlformats.org/officeDocument/2006/relationships" xmlns:p="http://schemas.openxmlformats.org/presentationml/2006/main">
+  <p:cSld>
+    <p:spTree>
+      <p:nvGrpSpPr>
+        <p:cNvPr id="1" name=""/>
+        <p:cNvGrpSpPr/>
+        <p:nvPr/>
+      </p:nvGrpSpPr>
+      <p:grpSpPr>
+        <a:xfrm>
+          <a:off x="0" y="0"/>
+          <a:ext cx="0" cy="0"/>
+          <a:chOff x="0" y="0"/>
+          <a:chExt cx="0" cy="0"/>
+        </a:xfrm>
+      </p:grpSpPr>
+      <p:sp>
+        <p:nvSpPr>
+          <p:cNvPr id="2" name="Segnaposto immagine diapositiva 1"/>
+          <p:cNvSpPr>
+            <a:spLocks noGrp="1" noRot="1" noChangeAspect="1"/>
+          </p:cNvSpPr>
+          <p:nvPr>
+            <p:ph type="sldImg"/>
+          </p:nvPr>
+        </p:nvSpPr>
+        <p:spPr/>
+      </p:sp>
+      <p:sp>
+        <p:nvSpPr>
+          <p:cNvPr id="3" name="Segnaposto note 2"/>
+          <p:cNvSpPr>
+            <a:spLocks noGrp="1"/>
+          </p:cNvSpPr>
+          <p:nvPr>
+            <p:ph type="body" idx="1"/>
+          </p:nvPr>
+        </p:nvSpPr>
+        <p:spPr/>
+        <p:txBody>
+          <a:bodyPr/>
+          <a:lstStyle/>
+          <a:p>
+            <a:endParaRPr lang="it-IT" dirty="0"/>
+          </a:p>
+        </p:txBody>
+      </p:sp>
+    </p:spTree>
+    <p:extLst>
+      <p:ext uri="{BB962C8B-B14F-4D97-AF65-F5344CB8AC3E}">
         <p14:creationId xmlns:p14="http://schemas.microsoft.com/office/powerpoint/2010/main" val="2604929906"/>
       </p:ext>
     </p:extLst>
@@ -960,7 +1028,7 @@
 </p:notes>
 </file>
 
-<file path=ppt/notesSlides/notesSlide5.xml><?xml version="1.0" encoding="utf-8"?>
+<file path=ppt/notesSlides/notesSlide6.xml><?xml version="1.0" encoding="utf-8"?>
 <p:notes xmlns:a="http://schemas.openxmlformats.org/drawingml/2006/main" xmlns:r="http://schemas.openxmlformats.org/officeDocument/2006/relationships" xmlns:p="http://schemas.openxmlformats.org/presentationml/2006/main">
   <p:cSld>
     <p:spTree>
@@ -12098,19 +12166,11 @@
             <a:pPr rtl="0"/>
             <a:r>
               <a:rPr lang="it-IT" dirty="0"/>
-              <a:t>Marco de rosso, Matteo </a:t>
+              <a:t>Matteo </a:t>
             </a:r>
             <a:r>
               <a:rPr lang="it-IT" dirty="0" err="1"/>
               <a:t>rigamonti</a:t>
-            </a:r>
-            <a:r>
-              <a:rPr lang="it-IT" dirty="0"/>
-              <a:t>, marco </a:t>
-            </a:r>
-            <a:r>
-              <a:rPr lang="it-IT" dirty="0" err="1"/>
-              <a:t>scarpelli</a:t>
             </a:r>
             <a:endParaRPr lang="it-IT" dirty="0"/>
           </a:p>
@@ -12131,7 +12191,7 @@
         <p:spPr>
           <a:xfrm>
             <a:off x="2705470" y="4972738"/>
-            <a:ext cx="6781060" cy="369332"/>
+            <a:ext cx="6781060" cy="646331"/>
           </a:xfrm>
           <a:prstGeom prst="rect">
             <a:avLst/>
@@ -12224,6 +12284,45 @@
               </a:rPr>
               <a:t> bodies</a:t>
             </a:r>
+          </a:p>
+          <a:p>
+            <a:r>
+              <a:rPr lang="it-IT" dirty="0">
+                <a:solidFill>
+                  <a:schemeClr val="bg1"/>
+                </a:solidFill>
+              </a:rPr>
+              <a:t>With the Barnes-</a:t>
+            </a:r>
+            <a:r>
+              <a:rPr lang="it-IT" dirty="0" err="1">
+                <a:solidFill>
+                  <a:schemeClr val="bg1"/>
+                </a:solidFill>
+              </a:rPr>
+              <a:t>Hut</a:t>
+            </a:r>
+            <a:r>
+              <a:rPr lang="it-IT" dirty="0">
+                <a:solidFill>
+                  <a:schemeClr val="bg1"/>
+                </a:solidFill>
+              </a:rPr>
+              <a:t> clustering </a:t>
+            </a:r>
+            <a:r>
+              <a:rPr lang="it-IT" dirty="0" err="1">
+                <a:solidFill>
+                  <a:schemeClr val="bg1"/>
+                </a:solidFill>
+              </a:rPr>
+              <a:t>algorithm</a:t>
+            </a:r>
+            <a:endParaRPr lang="it-IT" dirty="0">
+              <a:solidFill>
+                <a:schemeClr val="bg1"/>
+              </a:solidFill>
+            </a:endParaRPr>
           </a:p>
         </p:txBody>
       </p:sp>
@@ -12262,7 +12361,7 @@
           <p:cNvPr id="2" name="Titolo 1">
             <a:extLst>
               <a:ext uri="{FF2B5EF4-FFF2-40B4-BE49-F238E27FC236}">
-                <a16:creationId xmlns:a16="http://schemas.microsoft.com/office/drawing/2014/main" id="{F7F11270-885D-CA2D-C6DB-563B7A648D62}"/>
+                <a16:creationId xmlns:a16="http://schemas.microsoft.com/office/drawing/2014/main" id="{E58EB509-D567-9E79-40A1-EEFE585D1D83}"/>
               </a:ext>
             </a:extLst>
           </p:cNvPr>
@@ -12279,26 +12378,311 @@
           <a:lstStyle/>
           <a:p>
             <a:r>
+              <a:rPr lang="it-IT" dirty="0" err="1"/>
+              <a:t>Structure</a:t>
+            </a:r>
+            <a:r>
               <a:rPr lang="it-IT" dirty="0"/>
-              <a:t>Server – no </a:t>
+              <a:t> of the </a:t>
             </a:r>
             <a:r>
               <a:rPr lang="it-IT" dirty="0" err="1"/>
-              <a:t>omp</a:t>
-            </a:r>
-            <a:r>
-              <a:rPr lang="it-IT" dirty="0"/>
-              <a:t>, no graphics</a:t>
-            </a:r>
-          </a:p>
-        </p:txBody>
-      </p:sp>
-      <p:sp>
-        <p:nvSpPr>
-          <p:cNvPr id="3" name="Segnaposto numero diapositiva 2">
-            <a:extLst>
-              <a:ext uri="{FF2B5EF4-FFF2-40B4-BE49-F238E27FC236}">
-                <a16:creationId xmlns:a16="http://schemas.microsoft.com/office/drawing/2014/main" id="{E5B6D8CE-B00C-3E01-F898-DD1F2A59E84B}"/>
+              <a:t>program</a:t>
+            </a:r>
+            <a:endParaRPr lang="it-IT" dirty="0"/>
+          </a:p>
+        </p:txBody>
+      </p:sp>
+      <p:sp>
+        <p:nvSpPr>
+          <p:cNvPr id="3" name="Segnaposto contenuto 2">
+            <a:extLst>
+              <a:ext uri="{FF2B5EF4-FFF2-40B4-BE49-F238E27FC236}">
+                <a16:creationId xmlns:a16="http://schemas.microsoft.com/office/drawing/2014/main" id="{DF1E684B-ABD2-F7DD-FC63-30AB7351B4AF}"/>
+              </a:ext>
+            </a:extLst>
+          </p:cNvPr>
+          <p:cNvSpPr>
+            <a:spLocks noGrp="1"/>
+          </p:cNvSpPr>
+          <p:nvPr>
+            <p:ph idx="1"/>
+          </p:nvPr>
+        </p:nvSpPr>
+        <p:spPr/>
+        <p:txBody>
+          <a:bodyPr/>
+          <a:lstStyle/>
+          <a:p>
+            <a:r>
+              <a:rPr lang="it-IT" sz="1800" dirty="0"/>
+              <a:t>In </a:t>
+            </a:r>
+            <a:r>
+              <a:rPr lang="it-IT" sz="1800" dirty="0" err="1"/>
+              <a:t>particular</a:t>
+            </a:r>
+            <a:r>
+              <a:rPr lang="it-IT" sz="1800" dirty="0"/>
+              <a:t>, the Barnes-</a:t>
+            </a:r>
+            <a:r>
+              <a:rPr lang="it-IT" sz="1800" dirty="0" err="1"/>
+              <a:t>Hut</a:t>
+            </a:r>
+            <a:r>
+              <a:rPr lang="it-IT" sz="1800" dirty="0"/>
+              <a:t> </a:t>
+            </a:r>
+            <a:r>
+              <a:rPr lang="it-IT" sz="1800" dirty="0" err="1"/>
+              <a:t>algorithm</a:t>
+            </a:r>
+            <a:r>
+              <a:rPr lang="it-IT" sz="1800" dirty="0"/>
+              <a:t> </a:t>
+            </a:r>
+            <a:r>
+              <a:rPr lang="it-IT" sz="1800" dirty="0" err="1"/>
+              <a:t>approximates</a:t>
+            </a:r>
+            <a:r>
+              <a:rPr lang="it-IT" sz="1800" dirty="0"/>
+              <a:t> the </a:t>
+            </a:r>
+            <a:r>
+              <a:rPr lang="it-IT" sz="1800" dirty="0" err="1"/>
+              <a:t>computation</a:t>
+            </a:r>
+            <a:r>
+              <a:rPr lang="it-IT" sz="1800" dirty="0"/>
+              <a:t> of far-</a:t>
+            </a:r>
+            <a:r>
+              <a:rPr lang="it-IT" sz="1800" dirty="0" err="1"/>
+              <a:t>away</a:t>
+            </a:r>
+            <a:r>
+              <a:rPr lang="it-IT" sz="1800" dirty="0"/>
+              <a:t> bodies with a </a:t>
+            </a:r>
+            <a:r>
+              <a:rPr lang="it-IT" sz="1800" dirty="0" err="1"/>
+              <a:t>parameter</a:t>
+            </a:r>
+            <a:r>
+              <a:rPr lang="it-IT" sz="1800" dirty="0"/>
+              <a:t> THETA in </a:t>
+            </a:r>
+            <a:r>
+              <a:rPr lang="it-IT" sz="1800" dirty="0" err="1"/>
+              <a:t>this</a:t>
+            </a:r>
+            <a:r>
+              <a:rPr lang="it-IT" sz="1800" dirty="0"/>
+              <a:t> way : </a:t>
+            </a:r>
+            <a:r>
+              <a:rPr lang="it-IT" sz="1800" dirty="0" err="1"/>
+              <a:t>if</a:t>
+            </a:r>
+            <a:r>
+              <a:rPr lang="it-IT" sz="1800" dirty="0"/>
+              <a:t> the ratio </a:t>
+            </a:r>
+            <a:r>
+              <a:rPr lang="it-IT" sz="1800" dirty="0" err="1"/>
+              <a:t>between</a:t>
+            </a:r>
+            <a:r>
+              <a:rPr lang="it-IT" sz="1800" dirty="0"/>
+              <a:t> the </a:t>
+            </a:r>
+            <a:r>
+              <a:rPr lang="it-IT" sz="1800" dirty="0" err="1"/>
+              <a:t>distance</a:t>
+            </a:r>
+            <a:r>
+              <a:rPr lang="it-IT" sz="1800" dirty="0"/>
+              <a:t> of the </a:t>
+            </a:r>
+            <a:r>
+              <a:rPr lang="it-IT" sz="1800" dirty="0" err="1"/>
+              <a:t>particles</a:t>
+            </a:r>
+            <a:r>
+              <a:rPr lang="it-IT" sz="1800" dirty="0"/>
+              <a:t> and the size of the </a:t>
+            </a:r>
+            <a:r>
+              <a:rPr lang="it-IT" sz="1800" dirty="0" err="1"/>
+              <a:t>cell</a:t>
+            </a:r>
+            <a:r>
+              <a:rPr lang="it-IT" sz="1800" dirty="0"/>
+              <a:t> </a:t>
+            </a:r>
+            <a:r>
+              <a:rPr lang="it-IT" sz="1800" dirty="0" err="1"/>
+              <a:t>is</a:t>
+            </a:r>
+            <a:r>
+              <a:rPr lang="it-IT" sz="1800" dirty="0"/>
+              <a:t> </a:t>
+            </a:r>
+            <a:r>
+              <a:rPr lang="it-IT" sz="1800" dirty="0" err="1"/>
+              <a:t>smaller</a:t>
+            </a:r>
+            <a:r>
+              <a:rPr lang="it-IT" sz="1800" dirty="0"/>
+              <a:t> </a:t>
+            </a:r>
+            <a:r>
+              <a:rPr lang="it-IT" sz="1800" dirty="0" err="1"/>
+              <a:t>than</a:t>
+            </a:r>
+            <a:r>
+              <a:rPr lang="it-IT" sz="1800" dirty="0"/>
+              <a:t> THETA, the force </a:t>
+            </a:r>
+            <a:r>
+              <a:rPr lang="it-IT" sz="1800" dirty="0" err="1"/>
+              <a:t>is</a:t>
+            </a:r>
+            <a:r>
+              <a:rPr lang="it-IT" sz="1800" dirty="0"/>
+              <a:t> </a:t>
+            </a:r>
+            <a:r>
+              <a:rPr lang="it-IT" sz="1800" dirty="0" err="1"/>
+              <a:t>calculated</a:t>
+            </a:r>
+            <a:r>
+              <a:rPr lang="it-IT" sz="1800" dirty="0"/>
+              <a:t>, </a:t>
+            </a:r>
+            <a:r>
+              <a:rPr lang="it-IT" sz="1800" dirty="0" err="1"/>
+              <a:t>otherwise</a:t>
+            </a:r>
+            <a:r>
+              <a:rPr lang="it-IT" sz="1800" dirty="0"/>
+              <a:t> </a:t>
+            </a:r>
+            <a:r>
+              <a:rPr lang="it-IT" sz="1800" dirty="0" err="1"/>
+              <a:t>it’s</a:t>
+            </a:r>
+            <a:r>
+              <a:rPr lang="it-IT" sz="1800" dirty="0"/>
+              <a:t> </a:t>
+            </a:r>
+            <a:r>
+              <a:rPr lang="it-IT" sz="1800" dirty="0" err="1"/>
+              <a:t>not</a:t>
+            </a:r>
+            <a:r>
+              <a:rPr lang="it-IT" sz="1800" dirty="0"/>
+              <a:t> (and </a:t>
+            </a:r>
+            <a:r>
+              <a:rPr lang="it-IT" sz="1800" dirty="0" err="1"/>
+              <a:t>we</a:t>
+            </a:r>
+            <a:r>
+              <a:rPr lang="it-IT" sz="1800" dirty="0"/>
+              <a:t> </a:t>
+            </a:r>
+            <a:r>
+              <a:rPr lang="it-IT" sz="1800" dirty="0" err="1"/>
+              <a:t>rely</a:t>
+            </a:r>
+            <a:r>
+              <a:rPr lang="it-IT" sz="1800" dirty="0"/>
+              <a:t> on the </a:t>
+            </a:r>
+            <a:r>
+              <a:rPr lang="it-IT" sz="1800" dirty="0" err="1"/>
+              <a:t>approximation</a:t>
+            </a:r>
+            <a:r>
+              <a:rPr lang="it-IT" sz="1800" dirty="0"/>
+              <a:t> of the center of mass of the </a:t>
+            </a:r>
+            <a:r>
+              <a:rPr lang="it-IT" sz="1800" dirty="0" err="1"/>
+              <a:t>cell</a:t>
+            </a:r>
+            <a:r>
+              <a:rPr lang="it-IT" sz="1800" dirty="0"/>
+              <a:t>). </a:t>
+            </a:r>
+            <a:r>
+              <a:rPr lang="it-IT" sz="1800" dirty="0" err="1"/>
+              <a:t>Clearly</a:t>
+            </a:r>
+            <a:r>
+              <a:rPr lang="it-IT" sz="1800" dirty="0"/>
+              <a:t>, </a:t>
+            </a:r>
+            <a:r>
+              <a:rPr lang="it-IT" sz="1800" dirty="0" err="1"/>
+              <a:t>if</a:t>
+            </a:r>
+            <a:r>
+              <a:rPr lang="it-IT" sz="1800" dirty="0"/>
+              <a:t> THETA = 1 </a:t>
+            </a:r>
+            <a:r>
+              <a:rPr lang="it-IT" sz="1800" dirty="0" err="1"/>
+              <a:t>every</a:t>
+            </a:r>
+            <a:r>
+              <a:rPr lang="it-IT" sz="1800" dirty="0"/>
+              <a:t> interaction in an </a:t>
+            </a:r>
+            <a:r>
+              <a:rPr lang="it-IT" sz="1800" dirty="0" err="1"/>
+              <a:t>octant</a:t>
+            </a:r>
+            <a:r>
+              <a:rPr lang="it-IT" sz="1800" dirty="0"/>
+              <a:t> </a:t>
+            </a:r>
+            <a:r>
+              <a:rPr lang="it-IT" sz="1800" dirty="0" err="1"/>
+              <a:t>is</a:t>
+            </a:r>
+            <a:r>
+              <a:rPr lang="it-IT" sz="1800" dirty="0"/>
+              <a:t> </a:t>
+            </a:r>
+            <a:r>
+              <a:rPr lang="it-IT" sz="1800" dirty="0" err="1"/>
+              <a:t>calculated</a:t>
+            </a:r>
+            <a:r>
+              <a:rPr lang="it-IT" sz="1800" dirty="0"/>
+              <a:t>, </a:t>
+            </a:r>
+            <a:r>
+              <a:rPr lang="it-IT" sz="1800" dirty="0" err="1"/>
+              <a:t>worsening</a:t>
+            </a:r>
+            <a:r>
+              <a:rPr lang="it-IT" sz="1800" dirty="0"/>
+              <a:t> the performance.</a:t>
+            </a:r>
+          </a:p>
+        </p:txBody>
+      </p:sp>
+      <p:sp>
+        <p:nvSpPr>
+          <p:cNvPr id="4" name="Segnaposto numero diapositiva 3">
+            <a:extLst>
+              <a:ext uri="{FF2B5EF4-FFF2-40B4-BE49-F238E27FC236}">
+                <a16:creationId xmlns:a16="http://schemas.microsoft.com/office/drawing/2014/main" id="{8704448F-14F8-2922-4543-4BD0BA56FE8C}"/>
               </a:ext>
             </a:extLst>
           </p:cNvPr>
@@ -12317,6 +12701,7 @@
             <a:pPr rtl="0"/>
             <a:fld id="{75DF2D63-3FF5-D547-96B9-BE9CCD1ABA58}" type="slidenum">
               <a:rPr lang="it-IT" smtClean="0"/>
+              <a:pPr rtl="0"/>
               <a:t>10</a:t>
             </a:fld>
             <a:endParaRPr lang="it-IT" dirty="0"/>
@@ -12325,10 +12710,10 @@
       </p:sp>
       <p:sp>
         <p:nvSpPr>
-          <p:cNvPr id="4" name="Segnaposto piè di pagina 3">
-            <a:extLst>
-              <a:ext uri="{FF2B5EF4-FFF2-40B4-BE49-F238E27FC236}">
-                <a16:creationId xmlns:a16="http://schemas.microsoft.com/office/drawing/2014/main" id="{CC222061-6886-B6C0-57E8-6DE158F450A2}"/>
+          <p:cNvPr id="5" name="Segnaposto piè di pagina 4">
+            <a:extLst>
+              <a:ext uri="{FF2B5EF4-FFF2-40B4-BE49-F238E27FC236}">
+                <a16:creationId xmlns:a16="http://schemas.microsoft.com/office/drawing/2014/main" id="{A20FE295-6F81-DDD8-7680-2A77C63C788E}"/>
               </a:ext>
             </a:extLst>
           </p:cNvPr>
@@ -12352,329 +12737,40 @@
           </a:p>
         </p:txBody>
       </p:sp>
-      <p:sp>
-        <p:nvSpPr>
-          <p:cNvPr id="5" name="CasellaDiTesto 4">
-            <a:extLst>
-              <a:ext uri="{FF2B5EF4-FFF2-40B4-BE49-F238E27FC236}">
-                <a16:creationId xmlns:a16="http://schemas.microsoft.com/office/drawing/2014/main" id="{7FEF82F4-EF27-B0B9-574D-536791AA9D66}"/>
-              </a:ext>
-            </a:extLst>
-          </p:cNvPr>
-          <p:cNvSpPr txBox="1"/>
+      <p:pic>
+        <p:nvPicPr>
+          <p:cNvPr id="7" name="Immagine 6">
+            <a:extLst>
+              <a:ext uri="{FF2B5EF4-FFF2-40B4-BE49-F238E27FC236}">
+                <a16:creationId xmlns:a16="http://schemas.microsoft.com/office/drawing/2014/main" id="{4D2B3FA1-82C7-9A3E-D71C-5B94FF48A2CF}"/>
+              </a:ext>
+            </a:extLst>
+          </p:cNvPr>
+          <p:cNvPicPr>
+            <a:picLocks noChangeAspect="1"/>
+          </p:cNvPicPr>
           <p:nvPr/>
-        </p:nvSpPr>
+        </p:nvPicPr>
+        <p:blipFill>
+          <a:blip r:embed="rId2"/>
+          <a:stretch>
+            <a:fillRect/>
+          </a:stretch>
+        </p:blipFill>
         <p:spPr>
           <a:xfrm>
-            <a:off x="1295400" y="1865717"/>
-            <a:ext cx="7391400" cy="3693319"/>
+            <a:off x="981456" y="1710473"/>
+            <a:ext cx="4047744" cy="3098273"/>
           </a:xfrm>
           <a:prstGeom prst="rect">
             <a:avLst/>
           </a:prstGeom>
-          <a:noFill/>
         </p:spPr>
-        <p:txBody>
-          <a:bodyPr wrap="square" rtlCol="0">
-            <a:spAutoFit/>
-          </a:bodyPr>
-          <a:lstStyle/>
-          <a:p>
-            <a:pPr algn="l"/>
-            <a:r>
-              <a:rPr lang="en-US" b="0" i="0" dirty="0" err="1">
-                <a:solidFill>
-                  <a:srgbClr val="222222"/>
-                </a:solidFill>
-                <a:effectLst/>
-                <a:latin typeface=".SFUI-Regular"/>
-              </a:rPr>
-              <a:t>NBody</a:t>
-            </a:r>
-            <a:r>
-              <a:rPr lang="en-US" b="0" i="0" dirty="0">
-                <a:solidFill>
-                  <a:srgbClr val="222222"/>
-                </a:solidFill>
-                <a:effectLst/>
-                <a:latin typeface=".SFUI-Regular"/>
-              </a:rPr>
-              <a:t> profiling</a:t>
-            </a:r>
-            <a:endParaRPr lang="en-US" b="0" i="0" dirty="0">
-              <a:solidFill>
-                <a:srgbClr val="222222"/>
-              </a:solidFill>
-              <a:effectLst/>
-              <a:latin typeface="System Font"/>
-            </a:endParaRPr>
-          </a:p>
-          <a:p>
-            <a:pPr algn="l"/>
-            <a:r>
-              <a:rPr lang="en-US" b="0" i="0" dirty="0">
-                <a:solidFill>
-                  <a:srgbClr val="222222"/>
-                </a:solidFill>
-                <a:effectLst/>
-                <a:latin typeface=".SFUI-Regular"/>
-              </a:rPr>
-              <a:t>--- SIMULATION INFO --- </a:t>
-            </a:r>
-            <a:endParaRPr lang="en-US" b="0" i="0" dirty="0">
-              <a:solidFill>
-                <a:srgbClr val="222222"/>
-              </a:solidFill>
-              <a:effectLst/>
-              <a:latin typeface="System Font"/>
-            </a:endParaRPr>
-          </a:p>
-          <a:p>
-            <a:pPr algn="l"/>
-            <a:r>
-              <a:rPr lang="en-US" b="0" i="0" dirty="0">
-                <a:solidFill>
-                  <a:srgbClr val="222222"/>
-                </a:solidFill>
-                <a:effectLst/>
-                <a:latin typeface=".SFUI-Regular"/>
-              </a:rPr>
-              <a:t>Problem dimension: 3D </a:t>
-            </a:r>
-            <a:endParaRPr lang="en-US" b="0" i="0" dirty="0">
-              <a:solidFill>
-                <a:srgbClr val="222222"/>
-              </a:solidFill>
-              <a:effectLst/>
-              <a:latin typeface="System Font"/>
-            </a:endParaRPr>
-          </a:p>
-          <a:p>
-            <a:pPr algn="l"/>
-            <a:r>
-              <a:rPr lang="en-US" b="0" i="0" dirty="0">
-                <a:solidFill>
-                  <a:srgbClr val="222222"/>
-                </a:solidFill>
-                <a:effectLst/>
-                <a:latin typeface=".SFUI-Regular"/>
-              </a:rPr>
-              <a:t>Particle amount:            1000 </a:t>
-            </a:r>
-            <a:endParaRPr lang="en-US" b="0" i="0" dirty="0">
-              <a:solidFill>
-                <a:srgbClr val="222222"/>
-              </a:solidFill>
-              <a:effectLst/>
-              <a:latin typeface="System Font"/>
-            </a:endParaRPr>
-          </a:p>
-          <a:p>
-            <a:pPr algn="l"/>
-            <a:r>
-              <a:rPr lang="en-US" b="0" i="0" dirty="0">
-                <a:solidFill>
-                  <a:srgbClr val="222222"/>
-                </a:solidFill>
-                <a:effectLst/>
-                <a:latin typeface=".SFUI-Regular"/>
-              </a:rPr>
-              <a:t>Number of iterations:            1000 </a:t>
-            </a:r>
-            <a:endParaRPr lang="en-US" b="0" i="0" dirty="0">
-              <a:solidFill>
-                <a:srgbClr val="222222"/>
-              </a:solidFill>
-              <a:effectLst/>
-              <a:latin typeface="System Font"/>
-            </a:endParaRPr>
-          </a:p>
-          <a:p>
-            <a:pPr algn="l"/>
-            <a:r>
-              <a:rPr lang="en-US" b="0" i="0" dirty="0">
-                <a:solidFill>
-                  <a:srgbClr val="222222"/>
-                </a:solidFill>
-                <a:effectLst/>
-                <a:latin typeface=".SFUI-Regular"/>
-              </a:rPr>
-              <a:t>Simulation time resolution:              10 ticks per second </a:t>
-            </a:r>
-            <a:endParaRPr lang="en-US" b="0" i="0" dirty="0">
-              <a:solidFill>
-                <a:srgbClr val="222222"/>
-              </a:solidFill>
-              <a:effectLst/>
-              <a:latin typeface="System Font"/>
-            </a:endParaRPr>
-          </a:p>
-          <a:p>
-            <a:pPr algn="l"/>
-            <a:r>
-              <a:rPr lang="en-US" b="0" i="0" dirty="0">
-                <a:solidFill>
-                  <a:srgbClr val="222222"/>
-                </a:solidFill>
-                <a:effectLst/>
-                <a:latin typeface=".SFUI-Regular"/>
-              </a:rPr>
-              <a:t>Simulation elapsed time:           10000 seconds </a:t>
-            </a:r>
-            <a:endParaRPr lang="en-US" b="0" i="0" dirty="0">
-              <a:solidFill>
-                <a:srgbClr val="222222"/>
-              </a:solidFill>
-              <a:effectLst/>
-              <a:latin typeface="System Font"/>
-            </a:endParaRPr>
-          </a:p>
-          <a:p>
-            <a:pPr algn="l"/>
-            <a:r>
-              <a:rPr lang="en-US" b="0" i="0" dirty="0">
-                <a:solidFill>
-                  <a:srgbClr val="222222"/>
-                </a:solidFill>
-                <a:effectLst/>
-                <a:latin typeface=".SFUI-Regular"/>
-              </a:rPr>
-              <a:t>Graphics refresh time:            1000 milliseconds </a:t>
-            </a:r>
-            <a:endParaRPr lang="en-US" b="0" i="0" dirty="0">
-              <a:solidFill>
-                <a:srgbClr val="222222"/>
-              </a:solidFill>
-              <a:effectLst/>
-              <a:latin typeface="System Font"/>
-            </a:endParaRPr>
-          </a:p>
-          <a:p>
-            <a:pPr algn="l"/>
-            <a:r>
-              <a:rPr lang="en-US" b="0" i="0" dirty="0">
-                <a:solidFill>
-                  <a:srgbClr val="222222"/>
-                </a:solidFill>
-                <a:effectLst/>
-                <a:latin typeface=".SFUI-Regular"/>
-              </a:rPr>
-              <a:t>Screen resolution:  2048x 2048 </a:t>
-            </a:r>
-            <a:endParaRPr lang="en-US" b="0" i="0" dirty="0">
-              <a:solidFill>
-                <a:srgbClr val="222222"/>
-              </a:solidFill>
-              <a:effectLst/>
-              <a:latin typeface="System Font"/>
-            </a:endParaRPr>
-          </a:p>
-          <a:p>
-            <a:pPr algn="l"/>
-            <a:r>
-              <a:rPr lang="en-US" b="0" i="0" dirty="0">
-                <a:solidFill>
-                  <a:srgbClr val="222222"/>
-                </a:solidFill>
-                <a:effectLst/>
-                <a:latin typeface=".SFUI-Regular"/>
-              </a:rPr>
-              <a:t> </a:t>
-            </a:r>
-            <a:endParaRPr lang="en-US" b="0" i="0" dirty="0">
-              <a:solidFill>
-                <a:srgbClr val="222222"/>
-              </a:solidFill>
-              <a:effectLst/>
-              <a:latin typeface="System Font"/>
-            </a:endParaRPr>
-          </a:p>
-          <a:p>
-            <a:pPr algn="l"/>
-            <a:r>
-              <a:rPr lang="en-US" b="0" i="0" dirty="0">
-                <a:solidFill>
-                  <a:srgbClr val="222222"/>
-                </a:solidFill>
-                <a:effectLst/>
-                <a:latin typeface=".SFUI-Regular"/>
-              </a:rPr>
-              <a:t>--- TIMING AND THREADS INFO --- </a:t>
-            </a:r>
-            <a:endParaRPr lang="en-US" b="0" i="0" dirty="0">
-              <a:solidFill>
-                <a:srgbClr val="222222"/>
-              </a:solidFill>
-              <a:effectLst/>
-              <a:latin typeface="System Font"/>
-            </a:endParaRPr>
-          </a:p>
-          <a:p>
-            <a:pPr algn="l"/>
-            <a:r>
-              <a:rPr lang="en-US" b="0" i="0" dirty="0">
-                <a:solidFill>
-                  <a:srgbClr val="222222"/>
-                </a:solidFill>
-                <a:effectLst/>
-                <a:latin typeface=".SFUI-Regular"/>
-              </a:rPr>
-              <a:t>Total duration:          909933 </a:t>
-            </a:r>
-            <a:r>
-              <a:rPr lang="en-US" b="0" i="0" dirty="0" err="1">
-                <a:solidFill>
-                  <a:srgbClr val="222222"/>
-                </a:solidFill>
-                <a:effectLst/>
-                <a:latin typeface=".SFUI-Regular"/>
-              </a:rPr>
-              <a:t>ms</a:t>
-            </a:r>
-            <a:r>
-              <a:rPr lang="en-US" b="0" i="0" dirty="0">
-                <a:solidFill>
-                  <a:srgbClr val="222222"/>
-                </a:solidFill>
-                <a:effectLst/>
-                <a:latin typeface=".SFUI-Regular"/>
-              </a:rPr>
-              <a:t> </a:t>
-            </a:r>
-            <a:endParaRPr lang="en-US" b="0" i="0" dirty="0">
-              <a:solidFill>
-                <a:srgbClr val="222222"/>
-              </a:solidFill>
-              <a:effectLst/>
-              <a:latin typeface="System Font"/>
-            </a:endParaRPr>
-          </a:p>
-          <a:p>
-            <a:pPr algn="l"/>
-            <a:r>
-              <a:rPr lang="en-US" b="0" i="0" dirty="0">
-                <a:solidFill>
-                  <a:srgbClr val="222222"/>
-                </a:solidFill>
-                <a:effectLst/>
-                <a:latin typeface=".SFUI-Regular"/>
-              </a:rPr>
-              <a:t>Iteration mean duration:          909908 us</a:t>
-            </a:r>
-            <a:endParaRPr lang="en-US" b="0" i="0" dirty="0">
-              <a:solidFill>
-                <a:srgbClr val="222222"/>
-              </a:solidFill>
-              <a:effectLst/>
-              <a:latin typeface="System Font"/>
-            </a:endParaRPr>
-          </a:p>
-        </p:txBody>
-      </p:sp>
+      </p:pic>
     </p:spTree>
     <p:extLst>
       <p:ext uri="{BB962C8B-B14F-4D97-AF65-F5344CB8AC3E}">
-        <p14:creationId xmlns:p14="http://schemas.microsoft.com/office/powerpoint/2010/main" val="175221670"/>
+        <p14:creationId xmlns:p14="http://schemas.microsoft.com/office/powerpoint/2010/main" val="4294600651"/>
       </p:ext>
     </p:extLst>
   </p:cSld>
@@ -12706,7 +12802,7 @@
           <p:cNvPr id="2" name="Titolo 1">
             <a:extLst>
               <a:ext uri="{FF2B5EF4-FFF2-40B4-BE49-F238E27FC236}">
-                <a16:creationId xmlns:a16="http://schemas.microsoft.com/office/drawing/2014/main" id="{F7F11270-885D-CA2D-C6DB-563B7A648D62}"/>
+                <a16:creationId xmlns:a16="http://schemas.microsoft.com/office/drawing/2014/main" id="{E58EB509-D567-9E79-40A1-EEFE585D1D83}"/>
               </a:ext>
             </a:extLst>
           </p:cNvPr>
@@ -12723,26 +12819,183 @@
           <a:lstStyle/>
           <a:p>
             <a:r>
+              <a:rPr lang="it-IT" dirty="0" err="1"/>
+              <a:t>Structure</a:t>
+            </a:r>
+            <a:r>
               <a:rPr lang="it-IT" dirty="0"/>
-              <a:t>Server – yes </a:t>
+              <a:t> of the </a:t>
             </a:r>
             <a:r>
               <a:rPr lang="it-IT" dirty="0" err="1"/>
-              <a:t>omp</a:t>
-            </a:r>
-            <a:r>
-              <a:rPr lang="it-IT" dirty="0"/>
-              <a:t>, no graphics</a:t>
-            </a:r>
-          </a:p>
-        </p:txBody>
-      </p:sp>
-      <p:sp>
-        <p:nvSpPr>
-          <p:cNvPr id="3" name="Segnaposto numero diapositiva 2">
-            <a:extLst>
-              <a:ext uri="{FF2B5EF4-FFF2-40B4-BE49-F238E27FC236}">
-                <a16:creationId xmlns:a16="http://schemas.microsoft.com/office/drawing/2014/main" id="{E5B6D8CE-B00C-3E01-F898-DD1F2A59E84B}"/>
+              <a:t>program</a:t>
+            </a:r>
+            <a:endParaRPr lang="it-IT" dirty="0"/>
+          </a:p>
+        </p:txBody>
+      </p:sp>
+      <p:sp>
+        <p:nvSpPr>
+          <p:cNvPr id="3" name="Segnaposto contenuto 2">
+            <a:extLst>
+              <a:ext uri="{FF2B5EF4-FFF2-40B4-BE49-F238E27FC236}">
+                <a16:creationId xmlns:a16="http://schemas.microsoft.com/office/drawing/2014/main" id="{DF1E684B-ABD2-F7DD-FC63-30AB7351B4AF}"/>
+              </a:ext>
+            </a:extLst>
+          </p:cNvPr>
+          <p:cNvSpPr>
+            <a:spLocks noGrp="1"/>
+          </p:cNvSpPr>
+          <p:nvPr>
+            <p:ph idx="1"/>
+          </p:nvPr>
+        </p:nvSpPr>
+        <p:spPr/>
+        <p:txBody>
+          <a:bodyPr/>
+          <a:lstStyle/>
+          <a:p>
+            <a:r>
+              <a:rPr lang="it-IT" sz="1800" dirty="0"/>
+              <a:t>A </a:t>
+            </a:r>
+            <a:r>
+              <a:rPr lang="it-IT" sz="1800" dirty="0" err="1"/>
+              <a:t>python</a:t>
+            </a:r>
+            <a:r>
+              <a:rPr lang="it-IT" sz="1800" dirty="0"/>
+              <a:t> </a:t>
+            </a:r>
+            <a:r>
+              <a:rPr lang="it-IT" sz="1800" dirty="0" err="1"/>
+              <a:t>visualizer</a:t>
+            </a:r>
+            <a:r>
+              <a:rPr lang="it-IT" sz="1800" dirty="0"/>
+              <a:t> </a:t>
+            </a:r>
+            <a:r>
+              <a:rPr lang="it-IT" sz="1800" dirty="0" err="1"/>
+              <a:t>has</a:t>
+            </a:r>
+            <a:r>
+              <a:rPr lang="it-IT" sz="1800" dirty="0"/>
+              <a:t> </a:t>
+            </a:r>
+            <a:r>
+              <a:rPr lang="it-IT" sz="1800" dirty="0" err="1"/>
+              <a:t>been</a:t>
+            </a:r>
+            <a:r>
+              <a:rPr lang="it-IT" sz="1800" dirty="0"/>
+              <a:t> </a:t>
+            </a:r>
+            <a:r>
+              <a:rPr lang="it-IT" sz="1800" dirty="0" err="1"/>
+              <a:t>implemented</a:t>
+            </a:r>
+            <a:r>
+              <a:rPr lang="it-IT" sz="1800" dirty="0"/>
+              <a:t> </a:t>
+            </a:r>
+            <a:r>
+              <a:rPr lang="it-IT" sz="1800" dirty="0" err="1"/>
+              <a:t>that</a:t>
+            </a:r>
+            <a:r>
+              <a:rPr lang="it-IT" sz="1800" dirty="0"/>
+              <a:t> </a:t>
+            </a:r>
+            <a:r>
+              <a:rPr lang="it-IT" sz="1800" dirty="0" err="1"/>
+              <a:t>reads</a:t>
+            </a:r>
+            <a:r>
+              <a:rPr lang="it-IT" sz="1800" dirty="0"/>
+              <a:t> the </a:t>
+            </a:r>
+            <a:r>
+              <a:rPr lang="it-IT" sz="1800" dirty="0" err="1"/>
+              <a:t>binary</a:t>
+            </a:r>
+            <a:r>
+              <a:rPr lang="it-IT" sz="1800" dirty="0"/>
+              <a:t> file in output and plots the bodies in 3D with </a:t>
+            </a:r>
+            <a:r>
+              <a:rPr lang="it-IT" sz="1800" dirty="0" err="1"/>
+              <a:t>matplotlib</a:t>
+            </a:r>
+            <a:r>
+              <a:rPr lang="it-IT" sz="1800" dirty="0"/>
+              <a:t>. </a:t>
+            </a:r>
+            <a:r>
+              <a:rPr lang="it-IT" sz="1800" dirty="0" err="1"/>
+              <a:t>This</a:t>
+            </a:r>
+            <a:r>
+              <a:rPr lang="it-IT" sz="1800" dirty="0"/>
+              <a:t> </a:t>
+            </a:r>
+            <a:r>
+              <a:rPr lang="it-IT" sz="1800" dirty="0" err="1"/>
+              <a:t>was</a:t>
+            </a:r>
+            <a:r>
+              <a:rPr lang="it-IT" sz="1800" dirty="0"/>
+              <a:t> </a:t>
+            </a:r>
+            <a:r>
+              <a:rPr lang="it-IT" sz="1800" dirty="0" err="1"/>
+              <a:t>done</a:t>
+            </a:r>
+            <a:r>
+              <a:rPr lang="it-IT" sz="1800" dirty="0"/>
+              <a:t> to </a:t>
+            </a:r>
+            <a:r>
+              <a:rPr lang="it-IT" sz="1800" dirty="0" err="1"/>
+              <a:t>avoid</a:t>
+            </a:r>
+            <a:r>
+              <a:rPr lang="it-IT" sz="1800" dirty="0"/>
+              <a:t> </a:t>
+            </a:r>
+            <a:r>
+              <a:rPr lang="it-IT" sz="1800" dirty="0" err="1"/>
+              <a:t>slowing</a:t>
+            </a:r>
+            <a:r>
+              <a:rPr lang="it-IT" sz="1800" dirty="0"/>
+              <a:t> performance with the graphics, and to check </a:t>
+            </a:r>
+            <a:r>
+              <a:rPr lang="it-IT" sz="1800" dirty="0" err="1"/>
+              <a:t>correctness</a:t>
+            </a:r>
+            <a:r>
+              <a:rPr lang="it-IT" sz="1800" dirty="0"/>
+              <a:t> of the </a:t>
+            </a:r>
+            <a:r>
+              <a:rPr lang="it-IT" sz="1800" dirty="0" err="1"/>
+              <a:t>algorithm</a:t>
+            </a:r>
+            <a:r>
+              <a:rPr lang="it-IT" sz="1800" dirty="0"/>
+              <a:t>.</a:t>
+            </a:r>
+          </a:p>
+        </p:txBody>
+      </p:sp>
+      <p:sp>
+        <p:nvSpPr>
+          <p:cNvPr id="4" name="Segnaposto numero diapositiva 3">
+            <a:extLst>
+              <a:ext uri="{FF2B5EF4-FFF2-40B4-BE49-F238E27FC236}">
+                <a16:creationId xmlns:a16="http://schemas.microsoft.com/office/drawing/2014/main" id="{8704448F-14F8-2922-4543-4BD0BA56FE8C}"/>
               </a:ext>
             </a:extLst>
           </p:cNvPr>
@@ -12761,6 +13014,7 @@
             <a:pPr rtl="0"/>
             <a:fld id="{75DF2D63-3FF5-D547-96B9-BE9CCD1ABA58}" type="slidenum">
               <a:rPr lang="it-IT" smtClean="0"/>
+              <a:pPr rtl="0"/>
               <a:t>11</a:t>
             </a:fld>
             <a:endParaRPr lang="it-IT" dirty="0"/>
@@ -12769,10 +13023,10 @@
       </p:sp>
       <p:sp>
         <p:nvSpPr>
-          <p:cNvPr id="4" name="Segnaposto piè di pagina 3">
-            <a:extLst>
-              <a:ext uri="{FF2B5EF4-FFF2-40B4-BE49-F238E27FC236}">
-                <a16:creationId xmlns:a16="http://schemas.microsoft.com/office/drawing/2014/main" id="{CC222061-6886-B6C0-57E8-6DE158F450A2}"/>
+          <p:cNvPr id="5" name="Segnaposto piè di pagina 4">
+            <a:extLst>
+              <a:ext uri="{FF2B5EF4-FFF2-40B4-BE49-F238E27FC236}">
+                <a16:creationId xmlns:a16="http://schemas.microsoft.com/office/drawing/2014/main" id="{A20FE295-6F81-DDD8-7680-2A77C63C788E}"/>
               </a:ext>
             </a:extLst>
           </p:cNvPr>
@@ -12796,318 +13050,70 @@
           </a:p>
         </p:txBody>
       </p:sp>
-      <p:sp>
-        <p:nvSpPr>
-          <p:cNvPr id="5" name="CasellaDiTesto 4">
-            <a:extLst>
-              <a:ext uri="{FF2B5EF4-FFF2-40B4-BE49-F238E27FC236}">
-                <a16:creationId xmlns:a16="http://schemas.microsoft.com/office/drawing/2014/main" id="{7FEF82F4-EF27-B0B9-574D-536791AA9D66}"/>
-              </a:ext>
-            </a:extLst>
-          </p:cNvPr>
-          <p:cNvSpPr txBox="1"/>
+      <p:pic>
+        <p:nvPicPr>
+          <p:cNvPr id="7" name="Immagine 6">
+            <a:extLst>
+              <a:ext uri="{FF2B5EF4-FFF2-40B4-BE49-F238E27FC236}">
+                <a16:creationId xmlns:a16="http://schemas.microsoft.com/office/drawing/2014/main" id="{738DE371-3665-328D-70A3-C9DD38710AE8}"/>
+              </a:ext>
+            </a:extLst>
+          </p:cNvPr>
+          <p:cNvPicPr>
+            <a:picLocks noChangeAspect="1"/>
+          </p:cNvPicPr>
           <p:nvPr/>
-        </p:nvSpPr>
+        </p:nvPicPr>
+        <p:blipFill>
+          <a:blip r:embed="rId2"/>
+          <a:stretch>
+            <a:fillRect/>
+          </a:stretch>
+        </p:blipFill>
         <p:spPr>
           <a:xfrm>
-            <a:off x="1295400" y="1865717"/>
-            <a:ext cx="7391400" cy="3970318"/>
+            <a:off x="981456" y="413948"/>
+            <a:ext cx="4152519" cy="3430342"/>
           </a:xfrm>
           <a:prstGeom prst="rect">
             <a:avLst/>
           </a:prstGeom>
-          <a:noFill/>
         </p:spPr>
-        <p:txBody>
-          <a:bodyPr wrap="square" rtlCol="0">
-            <a:spAutoFit/>
-          </a:bodyPr>
-          <a:lstStyle/>
-          <a:p>
-            <a:pPr algn="l"/>
-            <a:r>
-              <a:rPr lang="en-US" b="0" i="0" dirty="0" err="1">
-                <a:solidFill>
-                  <a:srgbClr val="222222"/>
-                </a:solidFill>
-                <a:effectLst/>
-                <a:latin typeface=".SFUI-Regular"/>
-              </a:rPr>
-              <a:t>NBody</a:t>
-            </a:r>
-            <a:r>
-              <a:rPr lang="en-US" b="0" i="0" dirty="0">
-                <a:solidFill>
-                  <a:srgbClr val="222222"/>
-                </a:solidFill>
-                <a:effectLst/>
-                <a:latin typeface=".SFUI-Regular"/>
-              </a:rPr>
-              <a:t> profiling</a:t>
-            </a:r>
-            <a:endParaRPr lang="en-US" b="0" i="0" dirty="0">
-              <a:solidFill>
-                <a:srgbClr val="222222"/>
-              </a:solidFill>
-              <a:effectLst/>
-              <a:latin typeface="System Font"/>
-            </a:endParaRPr>
-          </a:p>
-          <a:p>
-            <a:pPr algn="l"/>
-            <a:r>
-              <a:rPr lang="en-US" b="0" i="0" dirty="0">
-                <a:solidFill>
-                  <a:srgbClr val="222222"/>
-                </a:solidFill>
-                <a:effectLst/>
-                <a:latin typeface=".SFUI-Regular"/>
-              </a:rPr>
-              <a:t>--- SIMULATION INFO ---</a:t>
-            </a:r>
-            <a:endParaRPr lang="en-US" b="0" i="0" dirty="0">
-              <a:solidFill>
-                <a:srgbClr val="222222"/>
-              </a:solidFill>
-              <a:effectLst/>
-              <a:latin typeface="System Font"/>
-            </a:endParaRPr>
-          </a:p>
-          <a:p>
-            <a:pPr algn="l"/>
-            <a:r>
-              <a:rPr lang="en-US" b="0" i="0" dirty="0">
-                <a:solidFill>
-                  <a:srgbClr val="222222"/>
-                </a:solidFill>
-                <a:effectLst/>
-                <a:latin typeface=".SFUI-Regular"/>
-              </a:rPr>
-              <a:t>Problem dimension: 3D</a:t>
-            </a:r>
-            <a:endParaRPr lang="en-US" b="0" i="0" dirty="0">
-              <a:solidFill>
-                <a:srgbClr val="222222"/>
-              </a:solidFill>
-              <a:effectLst/>
-              <a:latin typeface="System Font"/>
-            </a:endParaRPr>
-          </a:p>
-          <a:p>
-            <a:pPr algn="l"/>
-            <a:r>
-              <a:rPr lang="en-US" b="0" i="0" dirty="0">
-                <a:solidFill>
-                  <a:srgbClr val="222222"/>
-                </a:solidFill>
-                <a:effectLst/>
-                <a:latin typeface=".SFUI-Regular"/>
-              </a:rPr>
-              <a:t>Particle amount:            1000</a:t>
-            </a:r>
-            <a:endParaRPr lang="en-US" b="0" i="0" dirty="0">
-              <a:solidFill>
-                <a:srgbClr val="222222"/>
-              </a:solidFill>
-              <a:effectLst/>
-              <a:latin typeface="System Font"/>
-            </a:endParaRPr>
-          </a:p>
-          <a:p>
-            <a:pPr algn="l"/>
-            <a:r>
-              <a:rPr lang="en-US" b="0" i="0" dirty="0">
-                <a:solidFill>
-                  <a:srgbClr val="222222"/>
-                </a:solidFill>
-                <a:effectLst/>
-                <a:latin typeface=".SFUI-Regular"/>
-              </a:rPr>
-              <a:t>Number of iterations:            1000</a:t>
-            </a:r>
-            <a:endParaRPr lang="en-US" b="0" i="0" dirty="0">
-              <a:solidFill>
-                <a:srgbClr val="222222"/>
-              </a:solidFill>
-              <a:effectLst/>
-              <a:latin typeface="System Font"/>
-            </a:endParaRPr>
-          </a:p>
-          <a:p>
-            <a:pPr algn="l"/>
-            <a:r>
-              <a:rPr lang="en-US" b="0" i="0" dirty="0">
-                <a:solidFill>
-                  <a:srgbClr val="222222"/>
-                </a:solidFill>
-                <a:effectLst/>
-                <a:latin typeface=".SFUI-Regular"/>
-              </a:rPr>
-              <a:t>Simulation time resolution:              10 ticks per second</a:t>
-            </a:r>
-            <a:endParaRPr lang="en-US" b="0" i="0" dirty="0">
-              <a:solidFill>
-                <a:srgbClr val="222222"/>
-              </a:solidFill>
-              <a:effectLst/>
-              <a:latin typeface="System Font"/>
-            </a:endParaRPr>
-          </a:p>
-          <a:p>
-            <a:pPr algn="l"/>
-            <a:r>
-              <a:rPr lang="en-US" b="0" i="0" dirty="0">
-                <a:solidFill>
-                  <a:srgbClr val="222222"/>
-                </a:solidFill>
-                <a:effectLst/>
-                <a:latin typeface=".SFUI-Regular"/>
-              </a:rPr>
-              <a:t>Simulation elapsed time:           10000 seconds</a:t>
-            </a:r>
-            <a:endParaRPr lang="en-US" b="0" i="0" dirty="0">
-              <a:solidFill>
-                <a:srgbClr val="222222"/>
-              </a:solidFill>
-              <a:effectLst/>
-              <a:latin typeface="System Font"/>
-            </a:endParaRPr>
-          </a:p>
-          <a:p>
-            <a:pPr algn="l"/>
-            <a:r>
-              <a:rPr lang="en-US" b="0" i="0" dirty="0">
-                <a:solidFill>
-                  <a:srgbClr val="222222"/>
-                </a:solidFill>
-                <a:effectLst/>
-                <a:latin typeface=".SFUI-Regular"/>
-              </a:rPr>
-              <a:t>Graphics refresh time:             200 milliseconds</a:t>
-            </a:r>
-            <a:endParaRPr lang="en-US" b="0" i="0" dirty="0">
-              <a:solidFill>
-                <a:srgbClr val="222222"/>
-              </a:solidFill>
-              <a:effectLst/>
-              <a:latin typeface="System Font"/>
-            </a:endParaRPr>
-          </a:p>
-          <a:p>
-            <a:pPr algn="l"/>
-            <a:r>
-              <a:rPr lang="en-US" b="0" i="0" dirty="0">
-                <a:solidFill>
-                  <a:srgbClr val="222222"/>
-                </a:solidFill>
-                <a:effectLst/>
-                <a:latin typeface=".SFUI-Regular"/>
-              </a:rPr>
-              <a:t>Screen resolution:  2048x 2048</a:t>
-            </a:r>
-            <a:endParaRPr lang="en-US" b="0" i="0" dirty="0">
-              <a:solidFill>
-                <a:srgbClr val="222222"/>
-              </a:solidFill>
-              <a:effectLst/>
-              <a:latin typeface="System Font"/>
-            </a:endParaRPr>
-          </a:p>
-          <a:p>
-            <a:pPr algn="l"/>
-            <a:br>
-              <a:rPr lang="en-US" b="0" i="0" dirty="0">
-                <a:solidFill>
-                  <a:srgbClr val="222222"/>
-                </a:solidFill>
-                <a:effectLst/>
-                <a:latin typeface="System Font"/>
-              </a:rPr>
-            </a:br>
-            <a:endParaRPr lang="en-US" b="0" i="0" dirty="0">
-              <a:solidFill>
-                <a:srgbClr val="222222"/>
-              </a:solidFill>
-              <a:effectLst/>
-              <a:latin typeface="System Font"/>
-            </a:endParaRPr>
-          </a:p>
-          <a:p>
-            <a:pPr algn="l"/>
-            <a:r>
-              <a:rPr lang="en-US" b="0" i="0" dirty="0">
-                <a:solidFill>
-                  <a:srgbClr val="222222"/>
-                </a:solidFill>
-                <a:effectLst/>
-                <a:latin typeface=".SFUI-Regular"/>
-              </a:rPr>
-              <a:t>--- TIMING AND THREADS INFO ---</a:t>
-            </a:r>
-            <a:endParaRPr lang="en-US" b="0" i="0" dirty="0">
-              <a:solidFill>
-                <a:srgbClr val="222222"/>
-              </a:solidFill>
-              <a:effectLst/>
-              <a:latin typeface="System Font"/>
-            </a:endParaRPr>
-          </a:p>
-          <a:p>
-            <a:pPr algn="l"/>
-            <a:r>
-              <a:rPr lang="en-US" b="0" i="0" dirty="0">
-                <a:solidFill>
-                  <a:srgbClr val="222222"/>
-                </a:solidFill>
-                <a:effectLst/>
-                <a:latin typeface=".SFUI-Regular"/>
-              </a:rPr>
-              <a:t>Total duration:          220875 </a:t>
-            </a:r>
-            <a:r>
-              <a:rPr lang="en-US" b="0" i="0" dirty="0" err="1">
-                <a:solidFill>
-                  <a:srgbClr val="222222"/>
-                </a:solidFill>
-                <a:effectLst/>
-                <a:latin typeface=".SFUI-Regular"/>
-              </a:rPr>
-              <a:t>ms</a:t>
-            </a:r>
-            <a:endParaRPr lang="en-US" b="0" i="0" dirty="0">
-              <a:solidFill>
-                <a:srgbClr val="222222"/>
-              </a:solidFill>
-              <a:effectLst/>
-              <a:latin typeface="System Font"/>
-            </a:endParaRPr>
-          </a:p>
-          <a:p>
-            <a:pPr algn="l"/>
-            <a:r>
-              <a:rPr lang="en-US" b="0" i="0" dirty="0">
-                <a:solidFill>
-                  <a:srgbClr val="222222"/>
-                </a:solidFill>
-                <a:effectLst/>
-                <a:latin typeface=".SFUI-Regular"/>
-              </a:rPr>
-              <a:t>Iteration mean duration:          220788 us</a:t>
-            </a:r>
-            <a:endParaRPr lang="en-US" b="0" i="0" dirty="0">
-              <a:solidFill>
-                <a:srgbClr val="222222"/>
-              </a:solidFill>
-              <a:effectLst/>
-              <a:latin typeface="System Font"/>
-            </a:endParaRPr>
-          </a:p>
-        </p:txBody>
-      </p:sp>
+      </p:pic>
+      <p:pic>
+        <p:nvPicPr>
+          <p:cNvPr id="9" name="Immagine 8">
+            <a:extLst>
+              <a:ext uri="{FF2B5EF4-FFF2-40B4-BE49-F238E27FC236}">
+                <a16:creationId xmlns:a16="http://schemas.microsoft.com/office/drawing/2014/main" id="{8486DD64-7AB6-32FD-FE67-FFCCC4FBED57}"/>
+              </a:ext>
+            </a:extLst>
+          </p:cNvPr>
+          <p:cNvPicPr>
+            <a:picLocks noChangeAspect="1"/>
+          </p:cNvPicPr>
+          <p:nvPr/>
+        </p:nvPicPr>
+        <p:blipFill>
+          <a:blip r:embed="rId3"/>
+          <a:stretch>
+            <a:fillRect/>
+          </a:stretch>
+        </p:blipFill>
+        <p:spPr>
+          <a:xfrm>
+            <a:off x="981456" y="4643039"/>
+            <a:ext cx="6114669" cy="1376762"/>
+          </a:xfrm>
+          <a:prstGeom prst="rect">
+            <a:avLst/>
+          </a:prstGeom>
+        </p:spPr>
+      </p:pic>
     </p:spTree>
     <p:extLst>
       <p:ext uri="{BB962C8B-B14F-4D97-AF65-F5344CB8AC3E}">
-        <p14:creationId xmlns:p14="http://schemas.microsoft.com/office/powerpoint/2010/main" val="2467473655"/>
+        <p14:creationId xmlns:p14="http://schemas.microsoft.com/office/powerpoint/2010/main" val="3140174719"/>
       </p:ext>
     </p:extLst>
   </p:cSld>
@@ -13139,7 +13145,7 @@
           <p:cNvPr id="2" name="Titolo 1">
             <a:extLst>
               <a:ext uri="{FF2B5EF4-FFF2-40B4-BE49-F238E27FC236}">
-                <a16:creationId xmlns:a16="http://schemas.microsoft.com/office/drawing/2014/main" id="{F7F11270-885D-CA2D-C6DB-563B7A648D62}"/>
+                <a16:creationId xmlns:a16="http://schemas.microsoft.com/office/drawing/2014/main" id="{E58EB509-D567-9E79-40A1-EEFE585D1D83}"/>
               </a:ext>
             </a:extLst>
           </p:cNvPr>
@@ -13150,32 +13156,80 @@
             <p:ph type="title"/>
           </p:nvPr>
         </p:nvSpPr>
-        <p:spPr/>
+        <p:spPr>
+          <a:xfrm>
+            <a:off x="5449824" y="512153"/>
+            <a:ext cx="5760720" cy="548640"/>
+          </a:xfrm>
+        </p:spPr>
         <p:txBody>
           <a:bodyPr/>
           <a:lstStyle/>
           <a:p>
             <a:r>
+              <a:rPr lang="it-IT" dirty="0" err="1"/>
+              <a:t>Structure</a:t>
+            </a:r>
+            <a:r>
               <a:rPr lang="it-IT" dirty="0"/>
-              <a:t>Server – no </a:t>
+              <a:t> of the </a:t>
             </a:r>
             <a:r>
               <a:rPr lang="it-IT" dirty="0" err="1"/>
-              <a:t>omp</a:t>
-            </a:r>
-            <a:r>
-              <a:rPr lang="it-IT" dirty="0"/>
-              <a:t>, no graphics, 2000 bodies</a:t>
-            </a:r>
-          </a:p>
-        </p:txBody>
-      </p:sp>
-      <p:sp>
-        <p:nvSpPr>
-          <p:cNvPr id="3" name="Segnaposto numero diapositiva 2">
-            <a:extLst>
-              <a:ext uri="{FF2B5EF4-FFF2-40B4-BE49-F238E27FC236}">
-                <a16:creationId xmlns:a16="http://schemas.microsoft.com/office/drawing/2014/main" id="{E5B6D8CE-B00C-3E01-F898-DD1F2A59E84B}"/>
+              <a:t>program</a:t>
+            </a:r>
+            <a:endParaRPr lang="it-IT" dirty="0"/>
+          </a:p>
+        </p:txBody>
+      </p:sp>
+      <p:sp>
+        <p:nvSpPr>
+          <p:cNvPr id="3" name="Segnaposto contenuto 2">
+            <a:extLst>
+              <a:ext uri="{FF2B5EF4-FFF2-40B4-BE49-F238E27FC236}">
+                <a16:creationId xmlns:a16="http://schemas.microsoft.com/office/drawing/2014/main" id="{DF1E684B-ABD2-F7DD-FC63-30AB7351B4AF}"/>
+              </a:ext>
+            </a:extLst>
+          </p:cNvPr>
+          <p:cNvSpPr>
+            <a:spLocks noGrp="1"/>
+          </p:cNvSpPr>
+          <p:nvPr>
+            <p:ph idx="1"/>
+          </p:nvPr>
+        </p:nvSpPr>
+        <p:spPr>
+          <a:xfrm>
+            <a:off x="4145871" y="2299317"/>
+            <a:ext cx="7523718" cy="3909459"/>
+          </a:xfrm>
+        </p:spPr>
+        <p:txBody>
+          <a:bodyPr/>
+          <a:lstStyle/>
+          <a:p>
+            <a:pPr algn="ctr"/>
+            <a:r>
+              <a:rPr lang="it-IT" sz="1800" dirty="0"/>
+              <a:t>A close look to the </a:t>
+            </a:r>
+            <a:r>
+              <a:rPr lang="it-IT" sz="1800" dirty="0" err="1"/>
+              <a:t>binary</a:t>
+            </a:r>
+            <a:r>
+              <a:rPr lang="it-IT" sz="1800" dirty="0"/>
+              <a:t> file:</a:t>
+            </a:r>
+          </a:p>
+        </p:txBody>
+      </p:sp>
+      <p:sp>
+        <p:nvSpPr>
+          <p:cNvPr id="4" name="Segnaposto numero diapositiva 3">
+            <a:extLst>
+              <a:ext uri="{FF2B5EF4-FFF2-40B4-BE49-F238E27FC236}">
+                <a16:creationId xmlns:a16="http://schemas.microsoft.com/office/drawing/2014/main" id="{8704448F-14F8-2922-4543-4BD0BA56FE8C}"/>
               </a:ext>
             </a:extLst>
           </p:cNvPr>
@@ -13194,6 +13248,7 @@
             <a:pPr rtl="0"/>
             <a:fld id="{75DF2D63-3FF5-D547-96B9-BE9CCD1ABA58}" type="slidenum">
               <a:rPr lang="it-IT" smtClean="0"/>
+              <a:pPr rtl="0"/>
               <a:t>12</a:t>
             </a:fld>
             <a:endParaRPr lang="it-IT" dirty="0"/>
@@ -13202,10 +13257,10 @@
       </p:sp>
       <p:sp>
         <p:nvSpPr>
-          <p:cNvPr id="4" name="Segnaposto piè di pagina 3">
-            <a:extLst>
-              <a:ext uri="{FF2B5EF4-FFF2-40B4-BE49-F238E27FC236}">
-                <a16:creationId xmlns:a16="http://schemas.microsoft.com/office/drawing/2014/main" id="{CC222061-6886-B6C0-57E8-6DE158F450A2}"/>
+          <p:cNvPr id="5" name="Segnaposto piè di pagina 4">
+            <a:extLst>
+              <a:ext uri="{FF2B5EF4-FFF2-40B4-BE49-F238E27FC236}">
+                <a16:creationId xmlns:a16="http://schemas.microsoft.com/office/drawing/2014/main" id="{A20FE295-6F81-DDD8-7680-2A77C63C788E}"/>
               </a:ext>
             </a:extLst>
           </p:cNvPr>
@@ -13229,329 +13284,40 @@
           </a:p>
         </p:txBody>
       </p:sp>
-      <p:sp>
-        <p:nvSpPr>
-          <p:cNvPr id="5" name="CasellaDiTesto 4">
-            <a:extLst>
-              <a:ext uri="{FF2B5EF4-FFF2-40B4-BE49-F238E27FC236}">
-                <a16:creationId xmlns:a16="http://schemas.microsoft.com/office/drawing/2014/main" id="{7FEF82F4-EF27-B0B9-574D-536791AA9D66}"/>
-              </a:ext>
-            </a:extLst>
-          </p:cNvPr>
-          <p:cNvSpPr txBox="1"/>
+      <p:pic>
+        <p:nvPicPr>
+          <p:cNvPr id="11" name="Immagine 10">
+            <a:extLst>
+              <a:ext uri="{FF2B5EF4-FFF2-40B4-BE49-F238E27FC236}">
+                <a16:creationId xmlns:a16="http://schemas.microsoft.com/office/drawing/2014/main" id="{4F7BEFD0-8542-828C-765C-858596364976}"/>
+              </a:ext>
+            </a:extLst>
+          </p:cNvPr>
+          <p:cNvPicPr>
+            <a:picLocks noChangeAspect="1"/>
+          </p:cNvPicPr>
           <p:nvPr/>
-        </p:nvSpPr>
+        </p:nvPicPr>
+        <p:blipFill>
+          <a:blip r:embed="rId2"/>
+          <a:stretch>
+            <a:fillRect/>
+          </a:stretch>
+        </p:blipFill>
         <p:spPr>
           <a:xfrm>
-            <a:off x="1295400" y="1865717"/>
-            <a:ext cx="7391400" cy="3693319"/>
+            <a:off x="4145871" y="3140630"/>
+            <a:ext cx="7498874" cy="3205217"/>
           </a:xfrm>
           <a:prstGeom prst="rect">
             <a:avLst/>
           </a:prstGeom>
-          <a:noFill/>
         </p:spPr>
-        <p:txBody>
-          <a:bodyPr wrap="square" rtlCol="0">
-            <a:spAutoFit/>
-          </a:bodyPr>
-          <a:lstStyle/>
-          <a:p>
-            <a:pPr algn="l"/>
-            <a:r>
-              <a:rPr lang="en-US" b="0" i="0" dirty="0" err="1">
-                <a:solidFill>
-                  <a:srgbClr val="222222"/>
-                </a:solidFill>
-                <a:effectLst/>
-                <a:latin typeface=".SFUI-Regular"/>
-              </a:rPr>
-              <a:t>NBody</a:t>
-            </a:r>
-            <a:r>
-              <a:rPr lang="en-US" b="0" i="0" dirty="0">
-                <a:solidFill>
-                  <a:srgbClr val="222222"/>
-                </a:solidFill>
-                <a:effectLst/>
-                <a:latin typeface=".SFUI-Regular"/>
-              </a:rPr>
-              <a:t> profiling </a:t>
-            </a:r>
-            <a:endParaRPr lang="en-US" b="0" i="0" dirty="0">
-              <a:solidFill>
-                <a:srgbClr val="222222"/>
-              </a:solidFill>
-              <a:effectLst/>
-              <a:latin typeface="System Font"/>
-            </a:endParaRPr>
-          </a:p>
-          <a:p>
-            <a:pPr algn="l"/>
-            <a:r>
-              <a:rPr lang="en-US" b="0" i="0" dirty="0">
-                <a:solidFill>
-                  <a:srgbClr val="222222"/>
-                </a:solidFill>
-                <a:effectLst/>
-                <a:latin typeface=".SFUI-Regular"/>
-              </a:rPr>
-              <a:t>--- SIMULATION INFO --- </a:t>
-            </a:r>
-            <a:endParaRPr lang="en-US" b="0" i="0" dirty="0">
-              <a:solidFill>
-                <a:srgbClr val="222222"/>
-              </a:solidFill>
-              <a:effectLst/>
-              <a:latin typeface="System Font"/>
-            </a:endParaRPr>
-          </a:p>
-          <a:p>
-            <a:pPr algn="l"/>
-            <a:r>
-              <a:rPr lang="en-US" b="0" i="0" dirty="0">
-                <a:solidFill>
-                  <a:srgbClr val="222222"/>
-                </a:solidFill>
-                <a:effectLst/>
-                <a:latin typeface=".SFUI-Regular"/>
-              </a:rPr>
-              <a:t>Problem dimension: 3D </a:t>
-            </a:r>
-            <a:endParaRPr lang="en-US" b="0" i="0" dirty="0">
-              <a:solidFill>
-                <a:srgbClr val="222222"/>
-              </a:solidFill>
-              <a:effectLst/>
-              <a:latin typeface="System Font"/>
-            </a:endParaRPr>
-          </a:p>
-          <a:p>
-            <a:pPr algn="l"/>
-            <a:r>
-              <a:rPr lang="en-US" b="0" i="0" dirty="0">
-                <a:solidFill>
-                  <a:srgbClr val="222222"/>
-                </a:solidFill>
-                <a:effectLst/>
-                <a:latin typeface=".SFUI-Regular"/>
-              </a:rPr>
-              <a:t>Particle amount:            2000 </a:t>
-            </a:r>
-            <a:endParaRPr lang="en-US" b="0" i="0" dirty="0">
-              <a:solidFill>
-                <a:srgbClr val="222222"/>
-              </a:solidFill>
-              <a:effectLst/>
-              <a:latin typeface="System Font"/>
-            </a:endParaRPr>
-          </a:p>
-          <a:p>
-            <a:pPr algn="l"/>
-            <a:r>
-              <a:rPr lang="en-US" b="0" i="0" dirty="0">
-                <a:solidFill>
-                  <a:srgbClr val="222222"/>
-                </a:solidFill>
-                <a:effectLst/>
-                <a:latin typeface=".SFUI-Regular"/>
-              </a:rPr>
-              <a:t>Number of iterations:            1000 </a:t>
-            </a:r>
-            <a:endParaRPr lang="en-US" b="0" i="0" dirty="0">
-              <a:solidFill>
-                <a:srgbClr val="222222"/>
-              </a:solidFill>
-              <a:effectLst/>
-              <a:latin typeface="System Font"/>
-            </a:endParaRPr>
-          </a:p>
-          <a:p>
-            <a:pPr algn="l"/>
-            <a:r>
-              <a:rPr lang="en-US" b="0" i="0" dirty="0">
-                <a:solidFill>
-                  <a:srgbClr val="222222"/>
-                </a:solidFill>
-                <a:effectLst/>
-                <a:latin typeface=".SFUI-Regular"/>
-              </a:rPr>
-              <a:t>Simulation time resolution:              10 ticks per second </a:t>
-            </a:r>
-            <a:endParaRPr lang="en-US" b="0" i="0" dirty="0">
-              <a:solidFill>
-                <a:srgbClr val="222222"/>
-              </a:solidFill>
-              <a:effectLst/>
-              <a:latin typeface="System Font"/>
-            </a:endParaRPr>
-          </a:p>
-          <a:p>
-            <a:pPr algn="l"/>
-            <a:r>
-              <a:rPr lang="en-US" b="0" i="0" dirty="0">
-                <a:solidFill>
-                  <a:srgbClr val="222222"/>
-                </a:solidFill>
-                <a:effectLst/>
-                <a:latin typeface=".SFUI-Regular"/>
-              </a:rPr>
-              <a:t>Simulation elapsed time:           10000 seconds </a:t>
-            </a:r>
-            <a:endParaRPr lang="en-US" b="0" i="0" dirty="0">
-              <a:solidFill>
-                <a:srgbClr val="222222"/>
-              </a:solidFill>
-              <a:effectLst/>
-              <a:latin typeface="System Font"/>
-            </a:endParaRPr>
-          </a:p>
-          <a:p>
-            <a:pPr algn="l"/>
-            <a:r>
-              <a:rPr lang="en-US" b="0" i="0" dirty="0">
-                <a:solidFill>
-                  <a:srgbClr val="222222"/>
-                </a:solidFill>
-                <a:effectLst/>
-                <a:latin typeface=".SFUI-Regular"/>
-              </a:rPr>
-              <a:t>Graphics refresh time:            1000 milliseconds </a:t>
-            </a:r>
-            <a:endParaRPr lang="en-US" b="0" i="0" dirty="0">
-              <a:solidFill>
-                <a:srgbClr val="222222"/>
-              </a:solidFill>
-              <a:effectLst/>
-              <a:latin typeface="System Font"/>
-            </a:endParaRPr>
-          </a:p>
-          <a:p>
-            <a:pPr algn="l"/>
-            <a:r>
-              <a:rPr lang="en-US" b="0" i="0" dirty="0">
-                <a:solidFill>
-                  <a:srgbClr val="222222"/>
-                </a:solidFill>
-                <a:effectLst/>
-                <a:latin typeface=".SFUI-Regular"/>
-              </a:rPr>
-              <a:t>Screen resolution:  2048x 2048 </a:t>
-            </a:r>
-            <a:endParaRPr lang="en-US" b="0" i="0" dirty="0">
-              <a:solidFill>
-                <a:srgbClr val="222222"/>
-              </a:solidFill>
-              <a:effectLst/>
-              <a:latin typeface="System Font"/>
-            </a:endParaRPr>
-          </a:p>
-          <a:p>
-            <a:pPr algn="l"/>
-            <a:r>
-              <a:rPr lang="en-US" b="0" i="0" dirty="0">
-                <a:solidFill>
-                  <a:srgbClr val="222222"/>
-                </a:solidFill>
-                <a:effectLst/>
-                <a:latin typeface=".SFUI-Regular"/>
-              </a:rPr>
-              <a:t> </a:t>
-            </a:r>
-            <a:endParaRPr lang="en-US" b="0" i="0" dirty="0">
-              <a:solidFill>
-                <a:srgbClr val="222222"/>
-              </a:solidFill>
-              <a:effectLst/>
-              <a:latin typeface="System Font"/>
-            </a:endParaRPr>
-          </a:p>
-          <a:p>
-            <a:pPr algn="l"/>
-            <a:r>
-              <a:rPr lang="en-US" b="0" i="0" dirty="0">
-                <a:solidFill>
-                  <a:srgbClr val="222222"/>
-                </a:solidFill>
-                <a:effectLst/>
-                <a:latin typeface=".SFUI-Regular"/>
-              </a:rPr>
-              <a:t>--- TIMING AND THREADS INFO --- </a:t>
-            </a:r>
-            <a:endParaRPr lang="en-US" b="0" i="0" dirty="0">
-              <a:solidFill>
-                <a:srgbClr val="222222"/>
-              </a:solidFill>
-              <a:effectLst/>
-              <a:latin typeface="System Font"/>
-            </a:endParaRPr>
-          </a:p>
-          <a:p>
-            <a:pPr algn="l"/>
-            <a:r>
-              <a:rPr lang="en-US" b="0" i="0" dirty="0">
-                <a:solidFill>
-                  <a:srgbClr val="222222"/>
-                </a:solidFill>
-                <a:effectLst/>
-                <a:latin typeface=".SFUI-Regular"/>
-              </a:rPr>
-              <a:t>Total duration:         3651476 </a:t>
-            </a:r>
-            <a:r>
-              <a:rPr lang="en-US" b="0" i="0" dirty="0" err="1">
-                <a:solidFill>
-                  <a:srgbClr val="222222"/>
-                </a:solidFill>
-                <a:effectLst/>
-                <a:latin typeface=".SFUI-Regular"/>
-              </a:rPr>
-              <a:t>ms</a:t>
-            </a:r>
-            <a:r>
-              <a:rPr lang="en-US" b="0" i="0" dirty="0">
-                <a:solidFill>
-                  <a:srgbClr val="222222"/>
-                </a:solidFill>
-                <a:effectLst/>
-                <a:latin typeface=".SFUI-Regular"/>
-              </a:rPr>
-              <a:t> </a:t>
-            </a:r>
-            <a:endParaRPr lang="en-US" b="0" i="0" dirty="0">
-              <a:solidFill>
-                <a:srgbClr val="222222"/>
-              </a:solidFill>
-              <a:effectLst/>
-              <a:latin typeface="System Font"/>
-            </a:endParaRPr>
-          </a:p>
-          <a:p>
-            <a:pPr algn="l"/>
-            <a:r>
-              <a:rPr lang="en-US" b="0" i="0" dirty="0">
-                <a:solidFill>
-                  <a:srgbClr val="222222"/>
-                </a:solidFill>
-                <a:effectLst/>
-                <a:latin typeface=".SFUI-Regular"/>
-              </a:rPr>
-              <a:t>Iteration mean duration:         3651433 us</a:t>
-            </a:r>
-            <a:endParaRPr lang="en-US" b="0" i="0" dirty="0">
-              <a:solidFill>
-                <a:srgbClr val="222222"/>
-              </a:solidFill>
-              <a:effectLst/>
-              <a:latin typeface="System Font"/>
-            </a:endParaRPr>
-          </a:p>
-        </p:txBody>
-      </p:sp>
+      </p:pic>
     </p:spTree>
     <p:extLst>
       <p:ext uri="{BB962C8B-B14F-4D97-AF65-F5344CB8AC3E}">
-        <p14:creationId xmlns:p14="http://schemas.microsoft.com/office/powerpoint/2010/main" val="980201111"/>
+        <p14:creationId xmlns:p14="http://schemas.microsoft.com/office/powerpoint/2010/main" val="3472370695"/>
       </p:ext>
     </p:extLst>
   </p:cSld>
@@ -13583,7 +13349,7 @@
           <p:cNvPr id="2" name="Titolo 1">
             <a:extLst>
               <a:ext uri="{FF2B5EF4-FFF2-40B4-BE49-F238E27FC236}">
-                <a16:creationId xmlns:a16="http://schemas.microsoft.com/office/drawing/2014/main" id="{F7F11270-885D-CA2D-C6DB-563B7A648D62}"/>
+                <a16:creationId xmlns:a16="http://schemas.microsoft.com/office/drawing/2014/main" id="{6FFED3AD-F66C-7487-0BAA-B3E454A2926D}"/>
               </a:ext>
             </a:extLst>
           </p:cNvPr>
@@ -13600,31 +13366,269 @@
           <a:lstStyle/>
           <a:p>
             <a:r>
+              <a:rPr lang="it-IT" dirty="0" err="1"/>
+              <a:t>Structure</a:t>
+            </a:r>
+            <a:r>
               <a:rPr lang="it-IT" dirty="0"/>
-              <a:t>Server – yes </a:t>
+              <a:t> of the </a:t>
             </a:r>
             <a:r>
               <a:rPr lang="it-IT" dirty="0" err="1"/>
-              <a:t>omp</a:t>
+              <a:t>program</a:t>
+            </a:r>
+            <a:endParaRPr lang="it-IT" dirty="0"/>
+          </a:p>
+        </p:txBody>
+      </p:sp>
+      <p:sp>
+        <p:nvSpPr>
+          <p:cNvPr id="3" name="Segnaposto contenuto 2">
+            <a:extLst>
+              <a:ext uri="{FF2B5EF4-FFF2-40B4-BE49-F238E27FC236}">
+                <a16:creationId xmlns:a16="http://schemas.microsoft.com/office/drawing/2014/main" id="{6FAA00B5-3282-AA52-FD47-0D8D7C1724B9}"/>
+              </a:ext>
+            </a:extLst>
+          </p:cNvPr>
+          <p:cNvSpPr>
+            <a:spLocks noGrp="1"/>
+          </p:cNvSpPr>
+          <p:nvPr>
+            <p:ph idx="1"/>
+          </p:nvPr>
+        </p:nvSpPr>
+        <p:spPr/>
+        <p:txBody>
+          <a:bodyPr/>
+          <a:lstStyle/>
+          <a:p>
+            <a:r>
+              <a:rPr lang="it-IT" dirty="0" err="1"/>
+              <a:t>We</a:t>
             </a:r>
             <a:r>
               <a:rPr lang="it-IT" dirty="0"/>
-              <a:t>, no graphics </a:t>
+              <a:t> </a:t>
             </a:r>
             <a:r>
               <a:rPr lang="it-IT" dirty="0" err="1"/>
-              <a:t>optimized</a:t>
-            </a:r>
-            <a:endParaRPr lang="it-IT" dirty="0"/>
-          </a:p>
-        </p:txBody>
-      </p:sp>
-      <p:sp>
-        <p:nvSpPr>
-          <p:cNvPr id="3" name="Segnaposto numero diapositiva 2">
-            <a:extLst>
-              <a:ext uri="{FF2B5EF4-FFF2-40B4-BE49-F238E27FC236}">
-                <a16:creationId xmlns:a16="http://schemas.microsoft.com/office/drawing/2014/main" id="{E5B6D8CE-B00C-3E01-F898-DD1F2A59E84B}"/>
+              <a:t>have</a:t>
+            </a:r>
+            <a:r>
+              <a:rPr lang="it-IT" dirty="0"/>
+              <a:t> </a:t>
+            </a:r>
+            <a:r>
+              <a:rPr lang="it-IT" dirty="0" err="1"/>
+              <a:t>also</a:t>
+            </a:r>
+            <a:r>
+              <a:rPr lang="it-IT" dirty="0"/>
+              <a:t> </a:t>
+            </a:r>
+            <a:r>
+              <a:rPr lang="it-IT" dirty="0" err="1"/>
+              <a:t>built</a:t>
+            </a:r>
+            <a:r>
+              <a:rPr lang="it-IT" dirty="0"/>
+              <a:t> a JSON parser to be </a:t>
+            </a:r>
+            <a:r>
+              <a:rPr lang="it-IT" dirty="0" err="1"/>
+              <a:t>able</a:t>
+            </a:r>
+            <a:r>
+              <a:rPr lang="it-IT" dirty="0"/>
+              <a:t> to </a:t>
+            </a:r>
+            <a:r>
+              <a:rPr lang="it-IT" dirty="0" err="1"/>
+              <a:t>simply</a:t>
+            </a:r>
+            <a:r>
+              <a:rPr lang="it-IT" dirty="0"/>
+              <a:t> </a:t>
+            </a:r>
+            <a:r>
+              <a:rPr lang="it-IT" dirty="0" err="1"/>
+              <a:t>change</a:t>
+            </a:r>
+            <a:r>
+              <a:rPr lang="it-IT" dirty="0"/>
+              <a:t> </a:t>
+            </a:r>
+            <a:r>
+              <a:rPr lang="it-IT" dirty="0" err="1"/>
+              <a:t>our</a:t>
+            </a:r>
+            <a:r>
+              <a:rPr lang="it-IT" dirty="0"/>
+              <a:t> </a:t>
+            </a:r>
+            <a:r>
+              <a:rPr lang="it-IT" dirty="0" err="1"/>
+              <a:t>constants</a:t>
+            </a:r>
+            <a:r>
+              <a:rPr lang="it-IT" dirty="0"/>
+              <a:t> </a:t>
+            </a:r>
+            <a:r>
+              <a:rPr lang="it-IT" dirty="0" err="1"/>
+              <a:t>along</a:t>
+            </a:r>
+            <a:r>
+              <a:rPr lang="it-IT" dirty="0"/>
+              <a:t> he way, and a </a:t>
+            </a:r>
+            <a:r>
+              <a:rPr lang="it-IT" dirty="0" err="1"/>
+              <a:t>binary</a:t>
+            </a:r>
+            <a:r>
+              <a:rPr lang="it-IT" dirty="0"/>
+              <a:t> file </a:t>
+            </a:r>
+            <a:r>
+              <a:rPr lang="it-IT" dirty="0" err="1"/>
+              <a:t>that</a:t>
+            </a:r>
+            <a:r>
+              <a:rPr lang="it-IT" dirty="0"/>
+              <a:t> stores the status of a </a:t>
+            </a:r>
+            <a:r>
+              <a:rPr lang="it-IT" dirty="0" err="1"/>
+              <a:t>simulation</a:t>
+            </a:r>
+            <a:r>
+              <a:rPr lang="it-IT" dirty="0"/>
+              <a:t> to be </a:t>
+            </a:r>
+            <a:r>
+              <a:rPr lang="it-IT" dirty="0" err="1"/>
+              <a:t>able</a:t>
+            </a:r>
+            <a:r>
+              <a:rPr lang="it-IT" dirty="0"/>
+              <a:t> to load </a:t>
+            </a:r>
+            <a:r>
+              <a:rPr lang="it-IT" dirty="0" err="1"/>
+              <a:t>it</a:t>
+            </a:r>
+            <a:r>
+              <a:rPr lang="it-IT" dirty="0"/>
+              <a:t> and/or </a:t>
+            </a:r>
+            <a:r>
+              <a:rPr lang="it-IT" dirty="0" err="1"/>
+              <a:t>save</a:t>
+            </a:r>
+            <a:r>
+              <a:rPr lang="it-IT" dirty="0"/>
+              <a:t> the </a:t>
+            </a:r>
+            <a:r>
+              <a:rPr lang="it-IT" dirty="0" err="1"/>
+              <a:t>current</a:t>
+            </a:r>
+            <a:r>
+              <a:rPr lang="it-IT" dirty="0"/>
+              <a:t> state.</a:t>
+            </a:r>
+          </a:p>
+          <a:p>
+            <a:r>
+              <a:rPr lang="it-IT" dirty="0" err="1"/>
+              <a:t>We</a:t>
+            </a:r>
+            <a:r>
+              <a:rPr lang="it-IT" dirty="0"/>
+              <a:t> </a:t>
+            </a:r>
+            <a:r>
+              <a:rPr lang="it-IT" dirty="0" err="1"/>
+              <a:t>built</a:t>
+            </a:r>
+            <a:r>
+              <a:rPr lang="it-IT" dirty="0"/>
+              <a:t> a 3D graphics </a:t>
+            </a:r>
+            <a:r>
+              <a:rPr lang="it-IT" dirty="0" err="1"/>
+              <a:t>engine</a:t>
+            </a:r>
+            <a:r>
+              <a:rPr lang="it-IT" dirty="0"/>
+              <a:t> with OpenGL </a:t>
+            </a:r>
+            <a:r>
+              <a:rPr lang="it-IT" dirty="0" err="1"/>
+              <a:t>that</a:t>
+            </a:r>
+            <a:r>
+              <a:rPr lang="it-IT" dirty="0"/>
+              <a:t> </a:t>
+            </a:r>
+            <a:r>
+              <a:rPr lang="it-IT" dirty="0" err="1"/>
+              <a:t>is</a:t>
+            </a:r>
+            <a:r>
+              <a:rPr lang="it-IT" dirty="0"/>
+              <a:t> </a:t>
+            </a:r>
+            <a:r>
+              <a:rPr lang="it-IT" dirty="0" err="1"/>
+              <a:t>able</a:t>
+            </a:r>
+            <a:r>
+              <a:rPr lang="it-IT" dirty="0"/>
+              <a:t> to </a:t>
+            </a:r>
+            <a:r>
+              <a:rPr lang="it-IT" dirty="0" err="1"/>
+              <a:t>effectively</a:t>
+            </a:r>
+            <a:r>
+              <a:rPr lang="it-IT" dirty="0"/>
+              <a:t> plot </a:t>
+            </a:r>
+            <a:r>
+              <a:rPr lang="it-IT" dirty="0" err="1"/>
+              <a:t>our</a:t>
+            </a:r>
+            <a:r>
+              <a:rPr lang="it-IT" dirty="0"/>
+              <a:t> system and simulate </a:t>
+            </a:r>
+            <a:r>
+              <a:rPr lang="it-IT" dirty="0" err="1"/>
+              <a:t>its</a:t>
+            </a:r>
+            <a:r>
+              <a:rPr lang="it-IT" dirty="0"/>
+              <a:t> </a:t>
+            </a:r>
+            <a:r>
+              <a:rPr lang="it-IT" dirty="0" err="1"/>
+              <a:t>behaviour</a:t>
+            </a:r>
+            <a:r>
+              <a:rPr lang="it-IT" dirty="0"/>
+              <a:t>.</a:t>
+            </a:r>
+          </a:p>
+        </p:txBody>
+      </p:sp>
+      <p:sp>
+        <p:nvSpPr>
+          <p:cNvPr id="4" name="Segnaposto numero diapositiva 3">
+            <a:extLst>
+              <a:ext uri="{FF2B5EF4-FFF2-40B4-BE49-F238E27FC236}">
+                <a16:creationId xmlns:a16="http://schemas.microsoft.com/office/drawing/2014/main" id="{616B0CEA-1705-E4EC-E210-8C3D01433203}"/>
               </a:ext>
             </a:extLst>
           </p:cNvPr>
@@ -13643,6 +13647,7 @@
             <a:pPr rtl="0"/>
             <a:fld id="{75DF2D63-3FF5-D547-96B9-BE9CCD1ABA58}" type="slidenum">
               <a:rPr lang="it-IT" smtClean="0"/>
+              <a:pPr rtl="0"/>
               <a:t>13</a:t>
             </a:fld>
             <a:endParaRPr lang="it-IT" dirty="0"/>
@@ -13651,10 +13656,10 @@
       </p:sp>
       <p:sp>
         <p:nvSpPr>
-          <p:cNvPr id="4" name="Segnaposto piè di pagina 3">
-            <a:extLst>
-              <a:ext uri="{FF2B5EF4-FFF2-40B4-BE49-F238E27FC236}">
-                <a16:creationId xmlns:a16="http://schemas.microsoft.com/office/drawing/2014/main" id="{CC222061-6886-B6C0-57E8-6DE158F450A2}"/>
+          <p:cNvPr id="5" name="Segnaposto piè di pagina 4">
+            <a:extLst>
+              <a:ext uri="{FF2B5EF4-FFF2-40B4-BE49-F238E27FC236}">
+                <a16:creationId xmlns:a16="http://schemas.microsoft.com/office/drawing/2014/main" id="{470A3129-1DB3-3D83-B6AC-F7EEF296E526}"/>
               </a:ext>
             </a:extLst>
           </p:cNvPr>
@@ -13675,332 +13680,13 @@
               <a:rPr lang="it-IT"/>
               <a:t>titolo della presentazione</a:t>
             </a:r>
-          </a:p>
-        </p:txBody>
-      </p:sp>
-      <p:sp>
-        <p:nvSpPr>
-          <p:cNvPr id="5" name="CasellaDiTesto 4">
-            <a:extLst>
-              <a:ext uri="{FF2B5EF4-FFF2-40B4-BE49-F238E27FC236}">
-                <a16:creationId xmlns:a16="http://schemas.microsoft.com/office/drawing/2014/main" id="{7FEF82F4-EF27-B0B9-574D-536791AA9D66}"/>
-              </a:ext>
-            </a:extLst>
-          </p:cNvPr>
-          <p:cNvSpPr txBox="1"/>
-          <p:nvPr/>
-        </p:nvSpPr>
-        <p:spPr>
-          <a:xfrm>
-            <a:off x="1295400" y="1865717"/>
-            <a:ext cx="7391400" cy="3693319"/>
-          </a:xfrm>
-          <a:prstGeom prst="rect">
-            <a:avLst/>
-          </a:prstGeom>
-          <a:noFill/>
-        </p:spPr>
-        <p:txBody>
-          <a:bodyPr wrap="square" rtlCol="0">
-            <a:spAutoFit/>
-          </a:bodyPr>
-          <a:lstStyle/>
-          <a:p>
-            <a:pPr algn="l"/>
-            <a:r>
-              <a:rPr lang="en-US" b="0" i="0" dirty="0" err="1">
-                <a:solidFill>
-                  <a:srgbClr val="222222"/>
-                </a:solidFill>
-                <a:effectLst/>
-                <a:latin typeface=".SFUI-Regular"/>
-              </a:rPr>
-              <a:t>NBody</a:t>
-            </a:r>
-            <a:r>
-              <a:rPr lang="en-US" b="0" i="0" dirty="0">
-                <a:solidFill>
-                  <a:srgbClr val="222222"/>
-                </a:solidFill>
-                <a:effectLst/>
-                <a:latin typeface=".SFUI-Regular"/>
-              </a:rPr>
-              <a:t> profiling </a:t>
-            </a:r>
-            <a:endParaRPr lang="en-US" b="0" i="0" dirty="0">
-              <a:solidFill>
-                <a:srgbClr val="222222"/>
-              </a:solidFill>
-              <a:effectLst/>
-              <a:latin typeface="System Font"/>
-            </a:endParaRPr>
-          </a:p>
-          <a:p>
-            <a:pPr algn="l"/>
-            <a:r>
-              <a:rPr lang="en-US" b="0" i="0" dirty="0">
-                <a:solidFill>
-                  <a:srgbClr val="222222"/>
-                </a:solidFill>
-                <a:effectLst/>
-                <a:latin typeface=".SFUI-Regular"/>
-              </a:rPr>
-              <a:t>--- SIMULATION INFO --- </a:t>
-            </a:r>
-            <a:endParaRPr lang="en-US" b="0" i="0" dirty="0">
-              <a:solidFill>
-                <a:srgbClr val="222222"/>
-              </a:solidFill>
-              <a:effectLst/>
-              <a:latin typeface="System Font"/>
-            </a:endParaRPr>
-          </a:p>
-          <a:p>
-            <a:pPr algn="l"/>
-            <a:r>
-              <a:rPr lang="en-US" b="0" i="0" dirty="0">
-                <a:solidFill>
-                  <a:srgbClr val="222222"/>
-                </a:solidFill>
-                <a:effectLst/>
-                <a:latin typeface=".SFUI-Regular"/>
-              </a:rPr>
-              <a:t>Problem dimension: 3D </a:t>
-            </a:r>
-            <a:endParaRPr lang="en-US" b="0" i="0" dirty="0">
-              <a:solidFill>
-                <a:srgbClr val="222222"/>
-              </a:solidFill>
-              <a:effectLst/>
-              <a:latin typeface="System Font"/>
-            </a:endParaRPr>
-          </a:p>
-          <a:p>
-            <a:pPr algn="l"/>
-            <a:r>
-              <a:rPr lang="en-US" b="0" i="0" dirty="0">
-                <a:solidFill>
-                  <a:srgbClr val="222222"/>
-                </a:solidFill>
-                <a:effectLst/>
-                <a:latin typeface=".SFUI-Regular"/>
-              </a:rPr>
-              <a:t>Particle amount:            1000 </a:t>
-            </a:r>
-            <a:endParaRPr lang="en-US" b="0" i="0" dirty="0">
-              <a:solidFill>
-                <a:srgbClr val="222222"/>
-              </a:solidFill>
-              <a:effectLst/>
-              <a:latin typeface="System Font"/>
-            </a:endParaRPr>
-          </a:p>
-          <a:p>
-            <a:pPr algn="l"/>
-            <a:r>
-              <a:rPr lang="en-US" b="0" i="0" dirty="0">
-                <a:solidFill>
-                  <a:srgbClr val="222222"/>
-                </a:solidFill>
-                <a:effectLst/>
-                <a:latin typeface=".SFUI-Regular"/>
-              </a:rPr>
-              <a:t>Number of iterations:            1000 </a:t>
-            </a:r>
-            <a:endParaRPr lang="en-US" b="0" i="0" dirty="0">
-              <a:solidFill>
-                <a:srgbClr val="222222"/>
-              </a:solidFill>
-              <a:effectLst/>
-              <a:latin typeface="System Font"/>
-            </a:endParaRPr>
-          </a:p>
-          <a:p>
-            <a:pPr algn="l"/>
-            <a:r>
-              <a:rPr lang="en-US" b="0" i="0" dirty="0">
-                <a:solidFill>
-                  <a:srgbClr val="222222"/>
-                </a:solidFill>
-                <a:effectLst/>
-                <a:latin typeface=".SFUI-Regular"/>
-              </a:rPr>
-              <a:t>Simulation time resolution:              10 ticks per second </a:t>
-            </a:r>
-            <a:endParaRPr lang="en-US" b="0" i="0" dirty="0">
-              <a:solidFill>
-                <a:srgbClr val="222222"/>
-              </a:solidFill>
-              <a:effectLst/>
-              <a:latin typeface="System Font"/>
-            </a:endParaRPr>
-          </a:p>
-          <a:p>
-            <a:pPr algn="l"/>
-            <a:r>
-              <a:rPr lang="en-US" b="0" i="0" dirty="0">
-                <a:solidFill>
-                  <a:srgbClr val="222222"/>
-                </a:solidFill>
-                <a:effectLst/>
-                <a:latin typeface=".SFUI-Regular"/>
-              </a:rPr>
-              <a:t>Simulation elapsed time:           10000 seconds </a:t>
-            </a:r>
-            <a:endParaRPr lang="en-US" b="0" i="0" dirty="0">
-              <a:solidFill>
-                <a:srgbClr val="222222"/>
-              </a:solidFill>
-              <a:effectLst/>
-              <a:latin typeface="System Font"/>
-            </a:endParaRPr>
-          </a:p>
-          <a:p>
-            <a:pPr algn="l"/>
-            <a:r>
-              <a:rPr lang="en-US" b="0" i="0" dirty="0">
-                <a:solidFill>
-                  <a:srgbClr val="222222"/>
-                </a:solidFill>
-                <a:effectLst/>
-                <a:latin typeface=".SFUI-Regular"/>
-              </a:rPr>
-              <a:t>Graphics refresh time:            1000 milliseconds </a:t>
-            </a:r>
-            <a:endParaRPr lang="en-US" b="0" i="0" dirty="0">
-              <a:solidFill>
-                <a:srgbClr val="222222"/>
-              </a:solidFill>
-              <a:effectLst/>
-              <a:latin typeface="System Font"/>
-            </a:endParaRPr>
-          </a:p>
-          <a:p>
-            <a:pPr algn="l"/>
-            <a:r>
-              <a:rPr lang="en-US" b="0" i="0" dirty="0">
-                <a:solidFill>
-                  <a:srgbClr val="222222"/>
-                </a:solidFill>
-                <a:effectLst/>
-                <a:latin typeface=".SFUI-Regular"/>
-              </a:rPr>
-              <a:t>Screen resolution:  2048x 2048 </a:t>
-            </a:r>
-            <a:endParaRPr lang="en-US" b="0" i="0" dirty="0">
-              <a:solidFill>
-                <a:srgbClr val="222222"/>
-              </a:solidFill>
-              <a:effectLst/>
-              <a:latin typeface="System Font"/>
-            </a:endParaRPr>
-          </a:p>
-          <a:p>
-            <a:pPr algn="l"/>
-            <a:r>
-              <a:rPr lang="en-US" b="0" i="0" dirty="0">
-                <a:solidFill>
-                  <a:srgbClr val="222222"/>
-                </a:solidFill>
-                <a:effectLst/>
-                <a:latin typeface=".SFUI-Regular"/>
-              </a:rPr>
-              <a:t> </a:t>
-            </a:r>
-            <a:endParaRPr lang="en-US" b="0" i="0" dirty="0">
-              <a:solidFill>
-                <a:srgbClr val="222222"/>
-              </a:solidFill>
-              <a:effectLst/>
-              <a:latin typeface="System Font"/>
-            </a:endParaRPr>
-          </a:p>
-          <a:p>
-            <a:pPr algn="l"/>
-            <a:r>
-              <a:rPr lang="en-US" b="0" i="0" dirty="0">
-                <a:solidFill>
-                  <a:srgbClr val="222222"/>
-                </a:solidFill>
-                <a:effectLst/>
-                <a:latin typeface=".SFUI-Regular"/>
-              </a:rPr>
-              <a:t>--- TIMING AND THREADS INFO --- </a:t>
-            </a:r>
-            <a:endParaRPr lang="en-US" b="0" i="0" dirty="0">
-              <a:solidFill>
-                <a:srgbClr val="222222"/>
-              </a:solidFill>
-              <a:effectLst/>
-              <a:latin typeface="System Font"/>
-            </a:endParaRPr>
-          </a:p>
-          <a:p>
-            <a:pPr algn="l"/>
-            <a:r>
-              <a:rPr lang="en-US" b="0" i="0" dirty="0">
-                <a:solidFill>
-                  <a:srgbClr val="222222"/>
-                </a:solidFill>
-                <a:effectLst/>
-                <a:latin typeface=".SFUI-Regular"/>
-              </a:rPr>
-              <a:t>Total duration:           37667 </a:t>
-            </a:r>
-            <a:r>
-              <a:rPr lang="en-US" b="0" i="0" dirty="0" err="1">
-                <a:solidFill>
-                  <a:srgbClr val="222222"/>
-                </a:solidFill>
-                <a:effectLst/>
-                <a:latin typeface=".SFUI-Regular"/>
-              </a:rPr>
-              <a:t>ms</a:t>
-            </a:r>
-            <a:r>
-              <a:rPr lang="en-US" b="0" i="0" dirty="0">
-                <a:solidFill>
-                  <a:srgbClr val="222222"/>
-                </a:solidFill>
-                <a:effectLst/>
-                <a:latin typeface=".SFUI-Regular"/>
-              </a:rPr>
-              <a:t> </a:t>
-            </a:r>
-            <a:endParaRPr lang="en-US" b="0" i="0" dirty="0">
-              <a:solidFill>
-                <a:srgbClr val="222222"/>
-              </a:solidFill>
-              <a:effectLst/>
-              <a:latin typeface="System Font"/>
-            </a:endParaRPr>
-          </a:p>
-          <a:p>
-            <a:pPr algn="l"/>
-            <a:r>
-              <a:rPr lang="en-US" b="0" i="0" dirty="0">
-                <a:solidFill>
-                  <a:srgbClr val="222222"/>
-                </a:solidFill>
-                <a:effectLst/>
-                <a:latin typeface=".SFUI-Regular"/>
-              </a:rPr>
-              <a:t>Iteration mean duration:           37578 us</a:t>
-            </a:r>
-            <a:endParaRPr lang="en-US" b="0" i="0" dirty="0">
-              <a:solidFill>
-                <a:srgbClr val="222222"/>
-              </a:solidFill>
-              <a:effectLst/>
-              <a:latin typeface="System Font"/>
-            </a:endParaRPr>
           </a:p>
         </p:txBody>
       </p:sp>
     </p:spTree>
     <p:extLst>
       <p:ext uri="{BB962C8B-B14F-4D97-AF65-F5344CB8AC3E}">
-        <p14:creationId xmlns:p14="http://schemas.microsoft.com/office/powerpoint/2010/main" val="3468047538"/>
+        <p14:creationId xmlns:p14="http://schemas.microsoft.com/office/powerpoint/2010/main" val="3701463856"/>
       </p:ext>
     </p:extLst>
   </p:cSld>
@@ -14027,12 +13713,37 @@
           <a:chExt cx="0" cy="0"/>
         </a:xfrm>
       </p:grpSpPr>
-      <p:sp>
-        <p:nvSpPr>
-          <p:cNvPr id="2" name="Titolo 1">
-            <a:extLst>
-              <a:ext uri="{FF2B5EF4-FFF2-40B4-BE49-F238E27FC236}">
-                <a16:creationId xmlns:a16="http://schemas.microsoft.com/office/drawing/2014/main" id="{F7F11270-885D-CA2D-C6DB-563B7A648D62}"/>
+      <p:pic>
+        <p:nvPicPr>
+          <p:cNvPr id="6" name="Segnaposto immagine 5" descr="Immagine che contiene computer&#10;&#10;Descrizione generata automaticamente">
+            <a:extLst>
+              <a:ext uri="{FF2B5EF4-FFF2-40B4-BE49-F238E27FC236}">
+                <a16:creationId xmlns:a16="http://schemas.microsoft.com/office/drawing/2014/main" id="{B756FD0C-7B81-B0EA-8BC1-FA973336403B}"/>
+              </a:ext>
+            </a:extLst>
+          </p:cNvPr>
+          <p:cNvPicPr>
+            <a:picLocks noGrp="1" noChangeAspect="1"/>
+          </p:cNvPicPr>
+          <p:nvPr>
+            <p:ph type="pic" sz="quarter" idx="10"/>
+          </p:nvPr>
+        </p:nvPicPr>
+        <p:blipFill>
+          <a:blip r:embed="rId2"/>
+          <a:srcRect t="13774" b="13774"/>
+          <a:stretch>
+            <a:fillRect/>
+          </a:stretch>
+        </p:blipFill>
+        <p:spPr/>
+      </p:pic>
+      <p:sp>
+        <p:nvSpPr>
+          <p:cNvPr id="3" name="Titolo 2">
+            <a:extLst>
+              <a:ext uri="{FF2B5EF4-FFF2-40B4-BE49-F238E27FC236}">
+                <a16:creationId xmlns:a16="http://schemas.microsoft.com/office/drawing/2014/main" id="{9A4671B0-D050-D6C3-5581-B0F06525C3F1}"/>
               </a:ext>
             </a:extLst>
           </p:cNvPr>
@@ -14043,397 +13754,31 @@
             <p:ph type="title"/>
           </p:nvPr>
         </p:nvSpPr>
-        <p:spPr/>
+        <p:spPr>
+          <a:xfrm>
+            <a:off x="2040636" y="3195828"/>
+            <a:ext cx="8110728" cy="457200"/>
+          </a:xfrm>
+        </p:spPr>
         <p:txBody>
           <a:bodyPr/>
           <a:lstStyle/>
           <a:p>
             <a:r>
-              <a:rPr lang="it-IT" dirty="0"/>
-              <a:t>pc – no </a:t>
-            </a:r>
-            <a:r>
-              <a:rPr lang="it-IT" dirty="0" err="1"/>
-              <a:t>omp</a:t>
-            </a:r>
-            <a:r>
-              <a:rPr lang="it-IT" dirty="0"/>
-              <a:t>, no graphics</a:t>
-            </a:r>
-          </a:p>
-        </p:txBody>
-      </p:sp>
-      <p:sp>
-        <p:nvSpPr>
-          <p:cNvPr id="3" name="Segnaposto numero diapositiva 2">
-            <a:extLst>
-              <a:ext uri="{FF2B5EF4-FFF2-40B4-BE49-F238E27FC236}">
-                <a16:creationId xmlns:a16="http://schemas.microsoft.com/office/drawing/2014/main" id="{E5B6D8CE-B00C-3E01-F898-DD1F2A59E84B}"/>
-              </a:ext>
-            </a:extLst>
-          </p:cNvPr>
-          <p:cNvSpPr>
-            <a:spLocks noGrp="1"/>
-          </p:cNvSpPr>
-          <p:nvPr>
-            <p:ph type="sldNum" sz="quarter" idx="11"/>
-          </p:nvPr>
-        </p:nvSpPr>
-        <p:spPr/>
-        <p:txBody>
-          <a:bodyPr/>
-          <a:lstStyle/>
-          <a:p>
-            <a:pPr rtl="0"/>
-            <a:fld id="{75DF2D63-3FF5-D547-96B9-BE9CCD1ABA58}" type="slidenum">
-              <a:rPr lang="it-IT" smtClean="0"/>
-              <a:t>14</a:t>
-            </a:fld>
-            <a:endParaRPr lang="it-IT" dirty="0"/>
-          </a:p>
-        </p:txBody>
-      </p:sp>
-      <p:sp>
-        <p:nvSpPr>
-          <p:cNvPr id="4" name="Segnaposto piè di pagina 3">
-            <a:extLst>
-              <a:ext uri="{FF2B5EF4-FFF2-40B4-BE49-F238E27FC236}">
-                <a16:creationId xmlns:a16="http://schemas.microsoft.com/office/drawing/2014/main" id="{CC222061-6886-B6C0-57E8-6DE158F450A2}"/>
-              </a:ext>
-            </a:extLst>
-          </p:cNvPr>
-          <p:cNvSpPr>
-            <a:spLocks noGrp="1"/>
-          </p:cNvSpPr>
-          <p:nvPr>
-            <p:ph type="ftr" sz="quarter" idx="12"/>
-          </p:nvPr>
-        </p:nvSpPr>
-        <p:spPr/>
-        <p:txBody>
-          <a:bodyPr/>
-          <a:lstStyle/>
-          <a:p>
-            <a:pPr rtl="0"/>
-            <a:r>
-              <a:rPr lang="it-IT"/>
-              <a:t>titolo della presentazione</a:t>
-            </a:r>
-          </a:p>
-        </p:txBody>
-      </p:sp>
-      <p:sp>
-        <p:nvSpPr>
-          <p:cNvPr id="5" name="CasellaDiTesto 4">
-            <a:extLst>
-              <a:ext uri="{FF2B5EF4-FFF2-40B4-BE49-F238E27FC236}">
-                <a16:creationId xmlns:a16="http://schemas.microsoft.com/office/drawing/2014/main" id="{7FEF82F4-EF27-B0B9-574D-536791AA9D66}"/>
-              </a:ext>
-            </a:extLst>
-          </p:cNvPr>
-          <p:cNvSpPr txBox="1"/>
-          <p:nvPr/>
-        </p:nvSpPr>
-        <p:spPr>
-          <a:xfrm>
-            <a:off x="1295400" y="1865717"/>
-            <a:ext cx="7391400" cy="3970318"/>
-          </a:xfrm>
-          <a:prstGeom prst="rect">
-            <a:avLst/>
-          </a:prstGeom>
-          <a:noFill/>
-        </p:spPr>
-        <p:txBody>
-          <a:bodyPr wrap="square" rtlCol="0">
-            <a:spAutoFit/>
-          </a:bodyPr>
-          <a:lstStyle/>
-          <a:p>
-            <a:pPr algn="l"/>
-            <a:r>
-              <a:rPr lang="en-US" b="0" i="0" dirty="0" err="1">
+              <a:rPr lang="it-IT" dirty="0">
                 <a:solidFill>
-                  <a:srgbClr val="222222"/>
+                  <a:schemeClr val="bg1"/>
                 </a:solidFill>
-                <a:effectLst/>
-                <a:latin typeface=".SFUI-Regular"/>
               </a:rPr>
-              <a:t>NBody</a:t>
-            </a:r>
-            <a:r>
-              <a:rPr lang="en-US" b="0" i="0" dirty="0">
-                <a:solidFill>
-                  <a:srgbClr val="222222"/>
-                </a:solidFill>
-                <a:effectLst/>
-                <a:latin typeface=".SFUI-Regular"/>
-              </a:rPr>
-              <a:t> profiling</a:t>
-            </a:r>
-            <a:endParaRPr lang="en-US" b="0" i="0" dirty="0">
-              <a:solidFill>
-                <a:srgbClr val="222222"/>
-              </a:solidFill>
-              <a:effectLst/>
-              <a:latin typeface="System Font"/>
-            </a:endParaRPr>
-          </a:p>
-          <a:p>
-            <a:pPr algn="l"/>
-            <a:r>
-              <a:rPr lang="en-US" b="0" i="0" dirty="0">
-                <a:solidFill>
-                  <a:srgbClr val="222222"/>
-                </a:solidFill>
-                <a:effectLst/>
-                <a:latin typeface=".SFUI-Regular"/>
-              </a:rPr>
-              <a:t>--- SIMULATION INFO ---</a:t>
-            </a:r>
-            <a:endParaRPr lang="en-US" b="0" i="0" dirty="0">
-              <a:solidFill>
-                <a:srgbClr val="222222"/>
-              </a:solidFill>
-              <a:effectLst/>
-              <a:latin typeface="System Font"/>
-            </a:endParaRPr>
-          </a:p>
-          <a:p>
-            <a:pPr algn="l"/>
-            <a:r>
-              <a:rPr lang="en-US" b="0" i="0" dirty="0">
-                <a:solidFill>
-                  <a:srgbClr val="222222"/>
-                </a:solidFill>
-                <a:effectLst/>
-                <a:latin typeface=".SFUI-Regular"/>
-              </a:rPr>
-              <a:t>Problem dimension: 3D</a:t>
-            </a:r>
-            <a:endParaRPr lang="en-US" b="0" i="0" dirty="0">
-              <a:solidFill>
-                <a:srgbClr val="222222"/>
-              </a:solidFill>
-              <a:effectLst/>
-              <a:latin typeface="System Font"/>
-            </a:endParaRPr>
-          </a:p>
-          <a:p>
-            <a:pPr algn="l"/>
-            <a:r>
-              <a:rPr lang="en-US" b="0" i="0" dirty="0">
-                <a:solidFill>
-                  <a:srgbClr val="222222"/>
-                </a:solidFill>
-                <a:effectLst/>
-                <a:latin typeface=".SFUI-Regular"/>
-              </a:rPr>
-              <a:t>Particle amount:            1000</a:t>
-            </a:r>
-            <a:endParaRPr lang="en-US" b="0" i="0" dirty="0">
-              <a:solidFill>
-                <a:srgbClr val="222222"/>
-              </a:solidFill>
-              <a:effectLst/>
-              <a:latin typeface="System Font"/>
-            </a:endParaRPr>
-          </a:p>
-          <a:p>
-            <a:pPr algn="l"/>
-            <a:r>
-              <a:rPr lang="en-US" b="0" i="0" dirty="0">
-                <a:solidFill>
-                  <a:srgbClr val="222222"/>
-                </a:solidFill>
-                <a:effectLst/>
-                <a:latin typeface=".SFUI-Regular"/>
-              </a:rPr>
-              <a:t>Number of iterations:            1000</a:t>
-            </a:r>
-            <a:endParaRPr lang="en-US" b="0" i="0" dirty="0">
-              <a:solidFill>
-                <a:srgbClr val="222222"/>
-              </a:solidFill>
-              <a:effectLst/>
-              <a:latin typeface="System Font"/>
-            </a:endParaRPr>
-          </a:p>
-          <a:p>
-            <a:pPr algn="l"/>
-            <a:r>
-              <a:rPr lang="en-US" b="0" i="0" dirty="0">
-                <a:solidFill>
-                  <a:srgbClr val="222222"/>
-                </a:solidFill>
-                <a:effectLst/>
-                <a:latin typeface=".SFUI-Regular"/>
-              </a:rPr>
-              <a:t>Simulation time resolution:              10 ticks per second</a:t>
-            </a:r>
-            <a:endParaRPr lang="en-US" b="0" i="0" dirty="0">
-              <a:solidFill>
-                <a:srgbClr val="222222"/>
-              </a:solidFill>
-              <a:effectLst/>
-              <a:latin typeface="System Font"/>
-            </a:endParaRPr>
-          </a:p>
-          <a:p>
-            <a:pPr algn="l"/>
-            <a:r>
-              <a:rPr lang="en-US" b="0" i="0" dirty="0">
-                <a:solidFill>
-                  <a:srgbClr val="222222"/>
-                </a:solidFill>
-                <a:effectLst/>
-                <a:latin typeface=".SFUI-Regular"/>
-              </a:rPr>
-              <a:t>Simulation elapsed time:           10000 seconds</a:t>
-            </a:r>
-            <a:endParaRPr lang="en-US" b="0" i="0" dirty="0">
-              <a:solidFill>
-                <a:srgbClr val="222222"/>
-              </a:solidFill>
-              <a:effectLst/>
-              <a:latin typeface="System Font"/>
-            </a:endParaRPr>
-          </a:p>
-          <a:p>
-            <a:pPr algn="l"/>
-            <a:r>
-              <a:rPr lang="en-US" b="0" i="0" dirty="0">
-                <a:solidFill>
-                  <a:srgbClr val="222222"/>
-                </a:solidFill>
-                <a:effectLst/>
-                <a:latin typeface=".SFUI-Regular"/>
-              </a:rPr>
-              <a:t>Graphics refresh time:             200 milliseconds</a:t>
-            </a:r>
-            <a:endParaRPr lang="en-US" b="0" i="0" dirty="0">
-              <a:solidFill>
-                <a:srgbClr val="222222"/>
-              </a:solidFill>
-              <a:effectLst/>
-              <a:latin typeface="System Font"/>
-            </a:endParaRPr>
-          </a:p>
-          <a:p>
-            <a:pPr algn="l"/>
-            <a:r>
-              <a:rPr lang="en-US" b="0" i="0" dirty="0">
-                <a:solidFill>
-                  <a:srgbClr val="222222"/>
-                </a:solidFill>
-                <a:effectLst/>
-                <a:latin typeface=".SFUI-Regular"/>
-              </a:rPr>
-              <a:t>Screen resolution:  2048x 2048</a:t>
-            </a:r>
-            <a:endParaRPr lang="en-US" b="0" i="0" dirty="0">
-              <a:solidFill>
-                <a:srgbClr val="222222"/>
-              </a:solidFill>
-              <a:effectLst/>
-              <a:latin typeface="System Font"/>
-            </a:endParaRPr>
-          </a:p>
-          <a:p>
-            <a:pPr algn="l"/>
-            <a:br>
-              <a:rPr lang="en-US" b="0" i="0" dirty="0">
-                <a:solidFill>
-                  <a:srgbClr val="222222"/>
-                </a:solidFill>
-                <a:effectLst/>
-                <a:latin typeface="System Font"/>
-              </a:rPr>
-            </a:br>
-            <a:endParaRPr lang="en-US" b="0" i="0" dirty="0">
-              <a:solidFill>
-                <a:srgbClr val="222222"/>
-              </a:solidFill>
-              <a:effectLst/>
-              <a:latin typeface="System Font"/>
-            </a:endParaRPr>
-          </a:p>
-          <a:p>
-            <a:pPr algn="l"/>
-            <a:r>
-              <a:rPr lang="en-US" b="0" i="0" dirty="0">
-                <a:solidFill>
-                  <a:srgbClr val="222222"/>
-                </a:solidFill>
-                <a:effectLst/>
-                <a:latin typeface=".SFUI-Regular"/>
-              </a:rPr>
-              <a:t>--- TIMING AND THREADS INFO ---</a:t>
-            </a:r>
-            <a:endParaRPr lang="en-US" b="0" i="0" dirty="0">
-              <a:solidFill>
-                <a:srgbClr val="222222"/>
-              </a:solidFill>
-              <a:effectLst/>
-              <a:latin typeface="System Font"/>
-            </a:endParaRPr>
-          </a:p>
-          <a:p>
-            <a:pPr algn="l"/>
-            <a:r>
-              <a:rPr lang="en-US" b="0" i="0" dirty="0">
-                <a:solidFill>
-                  <a:srgbClr val="222222"/>
-                </a:solidFill>
-                <a:effectLst/>
-                <a:latin typeface=".SFUI-Regular"/>
-              </a:rPr>
-              <a:t>Total duration:          616221 </a:t>
-            </a:r>
-            <a:r>
-              <a:rPr lang="en-US" b="0" i="0" dirty="0" err="1">
-                <a:solidFill>
-                  <a:srgbClr val="222222"/>
-                </a:solidFill>
-                <a:effectLst/>
-                <a:latin typeface=".SFUI-Regular"/>
-              </a:rPr>
-              <a:t>ms</a:t>
-            </a:r>
-            <a:endParaRPr lang="en-US" b="0" i="0" dirty="0">
-              <a:solidFill>
-                <a:srgbClr val="222222"/>
-              </a:solidFill>
-              <a:effectLst/>
-              <a:latin typeface="System Font"/>
-            </a:endParaRPr>
-          </a:p>
-          <a:p>
-            <a:pPr algn="l"/>
-            <a:r>
-              <a:rPr lang="en-US" b="0" i="0" dirty="0">
-                <a:solidFill>
-                  <a:srgbClr val="222222"/>
-                </a:solidFill>
-                <a:effectLst/>
-                <a:latin typeface=".SFUI-Regular"/>
-              </a:rPr>
-              <a:t>Iteration mean duration:          616186 us</a:t>
-            </a:r>
-            <a:endParaRPr lang="en-US" b="0" i="0" dirty="0">
-              <a:solidFill>
-                <a:srgbClr val="222222"/>
-              </a:solidFill>
-              <a:effectLst/>
-              <a:latin typeface="System Font"/>
-            </a:endParaRPr>
+              <a:t>Performance</a:t>
+            </a:r>
           </a:p>
         </p:txBody>
       </p:sp>
     </p:spTree>
     <p:extLst>
       <p:ext uri="{BB962C8B-B14F-4D97-AF65-F5344CB8AC3E}">
-        <p14:creationId xmlns:p14="http://schemas.microsoft.com/office/powerpoint/2010/main" val="3810117604"/>
+        <p14:creationId xmlns:p14="http://schemas.microsoft.com/office/powerpoint/2010/main" val="3526478263"/>
       </p:ext>
     </p:extLst>
   </p:cSld>
@@ -14483,7 +13828,7 @@
           <a:p>
             <a:r>
               <a:rPr lang="it-IT" dirty="0"/>
-              <a:t>pc – yes </a:t>
+              <a:t>Server – no </a:t>
             </a:r>
             <a:r>
               <a:rPr lang="it-IT" dirty="0" err="1"/>
@@ -14570,7 +13915,7 @@
         <p:spPr>
           <a:xfrm>
             <a:off x="1295400" y="1865717"/>
-            <a:ext cx="7391400" cy="3970318"/>
+            <a:ext cx="7391400" cy="3693319"/>
           </a:xfrm>
           <a:prstGeom prst="rect">
             <a:avLst/>
@@ -14622,7 +13967,7 @@
                 <a:effectLst/>
                 <a:latin typeface=".SFUI-Regular"/>
               </a:rPr>
-              <a:t>--- SIMULATION INFO ---</a:t>
+              <a:t>--- SIMULATION INFO --- </a:t>
             </a:r>
             <a:endParaRPr lang="en-US" b="0" i="0" dirty="0">
               <a:solidFill>
@@ -14642,7 +13987,7 @@
                 <a:effectLst/>
                 <a:latin typeface=".SFUI-Regular"/>
               </a:rPr>
-              <a:t>Problem dimension: 3D</a:t>
+              <a:t>Problem dimension: 3D </a:t>
             </a:r>
             <a:endParaRPr lang="en-US" b="0" i="0" dirty="0">
               <a:solidFill>
@@ -14662,7 +14007,7 @@
                 <a:effectLst/>
                 <a:latin typeface=".SFUI-Regular"/>
               </a:rPr>
-              <a:t>Particle amount:            1000</a:t>
+              <a:t>Particle amount:            1000 </a:t>
             </a:r>
             <a:endParaRPr lang="en-US" b="0" i="0" dirty="0">
               <a:solidFill>
@@ -14682,7 +14027,7 @@
                 <a:effectLst/>
                 <a:latin typeface=".SFUI-Regular"/>
               </a:rPr>
-              <a:t>Number of iterations:            1000</a:t>
+              <a:t>Number of iterations:            1000 </a:t>
             </a:r>
             <a:endParaRPr lang="en-US" b="0" i="0" dirty="0">
               <a:solidFill>
@@ -14702,7 +14047,7 @@
                 <a:effectLst/>
                 <a:latin typeface=".SFUI-Regular"/>
               </a:rPr>
-              <a:t>Simulation time resolution:              10 ticks per second</a:t>
+              <a:t>Simulation time resolution:              10 ticks per second </a:t>
             </a:r>
             <a:endParaRPr lang="en-US" b="0" i="0" dirty="0">
               <a:solidFill>
@@ -14722,7 +14067,7 @@
                 <a:effectLst/>
                 <a:latin typeface=".SFUI-Regular"/>
               </a:rPr>
-              <a:t>Simulation elapsed time:           10000 seconds</a:t>
+              <a:t>Simulation elapsed time:           10000 seconds </a:t>
             </a:r>
             <a:endParaRPr lang="en-US" b="0" i="0" dirty="0">
               <a:solidFill>
@@ -14742,7 +14087,7 @@
                 <a:effectLst/>
                 <a:latin typeface=".SFUI-Regular"/>
               </a:rPr>
-              <a:t>Graphics refresh time:             200 milliseconds</a:t>
+              <a:t>Graphics refresh time:            1000 milliseconds </a:t>
             </a:r>
             <a:endParaRPr lang="en-US" b="0" i="0" dirty="0">
               <a:solidFill>
@@ -14762,7 +14107,7 @@
                 <a:effectLst/>
                 <a:latin typeface=".SFUI-Regular"/>
               </a:rPr>
-              <a:t>Screen resolution:  2048x 2048</a:t>
+              <a:t>Screen resolution:  2048x 2048 </a:t>
             </a:r>
             <a:endParaRPr lang="en-US" b="0" i="0" dirty="0">
               <a:solidFill>
@@ -14774,15 +14119,16 @@
           </a:p>
           <a:p>
             <a:pPr algn="l"/>
-            <a:br>
+            <a:r>
               <a:rPr lang="en-US" b="0" i="0" dirty="0">
                 <a:solidFill>
                   <a:srgbClr val="222222"/>
                 </a:solidFill>
                 <a:effectLst/>
-                <a:latin typeface="System Font"/>
+                <a:latin typeface=".SFUI-Regular"/>
               </a:rPr>
-            </a:br>
+              <a:t> </a:t>
+            </a:r>
             <a:endParaRPr lang="en-US" b="0" i="0" dirty="0">
               <a:solidFill>
                 <a:srgbClr val="222222"/>
@@ -14801,7 +14147,7 @@
                 <a:effectLst/>
                 <a:latin typeface=".SFUI-Regular"/>
               </a:rPr>
-              <a:t>--- TIMING AND THREADS INFO ---</a:t>
+              <a:t>--- TIMING AND THREADS INFO --- </a:t>
             </a:r>
             <a:endParaRPr lang="en-US" b="0" i="0" dirty="0">
               <a:solidFill>
@@ -14821,7 +14167,7 @@
                 <a:effectLst/>
                 <a:latin typeface=".SFUI-Regular"/>
               </a:rPr>
-              <a:t>Total duration:           56731 </a:t>
+              <a:t>Total duration:          909933 </a:t>
             </a:r>
             <a:r>
               <a:rPr lang="en-US" b="0" i="0" dirty="0" err="1">
@@ -14833,6 +14179,16 @@
               </a:rPr>
               <a:t>ms</a:t>
             </a:r>
+            <a:r>
+              <a:rPr lang="en-US" b="0" i="0" dirty="0">
+                <a:solidFill>
+                  <a:srgbClr val="222222"/>
+                </a:solidFill>
+                <a:effectLst/>
+                <a:latin typeface=".SFUI-Regular"/>
+              </a:rPr>
+              <a:t> </a:t>
+            </a:r>
             <a:endParaRPr lang="en-US" b="0" i="0" dirty="0">
               <a:solidFill>
                 <a:srgbClr val="222222"/>
@@ -14851,7 +14207,7 @@
                 <a:effectLst/>
                 <a:latin typeface=".SFUI-Regular"/>
               </a:rPr>
-              <a:t>Iteration mean duration:           56552 us</a:t>
+              <a:t>Iteration mean duration:          909908 us</a:t>
             </a:r>
             <a:endParaRPr lang="en-US" b="0" i="0" dirty="0">
               <a:solidFill>
@@ -14866,7 +14222,7 @@
     </p:spTree>
     <p:extLst>
       <p:ext uri="{BB962C8B-B14F-4D97-AF65-F5344CB8AC3E}">
-        <p14:creationId xmlns:p14="http://schemas.microsoft.com/office/powerpoint/2010/main" val="2197561036"/>
+        <p14:creationId xmlns:p14="http://schemas.microsoft.com/office/powerpoint/2010/main" val="175221670"/>
       </p:ext>
     </p:extLst>
   </p:cSld>
@@ -14893,204 +14249,1739 @@
           <a:chExt cx="0" cy="0"/>
         </a:xfrm>
       </p:grpSpPr>
-      <p:pic>
-        <p:nvPicPr>
-          <p:cNvPr id="7" name="Segnaposto immagine 6" descr="Immagine che contiene oggetto da esterni, stella&#10;&#10;Descrizione generata automaticamente">
-            <a:extLst>
-              <a:ext uri="{FF2B5EF4-FFF2-40B4-BE49-F238E27FC236}">
-                <a16:creationId xmlns:a16="http://schemas.microsoft.com/office/drawing/2014/main" id="{2E443FE3-6ABC-C324-6125-6E2F460D552D}"/>
-              </a:ext>
-            </a:extLst>
-          </p:cNvPr>
-          <p:cNvPicPr>
-            <a:picLocks noGrp="1" noChangeAspect="1"/>
-          </p:cNvPicPr>
-          <p:nvPr>
-            <p:ph type="pic" sz="quarter" idx="12"/>
-          </p:nvPr>
-        </p:nvPicPr>
-        <p:blipFill>
-          <a:blip r:embed="rId3"/>
-          <a:srcRect t="8739" b="8739"/>
-          <a:stretch>
-            <a:fillRect/>
-          </a:stretch>
-        </p:blipFill>
+      <p:sp>
+        <p:nvSpPr>
+          <p:cNvPr id="2" name="Titolo 1">
+            <a:extLst>
+              <a:ext uri="{FF2B5EF4-FFF2-40B4-BE49-F238E27FC236}">
+                <a16:creationId xmlns:a16="http://schemas.microsoft.com/office/drawing/2014/main" id="{F7F11270-885D-CA2D-C6DB-563B7A648D62}"/>
+              </a:ext>
+            </a:extLst>
+          </p:cNvPr>
+          <p:cNvSpPr>
+            <a:spLocks noGrp="1"/>
+          </p:cNvSpPr>
+          <p:nvPr>
+            <p:ph type="title"/>
+          </p:nvPr>
+        </p:nvSpPr>
+        <p:spPr/>
+        <p:txBody>
+          <a:bodyPr/>
+          <a:lstStyle/>
+          <a:p>
+            <a:r>
+              <a:rPr lang="it-IT" dirty="0"/>
+              <a:t>Server – yes </a:t>
+            </a:r>
+            <a:r>
+              <a:rPr lang="it-IT" dirty="0" err="1"/>
+              <a:t>omp</a:t>
+            </a:r>
+            <a:r>
+              <a:rPr lang="it-IT" dirty="0"/>
+              <a:t>, no graphics</a:t>
+            </a:r>
+          </a:p>
+        </p:txBody>
+      </p:sp>
+      <p:sp>
+        <p:nvSpPr>
+          <p:cNvPr id="3" name="Segnaposto numero diapositiva 2">
+            <a:extLst>
+              <a:ext uri="{FF2B5EF4-FFF2-40B4-BE49-F238E27FC236}">
+                <a16:creationId xmlns:a16="http://schemas.microsoft.com/office/drawing/2014/main" id="{E5B6D8CE-B00C-3E01-F898-DD1F2A59E84B}"/>
+              </a:ext>
+            </a:extLst>
+          </p:cNvPr>
+          <p:cNvSpPr>
+            <a:spLocks noGrp="1"/>
+          </p:cNvSpPr>
+          <p:nvPr>
+            <p:ph type="sldNum" sz="quarter" idx="11"/>
+          </p:nvPr>
+        </p:nvSpPr>
+        <p:spPr/>
+        <p:txBody>
+          <a:bodyPr/>
+          <a:lstStyle/>
+          <a:p>
+            <a:pPr rtl="0"/>
+            <a:fld id="{75DF2D63-3FF5-D547-96B9-BE9CCD1ABA58}" type="slidenum">
+              <a:rPr lang="it-IT" smtClean="0"/>
+              <a:t>16</a:t>
+            </a:fld>
+            <a:endParaRPr lang="it-IT" dirty="0"/>
+          </a:p>
+        </p:txBody>
+      </p:sp>
+      <p:sp>
+        <p:nvSpPr>
+          <p:cNvPr id="4" name="Segnaposto piè di pagina 3">
+            <a:extLst>
+              <a:ext uri="{FF2B5EF4-FFF2-40B4-BE49-F238E27FC236}">
+                <a16:creationId xmlns:a16="http://schemas.microsoft.com/office/drawing/2014/main" id="{CC222061-6886-B6C0-57E8-6DE158F450A2}"/>
+              </a:ext>
+            </a:extLst>
+          </p:cNvPr>
+          <p:cNvSpPr>
+            <a:spLocks noGrp="1"/>
+          </p:cNvSpPr>
+          <p:nvPr>
+            <p:ph type="ftr" sz="quarter" idx="12"/>
+          </p:nvPr>
+        </p:nvSpPr>
+        <p:spPr/>
+        <p:txBody>
+          <a:bodyPr/>
+          <a:lstStyle/>
+          <a:p>
+            <a:pPr rtl="0"/>
+            <a:r>
+              <a:rPr lang="it-IT"/>
+              <a:t>titolo della presentazione</a:t>
+            </a:r>
+          </a:p>
+        </p:txBody>
+      </p:sp>
+      <p:sp>
+        <p:nvSpPr>
+          <p:cNvPr id="5" name="CasellaDiTesto 4">
+            <a:extLst>
+              <a:ext uri="{FF2B5EF4-FFF2-40B4-BE49-F238E27FC236}">
+                <a16:creationId xmlns:a16="http://schemas.microsoft.com/office/drawing/2014/main" id="{7FEF82F4-EF27-B0B9-574D-536791AA9D66}"/>
+              </a:ext>
+            </a:extLst>
+          </p:cNvPr>
+          <p:cNvSpPr txBox="1"/>
+          <p:nvPr/>
+        </p:nvSpPr>
         <p:spPr>
           <a:xfrm>
-            <a:off x="0" y="-150813"/>
-            <a:ext cx="12192000" cy="6858001"/>
+            <a:off x="1295400" y="1865717"/>
+            <a:ext cx="7391400" cy="3970318"/>
           </a:xfrm>
+          <a:prstGeom prst="rect">
+            <a:avLst/>
+          </a:prstGeom>
+          <a:noFill/>
         </p:spPr>
-      </p:pic>
-      <p:sp>
-        <p:nvSpPr>
-          <p:cNvPr id="19" name="Titolo 18">
-            <a:extLst>
-              <a:ext uri="{FF2B5EF4-FFF2-40B4-BE49-F238E27FC236}">
-                <a16:creationId xmlns:a16="http://schemas.microsoft.com/office/drawing/2014/main" id="{1130D679-D78E-1F15-EC3D-4BED6D69B35F}"/>
-              </a:ext>
-            </a:extLst>
-          </p:cNvPr>
-          <p:cNvSpPr>
-            <a:spLocks noGrp="1"/>
-          </p:cNvSpPr>
-          <p:nvPr>
-            <p:ph type="title"/>
-          </p:nvPr>
-        </p:nvSpPr>
-        <p:spPr/>
-        <p:txBody>
-          <a:bodyPr rtlCol="0"/>
-          <a:lstStyle>
-            <a:defPPr>
-              <a:defRPr lang="it-IT"/>
-            </a:defPPr>
-          </a:lstStyle>
-          <a:p>
-            <a:pPr rtl="0"/>
-            <a:r>
-              <a:rPr lang="it-IT" sz="4500" dirty="0"/>
-              <a:t>Thank </a:t>
-            </a:r>
-            <a:r>
-              <a:rPr lang="it-IT" sz="4500" dirty="0" err="1"/>
-              <a:t>you</a:t>
-            </a:r>
-            <a:r>
-              <a:rPr lang="it-IT" sz="4500" dirty="0"/>
-              <a:t> for the </a:t>
-            </a:r>
-            <a:r>
-              <a:rPr lang="it-IT" sz="4500" dirty="0" err="1"/>
-              <a:t>attention</a:t>
-            </a:r>
-            <a:r>
-              <a:rPr lang="it-IT" sz="4500" dirty="0"/>
-              <a:t> </a:t>
-            </a:r>
-          </a:p>
-        </p:txBody>
-      </p:sp>
-      <p:sp>
-        <p:nvSpPr>
-          <p:cNvPr id="27" name="Segnaposto testo 26">
-            <a:extLst>
-              <a:ext uri="{FF2B5EF4-FFF2-40B4-BE49-F238E27FC236}">
-                <a16:creationId xmlns:a16="http://schemas.microsoft.com/office/drawing/2014/main" id="{BB8B6963-69FE-8A03-5E86-2BF855024B00}"/>
-              </a:ext>
-            </a:extLst>
-          </p:cNvPr>
-          <p:cNvSpPr>
-            <a:spLocks noGrp="1"/>
-          </p:cNvSpPr>
-          <p:nvPr>
-            <p:ph type="body" sz="quarter" idx="14"/>
-          </p:nvPr>
-        </p:nvSpPr>
-        <p:spPr/>
-        <p:txBody>
-          <a:bodyPr rtlCol="0"/>
-          <a:lstStyle>
-            <a:defPPr>
-              <a:defRPr lang="it-IT"/>
-            </a:defPPr>
-          </a:lstStyle>
-          <a:p>
-            <a:pPr marL="0" indent="0" algn="ctr" rtl="0">
-              <a:lnSpc>
-                <a:spcPts val="2660"/>
-              </a:lnSpc>
-              <a:spcBef>
-                <a:spcPts val="0"/>
-              </a:spcBef>
-              <a:buNone/>
-            </a:pPr>
-            <a:r>
-              <a:rPr lang="it-IT" sz="2000" cap="all" spc="0" dirty="0">
+        <p:txBody>
+          <a:bodyPr wrap="square" rtlCol="0">
+            <a:spAutoFit/>
+          </a:bodyPr>
+          <a:lstStyle/>
+          <a:p>
+            <a:pPr algn="l"/>
+            <a:r>
+              <a:rPr lang="en-US" b="0" i="0" dirty="0" err="1">
                 <a:solidFill>
-                  <a:schemeClr val="bg1"/>
+                  <a:srgbClr val="222222"/>
                 </a:solidFill>
+                <a:effectLst/>
+                <a:latin typeface=".SFUI-Regular"/>
               </a:rPr>
-              <a:t>Marco de rosso, </a:t>
-            </a:r>
-            <a:r>
-              <a:rPr lang="it-IT" sz="2000" cap="all" spc="0" dirty="0" err="1">
+              <a:t>NBody</a:t>
+            </a:r>
+            <a:r>
+              <a:rPr lang="en-US" b="0" i="0" dirty="0">
                 <a:solidFill>
-                  <a:schemeClr val="bg1"/>
+                  <a:srgbClr val="222222"/>
                 </a:solidFill>
+                <a:effectLst/>
+                <a:latin typeface=".SFUI-Regular"/>
               </a:rPr>
-              <a:t>matteo</a:t>
-            </a:r>
-            <a:r>
-              <a:rPr lang="it-IT" sz="2000" cap="all" spc="0" dirty="0">
+              <a:t> profiling</a:t>
+            </a:r>
+            <a:endParaRPr lang="en-US" b="0" i="0" dirty="0">
+              <a:solidFill>
+                <a:srgbClr val="222222"/>
+              </a:solidFill>
+              <a:effectLst/>
+              <a:latin typeface="System Font"/>
+            </a:endParaRPr>
+          </a:p>
+          <a:p>
+            <a:pPr algn="l"/>
+            <a:r>
+              <a:rPr lang="en-US" b="0" i="0" dirty="0">
                 <a:solidFill>
-                  <a:schemeClr val="bg1"/>
+                  <a:srgbClr val="222222"/>
                 </a:solidFill>
+                <a:effectLst/>
+                <a:latin typeface=".SFUI-Regular"/>
               </a:rPr>
-              <a:t> </a:t>
-            </a:r>
-            <a:r>
-              <a:rPr lang="it-IT" sz="2000" cap="all" spc="0" dirty="0" err="1">
+              <a:t>--- SIMULATION INFO ---</a:t>
+            </a:r>
+            <a:endParaRPr lang="en-US" b="0" i="0" dirty="0">
+              <a:solidFill>
+                <a:srgbClr val="222222"/>
+              </a:solidFill>
+              <a:effectLst/>
+              <a:latin typeface="System Font"/>
+            </a:endParaRPr>
+          </a:p>
+          <a:p>
+            <a:pPr algn="l"/>
+            <a:r>
+              <a:rPr lang="en-US" b="0" i="0" dirty="0">
                 <a:solidFill>
-                  <a:schemeClr val="bg1"/>
+                  <a:srgbClr val="222222"/>
                 </a:solidFill>
+                <a:effectLst/>
+                <a:latin typeface=".SFUI-Regular"/>
               </a:rPr>
-              <a:t>rigamonti</a:t>
-            </a:r>
-            <a:r>
-              <a:rPr lang="it-IT" sz="2000" cap="all" spc="0" dirty="0">
+              <a:t>Problem dimension: 3D</a:t>
+            </a:r>
+            <a:endParaRPr lang="en-US" b="0" i="0" dirty="0">
+              <a:solidFill>
+                <a:srgbClr val="222222"/>
+              </a:solidFill>
+              <a:effectLst/>
+              <a:latin typeface="System Font"/>
+            </a:endParaRPr>
+          </a:p>
+          <a:p>
+            <a:pPr algn="l"/>
+            <a:r>
+              <a:rPr lang="en-US" b="0" i="0" dirty="0">
                 <a:solidFill>
-                  <a:schemeClr val="bg1"/>
+                  <a:srgbClr val="222222"/>
                 </a:solidFill>
+                <a:effectLst/>
+                <a:latin typeface=".SFUI-Regular"/>
               </a:rPr>
-              <a:t>, marco </a:t>
-            </a:r>
-            <a:r>
-              <a:rPr lang="it-IT" sz="2000" cap="all" spc="0" dirty="0" err="1">
+              <a:t>Particle amount:            1000</a:t>
+            </a:r>
+            <a:endParaRPr lang="en-US" b="0" i="0" dirty="0">
+              <a:solidFill>
+                <a:srgbClr val="222222"/>
+              </a:solidFill>
+              <a:effectLst/>
+              <a:latin typeface="System Font"/>
+            </a:endParaRPr>
+          </a:p>
+          <a:p>
+            <a:pPr algn="l"/>
+            <a:r>
+              <a:rPr lang="en-US" b="0" i="0" dirty="0">
                 <a:solidFill>
-                  <a:schemeClr val="bg1"/>
+                  <a:srgbClr val="222222"/>
                 </a:solidFill>
+                <a:effectLst/>
+                <a:latin typeface=".SFUI-Regular"/>
               </a:rPr>
-              <a:t>scarpelli</a:t>
-            </a:r>
-            <a:endParaRPr lang="it-IT" sz="2000" cap="all" spc="0" dirty="0">
+              <a:t>Number of iterations:            1000</a:t>
+            </a:r>
+            <a:endParaRPr lang="en-US" b="0" i="0" dirty="0">
               <a:solidFill>
-                <a:schemeClr val="bg1"/>
+                <a:srgbClr val="222222"/>
               </a:solidFill>
+              <a:effectLst/>
+              <a:latin typeface="System Font"/>
             </a:endParaRPr>
           </a:p>
-        </p:txBody>
-      </p:sp>
-      <p:pic>
-        <p:nvPicPr>
-          <p:cNvPr id="15" name="Segnaposto immagine 14">
-            <a:extLst>
-              <a:ext uri="{FF2B5EF4-FFF2-40B4-BE49-F238E27FC236}">
-                <a16:creationId xmlns:a16="http://schemas.microsoft.com/office/drawing/2014/main" id="{2AB2E471-DA03-7A3F-F647-F5CC51BAEF04}"/>
-              </a:ext>
-            </a:extLst>
-          </p:cNvPr>
-          <p:cNvPicPr>
-            <a:picLocks noGrp="1" noChangeAspect="1"/>
-          </p:cNvPicPr>
-          <p:nvPr>
-            <p:ph type="pic" sz="quarter" idx="13"/>
-          </p:nvPr>
-        </p:nvPicPr>
-        <p:blipFill>
-          <a:blip r:embed="rId4"/>
-          <a:srcRect l="23750" r="23750"/>
-          <a:stretch>
-            <a:fillRect/>
-          </a:stretch>
-        </p:blipFill>
-        <p:spPr/>
-      </p:pic>
+          <a:p>
+            <a:pPr algn="l"/>
+            <a:r>
+              <a:rPr lang="en-US" b="0" i="0" dirty="0">
+                <a:solidFill>
+                  <a:srgbClr val="222222"/>
+                </a:solidFill>
+                <a:effectLst/>
+                <a:latin typeface=".SFUI-Regular"/>
+              </a:rPr>
+              <a:t>Simulation time resolution:              10 ticks per second</a:t>
+            </a:r>
+            <a:endParaRPr lang="en-US" b="0" i="0" dirty="0">
+              <a:solidFill>
+                <a:srgbClr val="222222"/>
+              </a:solidFill>
+              <a:effectLst/>
+              <a:latin typeface="System Font"/>
+            </a:endParaRPr>
+          </a:p>
+          <a:p>
+            <a:pPr algn="l"/>
+            <a:r>
+              <a:rPr lang="en-US" b="0" i="0" dirty="0">
+                <a:solidFill>
+                  <a:srgbClr val="222222"/>
+                </a:solidFill>
+                <a:effectLst/>
+                <a:latin typeface=".SFUI-Regular"/>
+              </a:rPr>
+              <a:t>Simulation elapsed time:           10000 seconds</a:t>
+            </a:r>
+            <a:endParaRPr lang="en-US" b="0" i="0" dirty="0">
+              <a:solidFill>
+                <a:srgbClr val="222222"/>
+              </a:solidFill>
+              <a:effectLst/>
+              <a:latin typeface="System Font"/>
+            </a:endParaRPr>
+          </a:p>
+          <a:p>
+            <a:pPr algn="l"/>
+            <a:r>
+              <a:rPr lang="en-US" b="0" i="0" dirty="0">
+                <a:solidFill>
+                  <a:srgbClr val="222222"/>
+                </a:solidFill>
+                <a:effectLst/>
+                <a:latin typeface=".SFUI-Regular"/>
+              </a:rPr>
+              <a:t>Graphics refresh time:             200 milliseconds</a:t>
+            </a:r>
+            <a:endParaRPr lang="en-US" b="0" i="0" dirty="0">
+              <a:solidFill>
+                <a:srgbClr val="222222"/>
+              </a:solidFill>
+              <a:effectLst/>
+              <a:latin typeface="System Font"/>
+            </a:endParaRPr>
+          </a:p>
+          <a:p>
+            <a:pPr algn="l"/>
+            <a:r>
+              <a:rPr lang="en-US" b="0" i="0" dirty="0">
+                <a:solidFill>
+                  <a:srgbClr val="222222"/>
+                </a:solidFill>
+                <a:effectLst/>
+                <a:latin typeface=".SFUI-Regular"/>
+              </a:rPr>
+              <a:t>Screen resolution:  2048x 2048</a:t>
+            </a:r>
+            <a:endParaRPr lang="en-US" b="0" i="0" dirty="0">
+              <a:solidFill>
+                <a:srgbClr val="222222"/>
+              </a:solidFill>
+              <a:effectLst/>
+              <a:latin typeface="System Font"/>
+            </a:endParaRPr>
+          </a:p>
+          <a:p>
+            <a:pPr algn="l"/>
+            <a:br>
+              <a:rPr lang="en-US" b="0" i="0" dirty="0">
+                <a:solidFill>
+                  <a:srgbClr val="222222"/>
+                </a:solidFill>
+                <a:effectLst/>
+                <a:latin typeface="System Font"/>
+              </a:rPr>
+            </a:br>
+            <a:endParaRPr lang="en-US" b="0" i="0" dirty="0">
+              <a:solidFill>
+                <a:srgbClr val="222222"/>
+              </a:solidFill>
+              <a:effectLst/>
+              <a:latin typeface="System Font"/>
+            </a:endParaRPr>
+          </a:p>
+          <a:p>
+            <a:pPr algn="l"/>
+            <a:r>
+              <a:rPr lang="en-US" b="0" i="0" dirty="0">
+                <a:solidFill>
+                  <a:srgbClr val="222222"/>
+                </a:solidFill>
+                <a:effectLst/>
+                <a:latin typeface=".SFUI-Regular"/>
+              </a:rPr>
+              <a:t>--- TIMING AND THREADS INFO ---</a:t>
+            </a:r>
+            <a:endParaRPr lang="en-US" b="0" i="0" dirty="0">
+              <a:solidFill>
+                <a:srgbClr val="222222"/>
+              </a:solidFill>
+              <a:effectLst/>
+              <a:latin typeface="System Font"/>
+            </a:endParaRPr>
+          </a:p>
+          <a:p>
+            <a:pPr algn="l"/>
+            <a:r>
+              <a:rPr lang="en-US" b="0" i="0" dirty="0">
+                <a:solidFill>
+                  <a:srgbClr val="222222"/>
+                </a:solidFill>
+                <a:effectLst/>
+                <a:latin typeface=".SFUI-Regular"/>
+              </a:rPr>
+              <a:t>Total duration:          220875 </a:t>
+            </a:r>
+            <a:r>
+              <a:rPr lang="en-US" b="0" i="0" dirty="0" err="1">
+                <a:solidFill>
+                  <a:srgbClr val="222222"/>
+                </a:solidFill>
+                <a:effectLst/>
+                <a:latin typeface=".SFUI-Regular"/>
+              </a:rPr>
+              <a:t>ms</a:t>
+            </a:r>
+            <a:endParaRPr lang="en-US" b="0" i="0" dirty="0">
+              <a:solidFill>
+                <a:srgbClr val="222222"/>
+              </a:solidFill>
+              <a:effectLst/>
+              <a:latin typeface="System Font"/>
+            </a:endParaRPr>
+          </a:p>
+          <a:p>
+            <a:pPr algn="l"/>
+            <a:r>
+              <a:rPr lang="en-US" b="0" i="0" dirty="0">
+                <a:solidFill>
+                  <a:srgbClr val="222222"/>
+                </a:solidFill>
+                <a:effectLst/>
+                <a:latin typeface=".SFUI-Regular"/>
+              </a:rPr>
+              <a:t>Iteration mean duration:          220788 us</a:t>
+            </a:r>
+            <a:endParaRPr lang="en-US" b="0" i="0" dirty="0">
+              <a:solidFill>
+                <a:srgbClr val="222222"/>
+              </a:solidFill>
+              <a:effectLst/>
+              <a:latin typeface="System Font"/>
+            </a:endParaRPr>
+          </a:p>
+        </p:txBody>
+      </p:sp>
     </p:spTree>
     <p:extLst>
       <p:ext uri="{BB962C8B-B14F-4D97-AF65-F5344CB8AC3E}">
-        <p14:creationId xmlns:p14="http://schemas.microsoft.com/office/powerpoint/2010/main" val="3334127647"/>
+        <p14:creationId xmlns:p14="http://schemas.microsoft.com/office/powerpoint/2010/main" val="2467473655"/>
+      </p:ext>
+    </p:extLst>
+  </p:cSld>
+  <p:clrMapOvr>
+    <a:masterClrMapping/>
+  </p:clrMapOvr>
+</p:sld>
+</file>
+
+<file path=ppt/slides/slide17.xml><?xml version="1.0" encoding="utf-8"?>
+<p:sld xmlns:a="http://schemas.openxmlformats.org/drawingml/2006/main" xmlns:r="http://schemas.openxmlformats.org/officeDocument/2006/relationships" xmlns:p="http://schemas.openxmlformats.org/presentationml/2006/main">
+  <p:cSld>
+    <p:spTree>
+      <p:nvGrpSpPr>
+        <p:cNvPr id="1" name=""/>
+        <p:cNvGrpSpPr/>
+        <p:nvPr/>
+      </p:nvGrpSpPr>
+      <p:grpSpPr>
+        <a:xfrm>
+          <a:off x="0" y="0"/>
+          <a:ext cx="0" cy="0"/>
+          <a:chOff x="0" y="0"/>
+          <a:chExt cx="0" cy="0"/>
+        </a:xfrm>
+      </p:grpSpPr>
+      <p:sp>
+        <p:nvSpPr>
+          <p:cNvPr id="2" name="Titolo 1">
+            <a:extLst>
+              <a:ext uri="{FF2B5EF4-FFF2-40B4-BE49-F238E27FC236}">
+                <a16:creationId xmlns:a16="http://schemas.microsoft.com/office/drawing/2014/main" id="{F7F11270-885D-CA2D-C6DB-563B7A648D62}"/>
+              </a:ext>
+            </a:extLst>
+          </p:cNvPr>
+          <p:cNvSpPr>
+            <a:spLocks noGrp="1"/>
+          </p:cNvSpPr>
+          <p:nvPr>
+            <p:ph type="title"/>
+          </p:nvPr>
+        </p:nvSpPr>
+        <p:spPr/>
+        <p:txBody>
+          <a:bodyPr/>
+          <a:lstStyle/>
+          <a:p>
+            <a:r>
+              <a:rPr lang="it-IT" dirty="0"/>
+              <a:t>Server – no </a:t>
+            </a:r>
+            <a:r>
+              <a:rPr lang="it-IT" dirty="0" err="1"/>
+              <a:t>omp</a:t>
+            </a:r>
+            <a:r>
+              <a:rPr lang="it-IT" dirty="0"/>
+              <a:t>, no graphics, 2000 bodies</a:t>
+            </a:r>
+          </a:p>
+        </p:txBody>
+      </p:sp>
+      <p:sp>
+        <p:nvSpPr>
+          <p:cNvPr id="3" name="Segnaposto numero diapositiva 2">
+            <a:extLst>
+              <a:ext uri="{FF2B5EF4-FFF2-40B4-BE49-F238E27FC236}">
+                <a16:creationId xmlns:a16="http://schemas.microsoft.com/office/drawing/2014/main" id="{E5B6D8CE-B00C-3E01-F898-DD1F2A59E84B}"/>
+              </a:ext>
+            </a:extLst>
+          </p:cNvPr>
+          <p:cNvSpPr>
+            <a:spLocks noGrp="1"/>
+          </p:cNvSpPr>
+          <p:nvPr>
+            <p:ph type="sldNum" sz="quarter" idx="11"/>
+          </p:nvPr>
+        </p:nvSpPr>
+        <p:spPr/>
+        <p:txBody>
+          <a:bodyPr/>
+          <a:lstStyle/>
+          <a:p>
+            <a:pPr rtl="0"/>
+            <a:fld id="{75DF2D63-3FF5-D547-96B9-BE9CCD1ABA58}" type="slidenum">
+              <a:rPr lang="it-IT" smtClean="0"/>
+              <a:t>17</a:t>
+            </a:fld>
+            <a:endParaRPr lang="it-IT" dirty="0"/>
+          </a:p>
+        </p:txBody>
+      </p:sp>
+      <p:sp>
+        <p:nvSpPr>
+          <p:cNvPr id="4" name="Segnaposto piè di pagina 3">
+            <a:extLst>
+              <a:ext uri="{FF2B5EF4-FFF2-40B4-BE49-F238E27FC236}">
+                <a16:creationId xmlns:a16="http://schemas.microsoft.com/office/drawing/2014/main" id="{CC222061-6886-B6C0-57E8-6DE158F450A2}"/>
+              </a:ext>
+            </a:extLst>
+          </p:cNvPr>
+          <p:cNvSpPr>
+            <a:spLocks noGrp="1"/>
+          </p:cNvSpPr>
+          <p:nvPr>
+            <p:ph type="ftr" sz="quarter" idx="12"/>
+          </p:nvPr>
+        </p:nvSpPr>
+        <p:spPr/>
+        <p:txBody>
+          <a:bodyPr/>
+          <a:lstStyle/>
+          <a:p>
+            <a:pPr rtl="0"/>
+            <a:r>
+              <a:rPr lang="it-IT"/>
+              <a:t>titolo della presentazione</a:t>
+            </a:r>
+          </a:p>
+        </p:txBody>
+      </p:sp>
+      <p:sp>
+        <p:nvSpPr>
+          <p:cNvPr id="5" name="CasellaDiTesto 4">
+            <a:extLst>
+              <a:ext uri="{FF2B5EF4-FFF2-40B4-BE49-F238E27FC236}">
+                <a16:creationId xmlns:a16="http://schemas.microsoft.com/office/drawing/2014/main" id="{7FEF82F4-EF27-B0B9-574D-536791AA9D66}"/>
+              </a:ext>
+            </a:extLst>
+          </p:cNvPr>
+          <p:cNvSpPr txBox="1"/>
+          <p:nvPr/>
+        </p:nvSpPr>
+        <p:spPr>
+          <a:xfrm>
+            <a:off x="1295400" y="1865717"/>
+            <a:ext cx="7391400" cy="3693319"/>
+          </a:xfrm>
+          <a:prstGeom prst="rect">
+            <a:avLst/>
+          </a:prstGeom>
+          <a:noFill/>
+        </p:spPr>
+        <p:txBody>
+          <a:bodyPr wrap="square" rtlCol="0">
+            <a:spAutoFit/>
+          </a:bodyPr>
+          <a:lstStyle/>
+          <a:p>
+            <a:pPr algn="l"/>
+            <a:r>
+              <a:rPr lang="en-US" b="0" i="0" dirty="0" err="1">
+                <a:solidFill>
+                  <a:srgbClr val="222222"/>
+                </a:solidFill>
+                <a:effectLst/>
+                <a:latin typeface=".SFUI-Regular"/>
+              </a:rPr>
+              <a:t>NBody</a:t>
+            </a:r>
+            <a:r>
+              <a:rPr lang="en-US" b="0" i="0" dirty="0">
+                <a:solidFill>
+                  <a:srgbClr val="222222"/>
+                </a:solidFill>
+                <a:effectLst/>
+                <a:latin typeface=".SFUI-Regular"/>
+              </a:rPr>
+              <a:t> profiling </a:t>
+            </a:r>
+            <a:endParaRPr lang="en-US" b="0" i="0" dirty="0">
+              <a:solidFill>
+                <a:srgbClr val="222222"/>
+              </a:solidFill>
+              <a:effectLst/>
+              <a:latin typeface="System Font"/>
+            </a:endParaRPr>
+          </a:p>
+          <a:p>
+            <a:pPr algn="l"/>
+            <a:r>
+              <a:rPr lang="en-US" b="0" i="0" dirty="0">
+                <a:solidFill>
+                  <a:srgbClr val="222222"/>
+                </a:solidFill>
+                <a:effectLst/>
+                <a:latin typeface=".SFUI-Regular"/>
+              </a:rPr>
+              <a:t>--- SIMULATION INFO --- </a:t>
+            </a:r>
+            <a:endParaRPr lang="en-US" b="0" i="0" dirty="0">
+              <a:solidFill>
+                <a:srgbClr val="222222"/>
+              </a:solidFill>
+              <a:effectLst/>
+              <a:latin typeface="System Font"/>
+            </a:endParaRPr>
+          </a:p>
+          <a:p>
+            <a:pPr algn="l"/>
+            <a:r>
+              <a:rPr lang="en-US" b="0" i="0" dirty="0">
+                <a:solidFill>
+                  <a:srgbClr val="222222"/>
+                </a:solidFill>
+                <a:effectLst/>
+                <a:latin typeface=".SFUI-Regular"/>
+              </a:rPr>
+              <a:t>Problem dimension: 3D </a:t>
+            </a:r>
+            <a:endParaRPr lang="en-US" b="0" i="0" dirty="0">
+              <a:solidFill>
+                <a:srgbClr val="222222"/>
+              </a:solidFill>
+              <a:effectLst/>
+              <a:latin typeface="System Font"/>
+            </a:endParaRPr>
+          </a:p>
+          <a:p>
+            <a:pPr algn="l"/>
+            <a:r>
+              <a:rPr lang="en-US" b="0" i="0" dirty="0">
+                <a:solidFill>
+                  <a:srgbClr val="222222"/>
+                </a:solidFill>
+                <a:effectLst/>
+                <a:latin typeface=".SFUI-Regular"/>
+              </a:rPr>
+              <a:t>Particle amount:            2000 </a:t>
+            </a:r>
+            <a:endParaRPr lang="en-US" b="0" i="0" dirty="0">
+              <a:solidFill>
+                <a:srgbClr val="222222"/>
+              </a:solidFill>
+              <a:effectLst/>
+              <a:latin typeface="System Font"/>
+            </a:endParaRPr>
+          </a:p>
+          <a:p>
+            <a:pPr algn="l"/>
+            <a:r>
+              <a:rPr lang="en-US" b="0" i="0" dirty="0">
+                <a:solidFill>
+                  <a:srgbClr val="222222"/>
+                </a:solidFill>
+                <a:effectLst/>
+                <a:latin typeface=".SFUI-Regular"/>
+              </a:rPr>
+              <a:t>Number of iterations:            1000 </a:t>
+            </a:r>
+            <a:endParaRPr lang="en-US" b="0" i="0" dirty="0">
+              <a:solidFill>
+                <a:srgbClr val="222222"/>
+              </a:solidFill>
+              <a:effectLst/>
+              <a:latin typeface="System Font"/>
+            </a:endParaRPr>
+          </a:p>
+          <a:p>
+            <a:pPr algn="l"/>
+            <a:r>
+              <a:rPr lang="en-US" b="0" i="0" dirty="0">
+                <a:solidFill>
+                  <a:srgbClr val="222222"/>
+                </a:solidFill>
+                <a:effectLst/>
+                <a:latin typeface=".SFUI-Regular"/>
+              </a:rPr>
+              <a:t>Simulation time resolution:              10 ticks per second </a:t>
+            </a:r>
+            <a:endParaRPr lang="en-US" b="0" i="0" dirty="0">
+              <a:solidFill>
+                <a:srgbClr val="222222"/>
+              </a:solidFill>
+              <a:effectLst/>
+              <a:latin typeface="System Font"/>
+            </a:endParaRPr>
+          </a:p>
+          <a:p>
+            <a:pPr algn="l"/>
+            <a:r>
+              <a:rPr lang="en-US" b="0" i="0" dirty="0">
+                <a:solidFill>
+                  <a:srgbClr val="222222"/>
+                </a:solidFill>
+                <a:effectLst/>
+                <a:latin typeface=".SFUI-Regular"/>
+              </a:rPr>
+              <a:t>Simulation elapsed time:           10000 seconds </a:t>
+            </a:r>
+            <a:endParaRPr lang="en-US" b="0" i="0" dirty="0">
+              <a:solidFill>
+                <a:srgbClr val="222222"/>
+              </a:solidFill>
+              <a:effectLst/>
+              <a:latin typeface="System Font"/>
+            </a:endParaRPr>
+          </a:p>
+          <a:p>
+            <a:pPr algn="l"/>
+            <a:r>
+              <a:rPr lang="en-US" b="0" i="0" dirty="0">
+                <a:solidFill>
+                  <a:srgbClr val="222222"/>
+                </a:solidFill>
+                <a:effectLst/>
+                <a:latin typeface=".SFUI-Regular"/>
+              </a:rPr>
+              <a:t>Graphics refresh time:            1000 milliseconds </a:t>
+            </a:r>
+            <a:endParaRPr lang="en-US" b="0" i="0" dirty="0">
+              <a:solidFill>
+                <a:srgbClr val="222222"/>
+              </a:solidFill>
+              <a:effectLst/>
+              <a:latin typeface="System Font"/>
+            </a:endParaRPr>
+          </a:p>
+          <a:p>
+            <a:pPr algn="l"/>
+            <a:r>
+              <a:rPr lang="en-US" b="0" i="0" dirty="0">
+                <a:solidFill>
+                  <a:srgbClr val="222222"/>
+                </a:solidFill>
+                <a:effectLst/>
+                <a:latin typeface=".SFUI-Regular"/>
+              </a:rPr>
+              <a:t>Screen resolution:  2048x 2048 </a:t>
+            </a:r>
+            <a:endParaRPr lang="en-US" b="0" i="0" dirty="0">
+              <a:solidFill>
+                <a:srgbClr val="222222"/>
+              </a:solidFill>
+              <a:effectLst/>
+              <a:latin typeface="System Font"/>
+            </a:endParaRPr>
+          </a:p>
+          <a:p>
+            <a:pPr algn="l"/>
+            <a:r>
+              <a:rPr lang="en-US" b="0" i="0" dirty="0">
+                <a:solidFill>
+                  <a:srgbClr val="222222"/>
+                </a:solidFill>
+                <a:effectLst/>
+                <a:latin typeface=".SFUI-Regular"/>
+              </a:rPr>
+              <a:t> </a:t>
+            </a:r>
+            <a:endParaRPr lang="en-US" b="0" i="0" dirty="0">
+              <a:solidFill>
+                <a:srgbClr val="222222"/>
+              </a:solidFill>
+              <a:effectLst/>
+              <a:latin typeface="System Font"/>
+            </a:endParaRPr>
+          </a:p>
+          <a:p>
+            <a:pPr algn="l"/>
+            <a:r>
+              <a:rPr lang="en-US" b="0" i="0" dirty="0">
+                <a:solidFill>
+                  <a:srgbClr val="222222"/>
+                </a:solidFill>
+                <a:effectLst/>
+                <a:latin typeface=".SFUI-Regular"/>
+              </a:rPr>
+              <a:t>--- TIMING AND THREADS INFO --- </a:t>
+            </a:r>
+            <a:endParaRPr lang="en-US" b="0" i="0" dirty="0">
+              <a:solidFill>
+                <a:srgbClr val="222222"/>
+              </a:solidFill>
+              <a:effectLst/>
+              <a:latin typeface="System Font"/>
+            </a:endParaRPr>
+          </a:p>
+          <a:p>
+            <a:pPr algn="l"/>
+            <a:r>
+              <a:rPr lang="en-US" b="0" i="0" dirty="0">
+                <a:solidFill>
+                  <a:srgbClr val="222222"/>
+                </a:solidFill>
+                <a:effectLst/>
+                <a:latin typeface=".SFUI-Regular"/>
+              </a:rPr>
+              <a:t>Total duration:         3651476 </a:t>
+            </a:r>
+            <a:r>
+              <a:rPr lang="en-US" b="0" i="0" dirty="0" err="1">
+                <a:solidFill>
+                  <a:srgbClr val="222222"/>
+                </a:solidFill>
+                <a:effectLst/>
+                <a:latin typeface=".SFUI-Regular"/>
+              </a:rPr>
+              <a:t>ms</a:t>
+            </a:r>
+            <a:r>
+              <a:rPr lang="en-US" b="0" i="0" dirty="0">
+                <a:solidFill>
+                  <a:srgbClr val="222222"/>
+                </a:solidFill>
+                <a:effectLst/>
+                <a:latin typeface=".SFUI-Regular"/>
+              </a:rPr>
+              <a:t> </a:t>
+            </a:r>
+            <a:endParaRPr lang="en-US" b="0" i="0" dirty="0">
+              <a:solidFill>
+                <a:srgbClr val="222222"/>
+              </a:solidFill>
+              <a:effectLst/>
+              <a:latin typeface="System Font"/>
+            </a:endParaRPr>
+          </a:p>
+          <a:p>
+            <a:pPr algn="l"/>
+            <a:r>
+              <a:rPr lang="en-US" b="0" i="0" dirty="0">
+                <a:solidFill>
+                  <a:srgbClr val="222222"/>
+                </a:solidFill>
+                <a:effectLst/>
+                <a:latin typeface=".SFUI-Regular"/>
+              </a:rPr>
+              <a:t>Iteration mean duration:         3651433 us</a:t>
+            </a:r>
+            <a:endParaRPr lang="en-US" b="0" i="0" dirty="0">
+              <a:solidFill>
+                <a:srgbClr val="222222"/>
+              </a:solidFill>
+              <a:effectLst/>
+              <a:latin typeface="System Font"/>
+            </a:endParaRPr>
+          </a:p>
+        </p:txBody>
+      </p:sp>
+    </p:spTree>
+    <p:extLst>
+      <p:ext uri="{BB962C8B-B14F-4D97-AF65-F5344CB8AC3E}">
+        <p14:creationId xmlns:p14="http://schemas.microsoft.com/office/powerpoint/2010/main" val="980201111"/>
+      </p:ext>
+    </p:extLst>
+  </p:cSld>
+  <p:clrMapOvr>
+    <a:masterClrMapping/>
+  </p:clrMapOvr>
+</p:sld>
+</file>
+
+<file path=ppt/slides/slide18.xml><?xml version="1.0" encoding="utf-8"?>
+<p:sld xmlns:a="http://schemas.openxmlformats.org/drawingml/2006/main" xmlns:r="http://schemas.openxmlformats.org/officeDocument/2006/relationships" xmlns:p="http://schemas.openxmlformats.org/presentationml/2006/main">
+  <p:cSld>
+    <p:spTree>
+      <p:nvGrpSpPr>
+        <p:cNvPr id="1" name=""/>
+        <p:cNvGrpSpPr/>
+        <p:nvPr/>
+      </p:nvGrpSpPr>
+      <p:grpSpPr>
+        <a:xfrm>
+          <a:off x="0" y="0"/>
+          <a:ext cx="0" cy="0"/>
+          <a:chOff x="0" y="0"/>
+          <a:chExt cx="0" cy="0"/>
+        </a:xfrm>
+      </p:grpSpPr>
+      <p:sp>
+        <p:nvSpPr>
+          <p:cNvPr id="2" name="Titolo 1">
+            <a:extLst>
+              <a:ext uri="{FF2B5EF4-FFF2-40B4-BE49-F238E27FC236}">
+                <a16:creationId xmlns:a16="http://schemas.microsoft.com/office/drawing/2014/main" id="{F7F11270-885D-CA2D-C6DB-563B7A648D62}"/>
+              </a:ext>
+            </a:extLst>
+          </p:cNvPr>
+          <p:cNvSpPr>
+            <a:spLocks noGrp="1"/>
+          </p:cNvSpPr>
+          <p:nvPr>
+            <p:ph type="title"/>
+          </p:nvPr>
+        </p:nvSpPr>
+        <p:spPr/>
+        <p:txBody>
+          <a:bodyPr/>
+          <a:lstStyle/>
+          <a:p>
+            <a:r>
+              <a:rPr lang="it-IT" dirty="0"/>
+              <a:t>Server – yes </a:t>
+            </a:r>
+            <a:r>
+              <a:rPr lang="it-IT" dirty="0" err="1"/>
+              <a:t>omp</a:t>
+            </a:r>
+            <a:r>
+              <a:rPr lang="it-IT" dirty="0"/>
+              <a:t>, no graphics </a:t>
+            </a:r>
+            <a:r>
+              <a:rPr lang="it-IT" dirty="0" err="1"/>
+              <a:t>optimized</a:t>
+            </a:r>
+            <a:endParaRPr lang="it-IT" dirty="0"/>
+          </a:p>
+        </p:txBody>
+      </p:sp>
+      <p:sp>
+        <p:nvSpPr>
+          <p:cNvPr id="3" name="Segnaposto numero diapositiva 2">
+            <a:extLst>
+              <a:ext uri="{FF2B5EF4-FFF2-40B4-BE49-F238E27FC236}">
+                <a16:creationId xmlns:a16="http://schemas.microsoft.com/office/drawing/2014/main" id="{E5B6D8CE-B00C-3E01-F898-DD1F2A59E84B}"/>
+              </a:ext>
+            </a:extLst>
+          </p:cNvPr>
+          <p:cNvSpPr>
+            <a:spLocks noGrp="1"/>
+          </p:cNvSpPr>
+          <p:nvPr>
+            <p:ph type="sldNum" sz="quarter" idx="11"/>
+          </p:nvPr>
+        </p:nvSpPr>
+        <p:spPr/>
+        <p:txBody>
+          <a:bodyPr/>
+          <a:lstStyle/>
+          <a:p>
+            <a:pPr rtl="0"/>
+            <a:fld id="{75DF2D63-3FF5-D547-96B9-BE9CCD1ABA58}" type="slidenum">
+              <a:rPr lang="it-IT" smtClean="0"/>
+              <a:t>18</a:t>
+            </a:fld>
+            <a:endParaRPr lang="it-IT" dirty="0"/>
+          </a:p>
+        </p:txBody>
+      </p:sp>
+      <p:sp>
+        <p:nvSpPr>
+          <p:cNvPr id="4" name="Segnaposto piè di pagina 3">
+            <a:extLst>
+              <a:ext uri="{FF2B5EF4-FFF2-40B4-BE49-F238E27FC236}">
+                <a16:creationId xmlns:a16="http://schemas.microsoft.com/office/drawing/2014/main" id="{CC222061-6886-B6C0-57E8-6DE158F450A2}"/>
+              </a:ext>
+            </a:extLst>
+          </p:cNvPr>
+          <p:cNvSpPr>
+            <a:spLocks noGrp="1"/>
+          </p:cNvSpPr>
+          <p:nvPr>
+            <p:ph type="ftr" sz="quarter" idx="12"/>
+          </p:nvPr>
+        </p:nvSpPr>
+        <p:spPr/>
+        <p:txBody>
+          <a:bodyPr/>
+          <a:lstStyle/>
+          <a:p>
+            <a:pPr rtl="0"/>
+            <a:r>
+              <a:rPr lang="it-IT"/>
+              <a:t>titolo della presentazione</a:t>
+            </a:r>
+          </a:p>
+        </p:txBody>
+      </p:sp>
+      <p:sp>
+        <p:nvSpPr>
+          <p:cNvPr id="5" name="CasellaDiTesto 4">
+            <a:extLst>
+              <a:ext uri="{FF2B5EF4-FFF2-40B4-BE49-F238E27FC236}">
+                <a16:creationId xmlns:a16="http://schemas.microsoft.com/office/drawing/2014/main" id="{7FEF82F4-EF27-B0B9-574D-536791AA9D66}"/>
+              </a:ext>
+            </a:extLst>
+          </p:cNvPr>
+          <p:cNvSpPr txBox="1"/>
+          <p:nvPr/>
+        </p:nvSpPr>
+        <p:spPr>
+          <a:xfrm>
+            <a:off x="1295400" y="1865717"/>
+            <a:ext cx="7391400" cy="3693319"/>
+          </a:xfrm>
+          <a:prstGeom prst="rect">
+            <a:avLst/>
+          </a:prstGeom>
+          <a:noFill/>
+        </p:spPr>
+        <p:txBody>
+          <a:bodyPr wrap="square" rtlCol="0">
+            <a:spAutoFit/>
+          </a:bodyPr>
+          <a:lstStyle/>
+          <a:p>
+            <a:pPr algn="l"/>
+            <a:r>
+              <a:rPr lang="en-US" b="0" i="0" dirty="0" err="1">
+                <a:solidFill>
+                  <a:srgbClr val="222222"/>
+                </a:solidFill>
+                <a:effectLst/>
+                <a:latin typeface=".SFUI-Regular"/>
+              </a:rPr>
+              <a:t>NBody</a:t>
+            </a:r>
+            <a:r>
+              <a:rPr lang="en-US" b="0" i="0" dirty="0">
+                <a:solidFill>
+                  <a:srgbClr val="222222"/>
+                </a:solidFill>
+                <a:effectLst/>
+                <a:latin typeface=".SFUI-Regular"/>
+              </a:rPr>
+              <a:t> profiling </a:t>
+            </a:r>
+            <a:endParaRPr lang="en-US" b="0" i="0" dirty="0">
+              <a:solidFill>
+                <a:srgbClr val="222222"/>
+              </a:solidFill>
+              <a:effectLst/>
+              <a:latin typeface="System Font"/>
+            </a:endParaRPr>
+          </a:p>
+          <a:p>
+            <a:pPr algn="l"/>
+            <a:r>
+              <a:rPr lang="en-US" b="0" i="0" dirty="0">
+                <a:solidFill>
+                  <a:srgbClr val="222222"/>
+                </a:solidFill>
+                <a:effectLst/>
+                <a:latin typeface=".SFUI-Regular"/>
+              </a:rPr>
+              <a:t>--- SIMULATION INFO --- </a:t>
+            </a:r>
+            <a:endParaRPr lang="en-US" b="0" i="0" dirty="0">
+              <a:solidFill>
+                <a:srgbClr val="222222"/>
+              </a:solidFill>
+              <a:effectLst/>
+              <a:latin typeface="System Font"/>
+            </a:endParaRPr>
+          </a:p>
+          <a:p>
+            <a:pPr algn="l"/>
+            <a:r>
+              <a:rPr lang="en-US" b="0" i="0" dirty="0">
+                <a:solidFill>
+                  <a:srgbClr val="222222"/>
+                </a:solidFill>
+                <a:effectLst/>
+                <a:latin typeface=".SFUI-Regular"/>
+              </a:rPr>
+              <a:t>Problem dimension: 3D </a:t>
+            </a:r>
+            <a:endParaRPr lang="en-US" b="0" i="0" dirty="0">
+              <a:solidFill>
+                <a:srgbClr val="222222"/>
+              </a:solidFill>
+              <a:effectLst/>
+              <a:latin typeface="System Font"/>
+            </a:endParaRPr>
+          </a:p>
+          <a:p>
+            <a:pPr algn="l"/>
+            <a:r>
+              <a:rPr lang="en-US" b="0" i="0" dirty="0">
+                <a:solidFill>
+                  <a:srgbClr val="222222"/>
+                </a:solidFill>
+                <a:effectLst/>
+                <a:latin typeface=".SFUI-Regular"/>
+              </a:rPr>
+              <a:t>Particle amount:            1000 </a:t>
+            </a:r>
+            <a:endParaRPr lang="en-US" b="0" i="0" dirty="0">
+              <a:solidFill>
+                <a:srgbClr val="222222"/>
+              </a:solidFill>
+              <a:effectLst/>
+              <a:latin typeface="System Font"/>
+            </a:endParaRPr>
+          </a:p>
+          <a:p>
+            <a:pPr algn="l"/>
+            <a:r>
+              <a:rPr lang="en-US" b="0" i="0" dirty="0">
+                <a:solidFill>
+                  <a:srgbClr val="222222"/>
+                </a:solidFill>
+                <a:effectLst/>
+                <a:latin typeface=".SFUI-Regular"/>
+              </a:rPr>
+              <a:t>Number of iterations:            1000 </a:t>
+            </a:r>
+            <a:endParaRPr lang="en-US" b="0" i="0" dirty="0">
+              <a:solidFill>
+                <a:srgbClr val="222222"/>
+              </a:solidFill>
+              <a:effectLst/>
+              <a:latin typeface="System Font"/>
+            </a:endParaRPr>
+          </a:p>
+          <a:p>
+            <a:pPr algn="l"/>
+            <a:r>
+              <a:rPr lang="en-US" b="0" i="0" dirty="0">
+                <a:solidFill>
+                  <a:srgbClr val="222222"/>
+                </a:solidFill>
+                <a:effectLst/>
+                <a:latin typeface=".SFUI-Regular"/>
+              </a:rPr>
+              <a:t>Simulation time resolution:              10 ticks per second </a:t>
+            </a:r>
+            <a:endParaRPr lang="en-US" b="0" i="0" dirty="0">
+              <a:solidFill>
+                <a:srgbClr val="222222"/>
+              </a:solidFill>
+              <a:effectLst/>
+              <a:latin typeface="System Font"/>
+            </a:endParaRPr>
+          </a:p>
+          <a:p>
+            <a:pPr algn="l"/>
+            <a:r>
+              <a:rPr lang="en-US" b="0" i="0" dirty="0">
+                <a:solidFill>
+                  <a:srgbClr val="222222"/>
+                </a:solidFill>
+                <a:effectLst/>
+                <a:latin typeface=".SFUI-Regular"/>
+              </a:rPr>
+              <a:t>Simulation elapsed time:           10000 seconds </a:t>
+            </a:r>
+            <a:endParaRPr lang="en-US" b="0" i="0" dirty="0">
+              <a:solidFill>
+                <a:srgbClr val="222222"/>
+              </a:solidFill>
+              <a:effectLst/>
+              <a:latin typeface="System Font"/>
+            </a:endParaRPr>
+          </a:p>
+          <a:p>
+            <a:pPr algn="l"/>
+            <a:r>
+              <a:rPr lang="en-US" b="0" i="0" dirty="0">
+                <a:solidFill>
+                  <a:srgbClr val="222222"/>
+                </a:solidFill>
+                <a:effectLst/>
+                <a:latin typeface=".SFUI-Regular"/>
+              </a:rPr>
+              <a:t>Graphics refresh time:            1000 milliseconds </a:t>
+            </a:r>
+            <a:endParaRPr lang="en-US" b="0" i="0" dirty="0">
+              <a:solidFill>
+                <a:srgbClr val="222222"/>
+              </a:solidFill>
+              <a:effectLst/>
+              <a:latin typeface="System Font"/>
+            </a:endParaRPr>
+          </a:p>
+          <a:p>
+            <a:pPr algn="l"/>
+            <a:r>
+              <a:rPr lang="en-US" b="0" i="0" dirty="0">
+                <a:solidFill>
+                  <a:srgbClr val="222222"/>
+                </a:solidFill>
+                <a:effectLst/>
+                <a:latin typeface=".SFUI-Regular"/>
+              </a:rPr>
+              <a:t>Screen resolution:  2048x 2048 </a:t>
+            </a:r>
+            <a:endParaRPr lang="en-US" b="0" i="0" dirty="0">
+              <a:solidFill>
+                <a:srgbClr val="222222"/>
+              </a:solidFill>
+              <a:effectLst/>
+              <a:latin typeface="System Font"/>
+            </a:endParaRPr>
+          </a:p>
+          <a:p>
+            <a:pPr algn="l"/>
+            <a:r>
+              <a:rPr lang="en-US" b="0" i="0" dirty="0">
+                <a:solidFill>
+                  <a:srgbClr val="222222"/>
+                </a:solidFill>
+                <a:effectLst/>
+                <a:latin typeface=".SFUI-Regular"/>
+              </a:rPr>
+              <a:t> </a:t>
+            </a:r>
+            <a:endParaRPr lang="en-US" b="0" i="0" dirty="0">
+              <a:solidFill>
+                <a:srgbClr val="222222"/>
+              </a:solidFill>
+              <a:effectLst/>
+              <a:latin typeface="System Font"/>
+            </a:endParaRPr>
+          </a:p>
+          <a:p>
+            <a:pPr algn="l"/>
+            <a:r>
+              <a:rPr lang="en-US" b="0" i="0" dirty="0">
+                <a:solidFill>
+                  <a:srgbClr val="222222"/>
+                </a:solidFill>
+                <a:effectLst/>
+                <a:latin typeface=".SFUI-Regular"/>
+              </a:rPr>
+              <a:t>--- TIMING AND THREADS INFO --- </a:t>
+            </a:r>
+            <a:endParaRPr lang="en-US" b="0" i="0" dirty="0">
+              <a:solidFill>
+                <a:srgbClr val="222222"/>
+              </a:solidFill>
+              <a:effectLst/>
+              <a:latin typeface="System Font"/>
+            </a:endParaRPr>
+          </a:p>
+          <a:p>
+            <a:pPr algn="l"/>
+            <a:r>
+              <a:rPr lang="en-US" b="0" i="0" dirty="0">
+                <a:solidFill>
+                  <a:srgbClr val="222222"/>
+                </a:solidFill>
+                <a:effectLst/>
+                <a:latin typeface=".SFUI-Regular"/>
+              </a:rPr>
+              <a:t>Total duration:           37667 </a:t>
+            </a:r>
+            <a:r>
+              <a:rPr lang="en-US" b="0" i="0" dirty="0" err="1">
+                <a:solidFill>
+                  <a:srgbClr val="222222"/>
+                </a:solidFill>
+                <a:effectLst/>
+                <a:latin typeface=".SFUI-Regular"/>
+              </a:rPr>
+              <a:t>ms</a:t>
+            </a:r>
+            <a:r>
+              <a:rPr lang="en-US" b="0" i="0" dirty="0">
+                <a:solidFill>
+                  <a:srgbClr val="222222"/>
+                </a:solidFill>
+                <a:effectLst/>
+                <a:latin typeface=".SFUI-Regular"/>
+              </a:rPr>
+              <a:t> </a:t>
+            </a:r>
+            <a:endParaRPr lang="en-US" b="0" i="0" dirty="0">
+              <a:solidFill>
+                <a:srgbClr val="222222"/>
+              </a:solidFill>
+              <a:effectLst/>
+              <a:latin typeface="System Font"/>
+            </a:endParaRPr>
+          </a:p>
+          <a:p>
+            <a:pPr algn="l"/>
+            <a:r>
+              <a:rPr lang="en-US" b="0" i="0" dirty="0">
+                <a:solidFill>
+                  <a:srgbClr val="222222"/>
+                </a:solidFill>
+                <a:effectLst/>
+                <a:latin typeface=".SFUI-Regular"/>
+              </a:rPr>
+              <a:t>Iteration mean duration:           37578 us</a:t>
+            </a:r>
+            <a:endParaRPr lang="en-US" b="0" i="0" dirty="0">
+              <a:solidFill>
+                <a:srgbClr val="222222"/>
+              </a:solidFill>
+              <a:effectLst/>
+              <a:latin typeface="System Font"/>
+            </a:endParaRPr>
+          </a:p>
+        </p:txBody>
+      </p:sp>
+    </p:spTree>
+    <p:extLst>
+      <p:ext uri="{BB962C8B-B14F-4D97-AF65-F5344CB8AC3E}">
+        <p14:creationId xmlns:p14="http://schemas.microsoft.com/office/powerpoint/2010/main" val="3468047538"/>
+      </p:ext>
+    </p:extLst>
+  </p:cSld>
+  <p:clrMapOvr>
+    <a:masterClrMapping/>
+  </p:clrMapOvr>
+</p:sld>
+</file>
+
+<file path=ppt/slides/slide19.xml><?xml version="1.0" encoding="utf-8"?>
+<p:sld xmlns:a="http://schemas.openxmlformats.org/drawingml/2006/main" xmlns:r="http://schemas.openxmlformats.org/officeDocument/2006/relationships" xmlns:p="http://schemas.openxmlformats.org/presentationml/2006/main">
+  <p:cSld>
+    <p:spTree>
+      <p:nvGrpSpPr>
+        <p:cNvPr id="1" name=""/>
+        <p:cNvGrpSpPr/>
+        <p:nvPr/>
+      </p:nvGrpSpPr>
+      <p:grpSpPr>
+        <a:xfrm>
+          <a:off x="0" y="0"/>
+          <a:ext cx="0" cy="0"/>
+          <a:chOff x="0" y="0"/>
+          <a:chExt cx="0" cy="0"/>
+        </a:xfrm>
+      </p:grpSpPr>
+      <p:sp>
+        <p:nvSpPr>
+          <p:cNvPr id="2" name="Titolo 1">
+            <a:extLst>
+              <a:ext uri="{FF2B5EF4-FFF2-40B4-BE49-F238E27FC236}">
+                <a16:creationId xmlns:a16="http://schemas.microsoft.com/office/drawing/2014/main" id="{F7F11270-885D-CA2D-C6DB-563B7A648D62}"/>
+              </a:ext>
+            </a:extLst>
+          </p:cNvPr>
+          <p:cNvSpPr>
+            <a:spLocks noGrp="1"/>
+          </p:cNvSpPr>
+          <p:nvPr>
+            <p:ph type="title"/>
+          </p:nvPr>
+        </p:nvSpPr>
+        <p:spPr/>
+        <p:txBody>
+          <a:bodyPr/>
+          <a:lstStyle/>
+          <a:p>
+            <a:r>
+              <a:rPr lang="it-IT" dirty="0"/>
+              <a:t>pc – no </a:t>
+            </a:r>
+            <a:r>
+              <a:rPr lang="it-IT" dirty="0" err="1"/>
+              <a:t>omp</a:t>
+            </a:r>
+            <a:r>
+              <a:rPr lang="it-IT" dirty="0"/>
+              <a:t>, no graphics</a:t>
+            </a:r>
+          </a:p>
+        </p:txBody>
+      </p:sp>
+      <p:sp>
+        <p:nvSpPr>
+          <p:cNvPr id="3" name="Segnaposto numero diapositiva 2">
+            <a:extLst>
+              <a:ext uri="{FF2B5EF4-FFF2-40B4-BE49-F238E27FC236}">
+                <a16:creationId xmlns:a16="http://schemas.microsoft.com/office/drawing/2014/main" id="{E5B6D8CE-B00C-3E01-F898-DD1F2A59E84B}"/>
+              </a:ext>
+            </a:extLst>
+          </p:cNvPr>
+          <p:cNvSpPr>
+            <a:spLocks noGrp="1"/>
+          </p:cNvSpPr>
+          <p:nvPr>
+            <p:ph type="sldNum" sz="quarter" idx="11"/>
+          </p:nvPr>
+        </p:nvSpPr>
+        <p:spPr/>
+        <p:txBody>
+          <a:bodyPr/>
+          <a:lstStyle/>
+          <a:p>
+            <a:pPr rtl="0"/>
+            <a:fld id="{75DF2D63-3FF5-D547-96B9-BE9CCD1ABA58}" type="slidenum">
+              <a:rPr lang="it-IT" smtClean="0"/>
+              <a:t>19</a:t>
+            </a:fld>
+            <a:endParaRPr lang="it-IT" dirty="0"/>
+          </a:p>
+        </p:txBody>
+      </p:sp>
+      <p:sp>
+        <p:nvSpPr>
+          <p:cNvPr id="4" name="Segnaposto piè di pagina 3">
+            <a:extLst>
+              <a:ext uri="{FF2B5EF4-FFF2-40B4-BE49-F238E27FC236}">
+                <a16:creationId xmlns:a16="http://schemas.microsoft.com/office/drawing/2014/main" id="{CC222061-6886-B6C0-57E8-6DE158F450A2}"/>
+              </a:ext>
+            </a:extLst>
+          </p:cNvPr>
+          <p:cNvSpPr>
+            <a:spLocks noGrp="1"/>
+          </p:cNvSpPr>
+          <p:nvPr>
+            <p:ph type="ftr" sz="quarter" idx="12"/>
+          </p:nvPr>
+        </p:nvSpPr>
+        <p:spPr/>
+        <p:txBody>
+          <a:bodyPr/>
+          <a:lstStyle/>
+          <a:p>
+            <a:pPr rtl="0"/>
+            <a:r>
+              <a:rPr lang="it-IT"/>
+              <a:t>titolo della presentazione</a:t>
+            </a:r>
+          </a:p>
+        </p:txBody>
+      </p:sp>
+      <p:sp>
+        <p:nvSpPr>
+          <p:cNvPr id="5" name="CasellaDiTesto 4">
+            <a:extLst>
+              <a:ext uri="{FF2B5EF4-FFF2-40B4-BE49-F238E27FC236}">
+                <a16:creationId xmlns:a16="http://schemas.microsoft.com/office/drawing/2014/main" id="{7FEF82F4-EF27-B0B9-574D-536791AA9D66}"/>
+              </a:ext>
+            </a:extLst>
+          </p:cNvPr>
+          <p:cNvSpPr txBox="1"/>
+          <p:nvPr/>
+        </p:nvSpPr>
+        <p:spPr>
+          <a:xfrm>
+            <a:off x="1295400" y="1865717"/>
+            <a:ext cx="7391400" cy="3970318"/>
+          </a:xfrm>
+          <a:prstGeom prst="rect">
+            <a:avLst/>
+          </a:prstGeom>
+          <a:noFill/>
+        </p:spPr>
+        <p:txBody>
+          <a:bodyPr wrap="square" rtlCol="0">
+            <a:spAutoFit/>
+          </a:bodyPr>
+          <a:lstStyle/>
+          <a:p>
+            <a:pPr algn="l"/>
+            <a:r>
+              <a:rPr lang="en-US" b="0" i="0" dirty="0" err="1">
+                <a:solidFill>
+                  <a:srgbClr val="222222"/>
+                </a:solidFill>
+                <a:effectLst/>
+                <a:latin typeface=".SFUI-Regular"/>
+              </a:rPr>
+              <a:t>NBody</a:t>
+            </a:r>
+            <a:r>
+              <a:rPr lang="en-US" b="0" i="0" dirty="0">
+                <a:solidFill>
+                  <a:srgbClr val="222222"/>
+                </a:solidFill>
+                <a:effectLst/>
+                <a:latin typeface=".SFUI-Regular"/>
+              </a:rPr>
+              <a:t> profiling</a:t>
+            </a:r>
+            <a:endParaRPr lang="en-US" b="0" i="0" dirty="0">
+              <a:solidFill>
+                <a:srgbClr val="222222"/>
+              </a:solidFill>
+              <a:effectLst/>
+              <a:latin typeface="System Font"/>
+            </a:endParaRPr>
+          </a:p>
+          <a:p>
+            <a:pPr algn="l"/>
+            <a:r>
+              <a:rPr lang="en-US" b="0" i="0" dirty="0">
+                <a:solidFill>
+                  <a:srgbClr val="222222"/>
+                </a:solidFill>
+                <a:effectLst/>
+                <a:latin typeface=".SFUI-Regular"/>
+              </a:rPr>
+              <a:t>--- SIMULATION INFO ---</a:t>
+            </a:r>
+            <a:endParaRPr lang="en-US" b="0" i="0" dirty="0">
+              <a:solidFill>
+                <a:srgbClr val="222222"/>
+              </a:solidFill>
+              <a:effectLst/>
+              <a:latin typeface="System Font"/>
+            </a:endParaRPr>
+          </a:p>
+          <a:p>
+            <a:pPr algn="l"/>
+            <a:r>
+              <a:rPr lang="en-US" b="0" i="0" dirty="0">
+                <a:solidFill>
+                  <a:srgbClr val="222222"/>
+                </a:solidFill>
+                <a:effectLst/>
+                <a:latin typeface=".SFUI-Regular"/>
+              </a:rPr>
+              <a:t>Problem dimension: 3D</a:t>
+            </a:r>
+            <a:endParaRPr lang="en-US" b="0" i="0" dirty="0">
+              <a:solidFill>
+                <a:srgbClr val="222222"/>
+              </a:solidFill>
+              <a:effectLst/>
+              <a:latin typeface="System Font"/>
+            </a:endParaRPr>
+          </a:p>
+          <a:p>
+            <a:pPr algn="l"/>
+            <a:r>
+              <a:rPr lang="en-US" b="0" i="0" dirty="0">
+                <a:solidFill>
+                  <a:srgbClr val="222222"/>
+                </a:solidFill>
+                <a:effectLst/>
+                <a:latin typeface=".SFUI-Regular"/>
+              </a:rPr>
+              <a:t>Particle amount:            1000</a:t>
+            </a:r>
+            <a:endParaRPr lang="en-US" b="0" i="0" dirty="0">
+              <a:solidFill>
+                <a:srgbClr val="222222"/>
+              </a:solidFill>
+              <a:effectLst/>
+              <a:latin typeface="System Font"/>
+            </a:endParaRPr>
+          </a:p>
+          <a:p>
+            <a:pPr algn="l"/>
+            <a:r>
+              <a:rPr lang="en-US" b="0" i="0" dirty="0">
+                <a:solidFill>
+                  <a:srgbClr val="222222"/>
+                </a:solidFill>
+                <a:effectLst/>
+                <a:latin typeface=".SFUI-Regular"/>
+              </a:rPr>
+              <a:t>Number of iterations:            1000</a:t>
+            </a:r>
+            <a:endParaRPr lang="en-US" b="0" i="0" dirty="0">
+              <a:solidFill>
+                <a:srgbClr val="222222"/>
+              </a:solidFill>
+              <a:effectLst/>
+              <a:latin typeface="System Font"/>
+            </a:endParaRPr>
+          </a:p>
+          <a:p>
+            <a:pPr algn="l"/>
+            <a:r>
+              <a:rPr lang="en-US" b="0" i="0" dirty="0">
+                <a:solidFill>
+                  <a:srgbClr val="222222"/>
+                </a:solidFill>
+                <a:effectLst/>
+                <a:latin typeface=".SFUI-Regular"/>
+              </a:rPr>
+              <a:t>Simulation time resolution:              10 ticks per second</a:t>
+            </a:r>
+            <a:endParaRPr lang="en-US" b="0" i="0" dirty="0">
+              <a:solidFill>
+                <a:srgbClr val="222222"/>
+              </a:solidFill>
+              <a:effectLst/>
+              <a:latin typeface="System Font"/>
+            </a:endParaRPr>
+          </a:p>
+          <a:p>
+            <a:pPr algn="l"/>
+            <a:r>
+              <a:rPr lang="en-US" b="0" i="0" dirty="0">
+                <a:solidFill>
+                  <a:srgbClr val="222222"/>
+                </a:solidFill>
+                <a:effectLst/>
+                <a:latin typeface=".SFUI-Regular"/>
+              </a:rPr>
+              <a:t>Simulation elapsed time:           10000 seconds</a:t>
+            </a:r>
+            <a:endParaRPr lang="en-US" b="0" i="0" dirty="0">
+              <a:solidFill>
+                <a:srgbClr val="222222"/>
+              </a:solidFill>
+              <a:effectLst/>
+              <a:latin typeface="System Font"/>
+            </a:endParaRPr>
+          </a:p>
+          <a:p>
+            <a:pPr algn="l"/>
+            <a:r>
+              <a:rPr lang="en-US" b="0" i="0" dirty="0">
+                <a:solidFill>
+                  <a:srgbClr val="222222"/>
+                </a:solidFill>
+                <a:effectLst/>
+                <a:latin typeface=".SFUI-Regular"/>
+              </a:rPr>
+              <a:t>Graphics refresh time:             200 milliseconds</a:t>
+            </a:r>
+            <a:endParaRPr lang="en-US" b="0" i="0" dirty="0">
+              <a:solidFill>
+                <a:srgbClr val="222222"/>
+              </a:solidFill>
+              <a:effectLst/>
+              <a:latin typeface="System Font"/>
+            </a:endParaRPr>
+          </a:p>
+          <a:p>
+            <a:pPr algn="l"/>
+            <a:r>
+              <a:rPr lang="en-US" b="0" i="0" dirty="0">
+                <a:solidFill>
+                  <a:srgbClr val="222222"/>
+                </a:solidFill>
+                <a:effectLst/>
+                <a:latin typeface=".SFUI-Regular"/>
+              </a:rPr>
+              <a:t>Screen resolution:  2048x 2048</a:t>
+            </a:r>
+            <a:endParaRPr lang="en-US" b="0" i="0" dirty="0">
+              <a:solidFill>
+                <a:srgbClr val="222222"/>
+              </a:solidFill>
+              <a:effectLst/>
+              <a:latin typeface="System Font"/>
+            </a:endParaRPr>
+          </a:p>
+          <a:p>
+            <a:pPr algn="l"/>
+            <a:br>
+              <a:rPr lang="en-US" b="0" i="0" dirty="0">
+                <a:solidFill>
+                  <a:srgbClr val="222222"/>
+                </a:solidFill>
+                <a:effectLst/>
+                <a:latin typeface="System Font"/>
+              </a:rPr>
+            </a:br>
+            <a:endParaRPr lang="en-US" b="0" i="0" dirty="0">
+              <a:solidFill>
+                <a:srgbClr val="222222"/>
+              </a:solidFill>
+              <a:effectLst/>
+              <a:latin typeface="System Font"/>
+            </a:endParaRPr>
+          </a:p>
+          <a:p>
+            <a:pPr algn="l"/>
+            <a:r>
+              <a:rPr lang="en-US" b="0" i="0" dirty="0">
+                <a:solidFill>
+                  <a:srgbClr val="222222"/>
+                </a:solidFill>
+                <a:effectLst/>
+                <a:latin typeface=".SFUI-Regular"/>
+              </a:rPr>
+              <a:t>--- TIMING AND THREADS INFO ---</a:t>
+            </a:r>
+            <a:endParaRPr lang="en-US" b="0" i="0" dirty="0">
+              <a:solidFill>
+                <a:srgbClr val="222222"/>
+              </a:solidFill>
+              <a:effectLst/>
+              <a:latin typeface="System Font"/>
+            </a:endParaRPr>
+          </a:p>
+          <a:p>
+            <a:pPr algn="l"/>
+            <a:r>
+              <a:rPr lang="en-US" b="0" i="0" dirty="0">
+                <a:solidFill>
+                  <a:srgbClr val="222222"/>
+                </a:solidFill>
+                <a:effectLst/>
+                <a:latin typeface=".SFUI-Regular"/>
+              </a:rPr>
+              <a:t>Total duration:          616221 </a:t>
+            </a:r>
+            <a:r>
+              <a:rPr lang="en-US" b="0" i="0" dirty="0" err="1">
+                <a:solidFill>
+                  <a:srgbClr val="222222"/>
+                </a:solidFill>
+                <a:effectLst/>
+                <a:latin typeface=".SFUI-Regular"/>
+              </a:rPr>
+              <a:t>ms</a:t>
+            </a:r>
+            <a:endParaRPr lang="en-US" b="0" i="0" dirty="0">
+              <a:solidFill>
+                <a:srgbClr val="222222"/>
+              </a:solidFill>
+              <a:effectLst/>
+              <a:latin typeface="System Font"/>
+            </a:endParaRPr>
+          </a:p>
+          <a:p>
+            <a:pPr algn="l"/>
+            <a:r>
+              <a:rPr lang="en-US" b="0" i="0" dirty="0">
+                <a:solidFill>
+                  <a:srgbClr val="222222"/>
+                </a:solidFill>
+                <a:effectLst/>
+                <a:latin typeface=".SFUI-Regular"/>
+              </a:rPr>
+              <a:t>Iteration mean duration:          616186 us</a:t>
+            </a:r>
+            <a:endParaRPr lang="en-US" b="0" i="0" dirty="0">
+              <a:solidFill>
+                <a:srgbClr val="222222"/>
+              </a:solidFill>
+              <a:effectLst/>
+              <a:latin typeface="System Font"/>
+            </a:endParaRPr>
+          </a:p>
+        </p:txBody>
+      </p:sp>
+    </p:spTree>
+    <p:extLst>
+      <p:ext uri="{BB962C8B-B14F-4D97-AF65-F5344CB8AC3E}">
+        <p14:creationId xmlns:p14="http://schemas.microsoft.com/office/powerpoint/2010/main" val="3810117604"/>
       </p:ext>
     </p:extLst>
   </p:cSld>
@@ -15340,6 +16231,1300 @@
     <p:extLst>
       <p:ext uri="{BB962C8B-B14F-4D97-AF65-F5344CB8AC3E}">
         <p14:creationId xmlns:p14="http://schemas.microsoft.com/office/powerpoint/2010/main" val="2910866480"/>
+      </p:ext>
+    </p:extLst>
+  </p:cSld>
+  <p:clrMapOvr>
+    <a:masterClrMapping/>
+  </p:clrMapOvr>
+</p:sld>
+</file>
+
+<file path=ppt/slides/slide20.xml><?xml version="1.0" encoding="utf-8"?>
+<p:sld xmlns:a="http://schemas.openxmlformats.org/drawingml/2006/main" xmlns:r="http://schemas.openxmlformats.org/officeDocument/2006/relationships" xmlns:p="http://schemas.openxmlformats.org/presentationml/2006/main">
+  <p:cSld>
+    <p:spTree>
+      <p:nvGrpSpPr>
+        <p:cNvPr id="1" name=""/>
+        <p:cNvGrpSpPr/>
+        <p:nvPr/>
+      </p:nvGrpSpPr>
+      <p:grpSpPr>
+        <a:xfrm>
+          <a:off x="0" y="0"/>
+          <a:ext cx="0" cy="0"/>
+          <a:chOff x="0" y="0"/>
+          <a:chExt cx="0" cy="0"/>
+        </a:xfrm>
+      </p:grpSpPr>
+      <p:sp>
+        <p:nvSpPr>
+          <p:cNvPr id="2" name="Titolo 1">
+            <a:extLst>
+              <a:ext uri="{FF2B5EF4-FFF2-40B4-BE49-F238E27FC236}">
+                <a16:creationId xmlns:a16="http://schemas.microsoft.com/office/drawing/2014/main" id="{F7F11270-885D-CA2D-C6DB-563B7A648D62}"/>
+              </a:ext>
+            </a:extLst>
+          </p:cNvPr>
+          <p:cNvSpPr>
+            <a:spLocks noGrp="1"/>
+          </p:cNvSpPr>
+          <p:nvPr>
+            <p:ph type="title"/>
+          </p:nvPr>
+        </p:nvSpPr>
+        <p:spPr/>
+        <p:txBody>
+          <a:bodyPr/>
+          <a:lstStyle/>
+          <a:p>
+            <a:r>
+              <a:rPr lang="it-IT" dirty="0"/>
+              <a:t>pc – yes </a:t>
+            </a:r>
+            <a:r>
+              <a:rPr lang="it-IT" dirty="0" err="1"/>
+              <a:t>omp</a:t>
+            </a:r>
+            <a:r>
+              <a:rPr lang="it-IT" dirty="0"/>
+              <a:t>, no graphics</a:t>
+            </a:r>
+          </a:p>
+        </p:txBody>
+      </p:sp>
+      <p:sp>
+        <p:nvSpPr>
+          <p:cNvPr id="3" name="Segnaposto numero diapositiva 2">
+            <a:extLst>
+              <a:ext uri="{FF2B5EF4-FFF2-40B4-BE49-F238E27FC236}">
+                <a16:creationId xmlns:a16="http://schemas.microsoft.com/office/drawing/2014/main" id="{E5B6D8CE-B00C-3E01-F898-DD1F2A59E84B}"/>
+              </a:ext>
+            </a:extLst>
+          </p:cNvPr>
+          <p:cNvSpPr>
+            <a:spLocks noGrp="1"/>
+          </p:cNvSpPr>
+          <p:nvPr>
+            <p:ph type="sldNum" sz="quarter" idx="11"/>
+          </p:nvPr>
+        </p:nvSpPr>
+        <p:spPr/>
+        <p:txBody>
+          <a:bodyPr/>
+          <a:lstStyle/>
+          <a:p>
+            <a:pPr rtl="0"/>
+            <a:fld id="{75DF2D63-3FF5-D547-96B9-BE9CCD1ABA58}" type="slidenum">
+              <a:rPr lang="it-IT" smtClean="0"/>
+              <a:t>20</a:t>
+            </a:fld>
+            <a:endParaRPr lang="it-IT" dirty="0"/>
+          </a:p>
+        </p:txBody>
+      </p:sp>
+      <p:sp>
+        <p:nvSpPr>
+          <p:cNvPr id="4" name="Segnaposto piè di pagina 3">
+            <a:extLst>
+              <a:ext uri="{FF2B5EF4-FFF2-40B4-BE49-F238E27FC236}">
+                <a16:creationId xmlns:a16="http://schemas.microsoft.com/office/drawing/2014/main" id="{CC222061-6886-B6C0-57E8-6DE158F450A2}"/>
+              </a:ext>
+            </a:extLst>
+          </p:cNvPr>
+          <p:cNvSpPr>
+            <a:spLocks noGrp="1"/>
+          </p:cNvSpPr>
+          <p:nvPr>
+            <p:ph type="ftr" sz="quarter" idx="12"/>
+          </p:nvPr>
+        </p:nvSpPr>
+        <p:spPr/>
+        <p:txBody>
+          <a:bodyPr/>
+          <a:lstStyle/>
+          <a:p>
+            <a:pPr rtl="0"/>
+            <a:r>
+              <a:rPr lang="it-IT"/>
+              <a:t>titolo della presentazione</a:t>
+            </a:r>
+          </a:p>
+        </p:txBody>
+      </p:sp>
+      <p:sp>
+        <p:nvSpPr>
+          <p:cNvPr id="5" name="CasellaDiTesto 4">
+            <a:extLst>
+              <a:ext uri="{FF2B5EF4-FFF2-40B4-BE49-F238E27FC236}">
+                <a16:creationId xmlns:a16="http://schemas.microsoft.com/office/drawing/2014/main" id="{7FEF82F4-EF27-B0B9-574D-536791AA9D66}"/>
+              </a:ext>
+            </a:extLst>
+          </p:cNvPr>
+          <p:cNvSpPr txBox="1"/>
+          <p:nvPr/>
+        </p:nvSpPr>
+        <p:spPr>
+          <a:xfrm>
+            <a:off x="1295400" y="1865717"/>
+            <a:ext cx="7391400" cy="3970318"/>
+          </a:xfrm>
+          <a:prstGeom prst="rect">
+            <a:avLst/>
+          </a:prstGeom>
+          <a:noFill/>
+        </p:spPr>
+        <p:txBody>
+          <a:bodyPr wrap="square" rtlCol="0">
+            <a:spAutoFit/>
+          </a:bodyPr>
+          <a:lstStyle/>
+          <a:p>
+            <a:pPr algn="l"/>
+            <a:r>
+              <a:rPr lang="en-US" b="0" i="0" dirty="0" err="1">
+                <a:solidFill>
+                  <a:srgbClr val="222222"/>
+                </a:solidFill>
+                <a:effectLst/>
+                <a:latin typeface=".SFUI-Regular"/>
+              </a:rPr>
+              <a:t>NBody</a:t>
+            </a:r>
+            <a:r>
+              <a:rPr lang="en-US" b="0" i="0" dirty="0">
+                <a:solidFill>
+                  <a:srgbClr val="222222"/>
+                </a:solidFill>
+                <a:effectLst/>
+                <a:latin typeface=".SFUI-Regular"/>
+              </a:rPr>
+              <a:t> profiling</a:t>
+            </a:r>
+            <a:endParaRPr lang="en-US" b="0" i="0" dirty="0">
+              <a:solidFill>
+                <a:srgbClr val="222222"/>
+              </a:solidFill>
+              <a:effectLst/>
+              <a:latin typeface="System Font"/>
+            </a:endParaRPr>
+          </a:p>
+          <a:p>
+            <a:pPr algn="l"/>
+            <a:r>
+              <a:rPr lang="en-US" b="0" i="0" dirty="0">
+                <a:solidFill>
+                  <a:srgbClr val="222222"/>
+                </a:solidFill>
+                <a:effectLst/>
+                <a:latin typeface=".SFUI-Regular"/>
+              </a:rPr>
+              <a:t>--- SIMULATION INFO ---</a:t>
+            </a:r>
+            <a:endParaRPr lang="en-US" b="0" i="0" dirty="0">
+              <a:solidFill>
+                <a:srgbClr val="222222"/>
+              </a:solidFill>
+              <a:effectLst/>
+              <a:latin typeface="System Font"/>
+            </a:endParaRPr>
+          </a:p>
+          <a:p>
+            <a:pPr algn="l"/>
+            <a:r>
+              <a:rPr lang="en-US" b="0" i="0" dirty="0">
+                <a:solidFill>
+                  <a:srgbClr val="222222"/>
+                </a:solidFill>
+                <a:effectLst/>
+                <a:latin typeface=".SFUI-Regular"/>
+              </a:rPr>
+              <a:t>Problem dimension: 3D</a:t>
+            </a:r>
+            <a:endParaRPr lang="en-US" b="0" i="0" dirty="0">
+              <a:solidFill>
+                <a:srgbClr val="222222"/>
+              </a:solidFill>
+              <a:effectLst/>
+              <a:latin typeface="System Font"/>
+            </a:endParaRPr>
+          </a:p>
+          <a:p>
+            <a:pPr algn="l"/>
+            <a:r>
+              <a:rPr lang="en-US" b="0" i="0" dirty="0">
+                <a:solidFill>
+                  <a:srgbClr val="222222"/>
+                </a:solidFill>
+                <a:effectLst/>
+                <a:latin typeface=".SFUI-Regular"/>
+              </a:rPr>
+              <a:t>Particle amount:            1000</a:t>
+            </a:r>
+            <a:endParaRPr lang="en-US" b="0" i="0" dirty="0">
+              <a:solidFill>
+                <a:srgbClr val="222222"/>
+              </a:solidFill>
+              <a:effectLst/>
+              <a:latin typeface="System Font"/>
+            </a:endParaRPr>
+          </a:p>
+          <a:p>
+            <a:pPr algn="l"/>
+            <a:r>
+              <a:rPr lang="en-US" b="0" i="0" dirty="0">
+                <a:solidFill>
+                  <a:srgbClr val="222222"/>
+                </a:solidFill>
+                <a:effectLst/>
+                <a:latin typeface=".SFUI-Regular"/>
+              </a:rPr>
+              <a:t>Number of iterations:            1000</a:t>
+            </a:r>
+            <a:endParaRPr lang="en-US" b="0" i="0" dirty="0">
+              <a:solidFill>
+                <a:srgbClr val="222222"/>
+              </a:solidFill>
+              <a:effectLst/>
+              <a:latin typeface="System Font"/>
+            </a:endParaRPr>
+          </a:p>
+          <a:p>
+            <a:pPr algn="l"/>
+            <a:r>
+              <a:rPr lang="en-US" b="0" i="0" dirty="0">
+                <a:solidFill>
+                  <a:srgbClr val="222222"/>
+                </a:solidFill>
+                <a:effectLst/>
+                <a:latin typeface=".SFUI-Regular"/>
+              </a:rPr>
+              <a:t>Simulation time resolution:              10 ticks per second</a:t>
+            </a:r>
+            <a:endParaRPr lang="en-US" b="0" i="0" dirty="0">
+              <a:solidFill>
+                <a:srgbClr val="222222"/>
+              </a:solidFill>
+              <a:effectLst/>
+              <a:latin typeface="System Font"/>
+            </a:endParaRPr>
+          </a:p>
+          <a:p>
+            <a:pPr algn="l"/>
+            <a:r>
+              <a:rPr lang="en-US" b="0" i="0" dirty="0">
+                <a:solidFill>
+                  <a:srgbClr val="222222"/>
+                </a:solidFill>
+                <a:effectLst/>
+                <a:latin typeface=".SFUI-Regular"/>
+              </a:rPr>
+              <a:t>Simulation elapsed time:           10000 seconds</a:t>
+            </a:r>
+            <a:endParaRPr lang="en-US" b="0" i="0" dirty="0">
+              <a:solidFill>
+                <a:srgbClr val="222222"/>
+              </a:solidFill>
+              <a:effectLst/>
+              <a:latin typeface="System Font"/>
+            </a:endParaRPr>
+          </a:p>
+          <a:p>
+            <a:pPr algn="l"/>
+            <a:r>
+              <a:rPr lang="en-US" b="0" i="0" dirty="0">
+                <a:solidFill>
+                  <a:srgbClr val="222222"/>
+                </a:solidFill>
+                <a:effectLst/>
+                <a:latin typeface=".SFUI-Regular"/>
+              </a:rPr>
+              <a:t>Graphics refresh time:             200 milliseconds</a:t>
+            </a:r>
+            <a:endParaRPr lang="en-US" b="0" i="0" dirty="0">
+              <a:solidFill>
+                <a:srgbClr val="222222"/>
+              </a:solidFill>
+              <a:effectLst/>
+              <a:latin typeface="System Font"/>
+            </a:endParaRPr>
+          </a:p>
+          <a:p>
+            <a:pPr algn="l"/>
+            <a:r>
+              <a:rPr lang="en-US" b="0" i="0" dirty="0">
+                <a:solidFill>
+                  <a:srgbClr val="222222"/>
+                </a:solidFill>
+                <a:effectLst/>
+                <a:latin typeface=".SFUI-Regular"/>
+              </a:rPr>
+              <a:t>Screen resolution:  2048x 2048</a:t>
+            </a:r>
+            <a:endParaRPr lang="en-US" b="0" i="0" dirty="0">
+              <a:solidFill>
+                <a:srgbClr val="222222"/>
+              </a:solidFill>
+              <a:effectLst/>
+              <a:latin typeface="System Font"/>
+            </a:endParaRPr>
+          </a:p>
+          <a:p>
+            <a:pPr algn="l"/>
+            <a:br>
+              <a:rPr lang="en-US" b="0" i="0" dirty="0">
+                <a:solidFill>
+                  <a:srgbClr val="222222"/>
+                </a:solidFill>
+                <a:effectLst/>
+                <a:latin typeface="System Font"/>
+              </a:rPr>
+            </a:br>
+            <a:endParaRPr lang="en-US" b="0" i="0" dirty="0">
+              <a:solidFill>
+                <a:srgbClr val="222222"/>
+              </a:solidFill>
+              <a:effectLst/>
+              <a:latin typeface="System Font"/>
+            </a:endParaRPr>
+          </a:p>
+          <a:p>
+            <a:pPr algn="l"/>
+            <a:r>
+              <a:rPr lang="en-US" b="0" i="0" dirty="0">
+                <a:solidFill>
+                  <a:srgbClr val="222222"/>
+                </a:solidFill>
+                <a:effectLst/>
+                <a:latin typeface=".SFUI-Regular"/>
+              </a:rPr>
+              <a:t>--- TIMING AND THREADS INFO ---</a:t>
+            </a:r>
+            <a:endParaRPr lang="en-US" b="0" i="0" dirty="0">
+              <a:solidFill>
+                <a:srgbClr val="222222"/>
+              </a:solidFill>
+              <a:effectLst/>
+              <a:latin typeface="System Font"/>
+            </a:endParaRPr>
+          </a:p>
+          <a:p>
+            <a:pPr algn="l"/>
+            <a:r>
+              <a:rPr lang="en-US" b="0" i="0" dirty="0">
+                <a:solidFill>
+                  <a:srgbClr val="222222"/>
+                </a:solidFill>
+                <a:effectLst/>
+                <a:latin typeface=".SFUI-Regular"/>
+              </a:rPr>
+              <a:t>Total duration:           56731 </a:t>
+            </a:r>
+            <a:r>
+              <a:rPr lang="en-US" b="0" i="0" dirty="0" err="1">
+                <a:solidFill>
+                  <a:srgbClr val="222222"/>
+                </a:solidFill>
+                <a:effectLst/>
+                <a:latin typeface=".SFUI-Regular"/>
+              </a:rPr>
+              <a:t>ms</a:t>
+            </a:r>
+            <a:endParaRPr lang="en-US" b="0" i="0" dirty="0">
+              <a:solidFill>
+                <a:srgbClr val="222222"/>
+              </a:solidFill>
+              <a:effectLst/>
+              <a:latin typeface="System Font"/>
+            </a:endParaRPr>
+          </a:p>
+          <a:p>
+            <a:pPr algn="l"/>
+            <a:r>
+              <a:rPr lang="en-US" b="0" i="0" dirty="0">
+                <a:solidFill>
+                  <a:srgbClr val="222222"/>
+                </a:solidFill>
+                <a:effectLst/>
+                <a:latin typeface=".SFUI-Regular"/>
+              </a:rPr>
+              <a:t>Iteration mean duration:           56552 us</a:t>
+            </a:r>
+            <a:endParaRPr lang="en-US" b="0" i="0" dirty="0">
+              <a:solidFill>
+                <a:srgbClr val="222222"/>
+              </a:solidFill>
+              <a:effectLst/>
+              <a:latin typeface="System Font"/>
+            </a:endParaRPr>
+          </a:p>
+        </p:txBody>
+      </p:sp>
+    </p:spTree>
+    <p:extLst>
+      <p:ext uri="{BB962C8B-B14F-4D97-AF65-F5344CB8AC3E}">
+        <p14:creationId xmlns:p14="http://schemas.microsoft.com/office/powerpoint/2010/main" val="2197561036"/>
+      </p:ext>
+    </p:extLst>
+  </p:cSld>
+  <p:clrMapOvr>
+    <a:masterClrMapping/>
+  </p:clrMapOvr>
+</p:sld>
+</file>
+
+<file path=ppt/slides/slide21.xml><?xml version="1.0" encoding="utf-8"?>
+<p:sld xmlns:a="http://schemas.openxmlformats.org/drawingml/2006/main" xmlns:r="http://schemas.openxmlformats.org/officeDocument/2006/relationships" xmlns:p="http://schemas.openxmlformats.org/presentationml/2006/main">
+  <p:cSld>
+    <p:spTree>
+      <p:nvGrpSpPr>
+        <p:cNvPr id="1" name=""/>
+        <p:cNvGrpSpPr/>
+        <p:nvPr/>
+      </p:nvGrpSpPr>
+      <p:grpSpPr>
+        <a:xfrm>
+          <a:off x="0" y="0"/>
+          <a:ext cx="0" cy="0"/>
+          <a:chOff x="0" y="0"/>
+          <a:chExt cx="0" cy="0"/>
+        </a:xfrm>
+      </p:grpSpPr>
+      <p:sp>
+        <p:nvSpPr>
+          <p:cNvPr id="2" name="Titolo 1">
+            <a:extLst>
+              <a:ext uri="{FF2B5EF4-FFF2-40B4-BE49-F238E27FC236}">
+                <a16:creationId xmlns:a16="http://schemas.microsoft.com/office/drawing/2014/main" id="{F7F11270-885D-CA2D-C6DB-563B7A648D62}"/>
+              </a:ext>
+            </a:extLst>
+          </p:cNvPr>
+          <p:cNvSpPr>
+            <a:spLocks noGrp="1"/>
+          </p:cNvSpPr>
+          <p:nvPr>
+            <p:ph type="title"/>
+          </p:nvPr>
+        </p:nvSpPr>
+        <p:spPr/>
+        <p:txBody>
+          <a:bodyPr/>
+          <a:lstStyle/>
+          <a:p>
+            <a:r>
+              <a:rPr lang="it-IT" dirty="0"/>
+              <a:t>pc – </a:t>
+            </a:r>
+            <a:r>
+              <a:rPr lang="it-IT" dirty="0" err="1"/>
+              <a:t>barnes-hut</a:t>
+            </a:r>
+            <a:endParaRPr lang="it-IT" dirty="0"/>
+          </a:p>
+        </p:txBody>
+      </p:sp>
+      <p:sp>
+        <p:nvSpPr>
+          <p:cNvPr id="3" name="Segnaposto numero diapositiva 2">
+            <a:extLst>
+              <a:ext uri="{FF2B5EF4-FFF2-40B4-BE49-F238E27FC236}">
+                <a16:creationId xmlns:a16="http://schemas.microsoft.com/office/drawing/2014/main" id="{E5B6D8CE-B00C-3E01-F898-DD1F2A59E84B}"/>
+              </a:ext>
+            </a:extLst>
+          </p:cNvPr>
+          <p:cNvSpPr>
+            <a:spLocks noGrp="1"/>
+          </p:cNvSpPr>
+          <p:nvPr>
+            <p:ph type="sldNum" sz="quarter" idx="11"/>
+          </p:nvPr>
+        </p:nvSpPr>
+        <p:spPr/>
+        <p:txBody>
+          <a:bodyPr/>
+          <a:lstStyle/>
+          <a:p>
+            <a:pPr rtl="0"/>
+            <a:fld id="{75DF2D63-3FF5-D547-96B9-BE9CCD1ABA58}" type="slidenum">
+              <a:rPr lang="it-IT" smtClean="0"/>
+              <a:t>21</a:t>
+            </a:fld>
+            <a:endParaRPr lang="it-IT" dirty="0"/>
+          </a:p>
+        </p:txBody>
+      </p:sp>
+      <p:sp>
+        <p:nvSpPr>
+          <p:cNvPr id="4" name="Segnaposto piè di pagina 3">
+            <a:extLst>
+              <a:ext uri="{FF2B5EF4-FFF2-40B4-BE49-F238E27FC236}">
+                <a16:creationId xmlns:a16="http://schemas.microsoft.com/office/drawing/2014/main" id="{CC222061-6886-B6C0-57E8-6DE158F450A2}"/>
+              </a:ext>
+            </a:extLst>
+          </p:cNvPr>
+          <p:cNvSpPr>
+            <a:spLocks noGrp="1"/>
+          </p:cNvSpPr>
+          <p:nvPr>
+            <p:ph type="ftr" sz="quarter" idx="12"/>
+          </p:nvPr>
+        </p:nvSpPr>
+        <p:spPr/>
+        <p:txBody>
+          <a:bodyPr/>
+          <a:lstStyle/>
+          <a:p>
+            <a:pPr rtl="0"/>
+            <a:r>
+              <a:rPr lang="it-IT"/>
+              <a:t>titolo della presentazione</a:t>
+            </a:r>
+          </a:p>
+        </p:txBody>
+      </p:sp>
+      <p:pic>
+        <p:nvPicPr>
+          <p:cNvPr id="7" name="Immagine 6">
+            <a:extLst>
+              <a:ext uri="{FF2B5EF4-FFF2-40B4-BE49-F238E27FC236}">
+                <a16:creationId xmlns:a16="http://schemas.microsoft.com/office/drawing/2014/main" id="{68B673AB-611C-4B7B-1817-4DDB19199837}"/>
+              </a:ext>
+            </a:extLst>
+          </p:cNvPr>
+          <p:cNvPicPr>
+            <a:picLocks noChangeAspect="1"/>
+          </p:cNvPicPr>
+          <p:nvPr/>
+        </p:nvPicPr>
+        <p:blipFill>
+          <a:blip r:embed="rId2"/>
+          <a:stretch>
+            <a:fillRect/>
+          </a:stretch>
+        </p:blipFill>
+        <p:spPr>
+          <a:xfrm>
+            <a:off x="1295400" y="2091511"/>
+            <a:ext cx="9717676" cy="261072"/>
+          </a:xfrm>
+          <a:prstGeom prst="rect">
+            <a:avLst/>
+          </a:prstGeom>
+        </p:spPr>
+      </p:pic>
+      <p:sp>
+        <p:nvSpPr>
+          <p:cNvPr id="8" name="CasellaDiTesto 7">
+            <a:extLst>
+              <a:ext uri="{FF2B5EF4-FFF2-40B4-BE49-F238E27FC236}">
+                <a16:creationId xmlns:a16="http://schemas.microsoft.com/office/drawing/2014/main" id="{B14B0AFD-3D7C-D0EC-5A12-52A3EE73D421}"/>
+              </a:ext>
+            </a:extLst>
+          </p:cNvPr>
+          <p:cNvSpPr txBox="1"/>
+          <p:nvPr/>
+        </p:nvSpPr>
+        <p:spPr>
+          <a:xfrm>
+            <a:off x="3125282" y="2578376"/>
+            <a:ext cx="5941435" cy="369332"/>
+          </a:xfrm>
+          <a:prstGeom prst="rect">
+            <a:avLst/>
+          </a:prstGeom>
+          <a:noFill/>
+        </p:spPr>
+        <p:txBody>
+          <a:bodyPr wrap="none" rtlCol="0">
+            <a:spAutoFit/>
+          </a:bodyPr>
+          <a:lstStyle/>
+          <a:p>
+            <a:r>
+              <a:rPr lang="it-IT" dirty="0" err="1"/>
+              <a:t>We</a:t>
+            </a:r>
+            <a:r>
+              <a:rPr lang="it-IT" dirty="0"/>
+              <a:t> </a:t>
+            </a:r>
+            <a:r>
+              <a:rPr lang="it-IT" dirty="0" err="1"/>
+              <a:t>see</a:t>
+            </a:r>
+            <a:r>
+              <a:rPr lang="it-IT" dirty="0"/>
+              <a:t> </a:t>
+            </a:r>
+            <a:r>
+              <a:rPr lang="it-IT" dirty="0" err="1"/>
+              <a:t>that</a:t>
+            </a:r>
+            <a:r>
+              <a:rPr lang="it-IT" dirty="0"/>
+              <a:t> </a:t>
+            </a:r>
+            <a:r>
+              <a:rPr lang="it-IT" dirty="0" err="1"/>
+              <a:t>we</a:t>
+            </a:r>
+            <a:r>
+              <a:rPr lang="it-IT" dirty="0"/>
+              <a:t> a </a:t>
+            </a:r>
+            <a:r>
+              <a:rPr lang="it-IT" dirty="0" err="1"/>
+              <a:t>significant</a:t>
+            </a:r>
+            <a:r>
+              <a:rPr lang="it-IT" dirty="0"/>
+              <a:t> </a:t>
+            </a:r>
+            <a:r>
+              <a:rPr lang="it-IT" dirty="0" err="1"/>
+              <a:t>speedup</a:t>
+            </a:r>
+            <a:r>
+              <a:rPr lang="it-IT" dirty="0"/>
+              <a:t> with a large </a:t>
+            </a:r>
+            <a:r>
+              <a:rPr lang="it-IT" dirty="0" err="1"/>
+              <a:t>number</a:t>
+            </a:r>
+            <a:r>
+              <a:rPr lang="it-IT" dirty="0"/>
+              <a:t> of bodies</a:t>
+            </a:r>
+          </a:p>
+        </p:txBody>
+      </p:sp>
+      <p:pic>
+        <p:nvPicPr>
+          <p:cNvPr id="10" name="Immagine 9">
+            <a:extLst>
+              <a:ext uri="{FF2B5EF4-FFF2-40B4-BE49-F238E27FC236}">
+                <a16:creationId xmlns:a16="http://schemas.microsoft.com/office/drawing/2014/main" id="{7962E566-B308-60DE-EC40-3CC13BC31B06}"/>
+              </a:ext>
+            </a:extLst>
+          </p:cNvPr>
+          <p:cNvPicPr>
+            <a:picLocks noChangeAspect="1"/>
+          </p:cNvPicPr>
+          <p:nvPr/>
+        </p:nvPicPr>
+        <p:blipFill>
+          <a:blip r:embed="rId3"/>
+          <a:stretch>
+            <a:fillRect/>
+          </a:stretch>
+        </p:blipFill>
+        <p:spPr>
+          <a:xfrm>
+            <a:off x="2589324" y="3015159"/>
+            <a:ext cx="2779450" cy="3247334"/>
+          </a:xfrm>
+          <a:prstGeom prst="rect">
+            <a:avLst/>
+          </a:prstGeom>
+        </p:spPr>
+      </p:pic>
+      <p:pic>
+        <p:nvPicPr>
+          <p:cNvPr id="12" name="Immagine 11">
+            <a:extLst>
+              <a:ext uri="{FF2B5EF4-FFF2-40B4-BE49-F238E27FC236}">
+                <a16:creationId xmlns:a16="http://schemas.microsoft.com/office/drawing/2014/main" id="{2E059BBD-0F7F-2D8C-CE9B-C717AFD60A2E}"/>
+              </a:ext>
+            </a:extLst>
+          </p:cNvPr>
+          <p:cNvPicPr>
+            <a:picLocks noChangeAspect="1"/>
+          </p:cNvPicPr>
+          <p:nvPr/>
+        </p:nvPicPr>
+        <p:blipFill>
+          <a:blip r:embed="rId4"/>
+          <a:stretch>
+            <a:fillRect/>
+          </a:stretch>
+        </p:blipFill>
+        <p:spPr>
+          <a:xfrm>
+            <a:off x="7080275" y="3015159"/>
+            <a:ext cx="2746713" cy="3219148"/>
+          </a:xfrm>
+          <a:prstGeom prst="rect">
+            <a:avLst/>
+          </a:prstGeom>
+        </p:spPr>
+      </p:pic>
+    </p:spTree>
+    <p:extLst>
+      <p:ext uri="{BB962C8B-B14F-4D97-AF65-F5344CB8AC3E}">
+        <p14:creationId xmlns:p14="http://schemas.microsoft.com/office/powerpoint/2010/main" val="1941125207"/>
+      </p:ext>
+    </p:extLst>
+  </p:cSld>
+  <p:clrMapOvr>
+    <a:masterClrMapping/>
+  </p:clrMapOvr>
+</p:sld>
+</file>
+
+<file path=ppt/slides/slide22.xml><?xml version="1.0" encoding="utf-8"?>
+<p:sld xmlns:a="http://schemas.openxmlformats.org/drawingml/2006/main" xmlns:r="http://schemas.openxmlformats.org/officeDocument/2006/relationships" xmlns:p="http://schemas.openxmlformats.org/presentationml/2006/main">
+  <p:cSld>
+    <p:spTree>
+      <p:nvGrpSpPr>
+        <p:cNvPr id="1" name=""/>
+        <p:cNvGrpSpPr/>
+        <p:nvPr/>
+      </p:nvGrpSpPr>
+      <p:grpSpPr>
+        <a:xfrm>
+          <a:off x="0" y="0"/>
+          <a:ext cx="0" cy="0"/>
+          <a:chOff x="0" y="0"/>
+          <a:chExt cx="0" cy="0"/>
+        </a:xfrm>
+      </p:grpSpPr>
+      <p:sp>
+        <p:nvSpPr>
+          <p:cNvPr id="2" name="Titolo 1">
+            <a:extLst>
+              <a:ext uri="{FF2B5EF4-FFF2-40B4-BE49-F238E27FC236}">
+                <a16:creationId xmlns:a16="http://schemas.microsoft.com/office/drawing/2014/main" id="{F7F11270-885D-CA2D-C6DB-563B7A648D62}"/>
+              </a:ext>
+            </a:extLst>
+          </p:cNvPr>
+          <p:cNvSpPr>
+            <a:spLocks noGrp="1"/>
+          </p:cNvSpPr>
+          <p:nvPr>
+            <p:ph type="title"/>
+          </p:nvPr>
+        </p:nvSpPr>
+        <p:spPr/>
+        <p:txBody>
+          <a:bodyPr/>
+          <a:lstStyle/>
+          <a:p>
+            <a:r>
+              <a:rPr lang="it-IT" dirty="0"/>
+              <a:t>pc – </a:t>
+            </a:r>
+            <a:r>
+              <a:rPr lang="it-IT" dirty="0" err="1"/>
+              <a:t>barnes-hut</a:t>
+            </a:r>
+            <a:r>
+              <a:rPr lang="it-IT" dirty="0"/>
+              <a:t> and </a:t>
+            </a:r>
+            <a:r>
+              <a:rPr lang="it-IT" dirty="0" err="1"/>
+              <a:t>omp</a:t>
+            </a:r>
+            <a:endParaRPr lang="it-IT" dirty="0"/>
+          </a:p>
+        </p:txBody>
+      </p:sp>
+      <p:sp>
+        <p:nvSpPr>
+          <p:cNvPr id="3" name="Segnaposto numero diapositiva 2">
+            <a:extLst>
+              <a:ext uri="{FF2B5EF4-FFF2-40B4-BE49-F238E27FC236}">
+                <a16:creationId xmlns:a16="http://schemas.microsoft.com/office/drawing/2014/main" id="{E5B6D8CE-B00C-3E01-F898-DD1F2A59E84B}"/>
+              </a:ext>
+            </a:extLst>
+          </p:cNvPr>
+          <p:cNvSpPr>
+            <a:spLocks noGrp="1"/>
+          </p:cNvSpPr>
+          <p:nvPr>
+            <p:ph type="sldNum" sz="quarter" idx="11"/>
+          </p:nvPr>
+        </p:nvSpPr>
+        <p:spPr/>
+        <p:txBody>
+          <a:bodyPr/>
+          <a:lstStyle/>
+          <a:p>
+            <a:pPr rtl="0"/>
+            <a:fld id="{75DF2D63-3FF5-D547-96B9-BE9CCD1ABA58}" type="slidenum">
+              <a:rPr lang="it-IT" smtClean="0"/>
+              <a:t>22</a:t>
+            </a:fld>
+            <a:endParaRPr lang="it-IT" dirty="0"/>
+          </a:p>
+        </p:txBody>
+      </p:sp>
+      <p:sp>
+        <p:nvSpPr>
+          <p:cNvPr id="4" name="Segnaposto piè di pagina 3">
+            <a:extLst>
+              <a:ext uri="{FF2B5EF4-FFF2-40B4-BE49-F238E27FC236}">
+                <a16:creationId xmlns:a16="http://schemas.microsoft.com/office/drawing/2014/main" id="{CC222061-6886-B6C0-57E8-6DE158F450A2}"/>
+              </a:ext>
+            </a:extLst>
+          </p:cNvPr>
+          <p:cNvSpPr>
+            <a:spLocks noGrp="1"/>
+          </p:cNvSpPr>
+          <p:nvPr>
+            <p:ph type="ftr" sz="quarter" idx="12"/>
+          </p:nvPr>
+        </p:nvSpPr>
+        <p:spPr/>
+        <p:txBody>
+          <a:bodyPr/>
+          <a:lstStyle/>
+          <a:p>
+            <a:pPr rtl="0"/>
+            <a:r>
+              <a:rPr lang="it-IT"/>
+              <a:t>titolo della presentazione</a:t>
+            </a:r>
+          </a:p>
+        </p:txBody>
+      </p:sp>
+      <p:sp>
+        <p:nvSpPr>
+          <p:cNvPr id="8" name="CasellaDiTesto 7">
+            <a:extLst>
+              <a:ext uri="{FF2B5EF4-FFF2-40B4-BE49-F238E27FC236}">
+                <a16:creationId xmlns:a16="http://schemas.microsoft.com/office/drawing/2014/main" id="{B14B0AFD-3D7C-D0EC-5A12-52A3EE73D421}"/>
+              </a:ext>
+            </a:extLst>
+          </p:cNvPr>
+          <p:cNvSpPr txBox="1"/>
+          <p:nvPr/>
+        </p:nvSpPr>
+        <p:spPr>
+          <a:xfrm>
+            <a:off x="3023682" y="2438402"/>
+            <a:ext cx="5832559" cy="646331"/>
+          </a:xfrm>
+          <a:prstGeom prst="rect">
+            <a:avLst/>
+          </a:prstGeom>
+          <a:noFill/>
+        </p:spPr>
+        <p:txBody>
+          <a:bodyPr wrap="none" rtlCol="0">
+            <a:spAutoFit/>
+          </a:bodyPr>
+          <a:lstStyle/>
+          <a:p>
+            <a:r>
+              <a:rPr lang="it-IT" dirty="0"/>
+              <a:t>In </a:t>
+            </a:r>
+            <a:r>
+              <a:rPr lang="it-IT" dirty="0" err="1"/>
+              <a:t>this</a:t>
+            </a:r>
+            <a:r>
+              <a:rPr lang="it-IT" dirty="0"/>
+              <a:t> case, the </a:t>
+            </a:r>
+            <a:r>
+              <a:rPr lang="it-IT" dirty="0" err="1"/>
+              <a:t>tree</a:t>
+            </a:r>
+            <a:r>
+              <a:rPr lang="it-IT" dirty="0"/>
+              <a:t> </a:t>
+            </a:r>
+            <a:r>
+              <a:rPr lang="it-IT" dirty="0" err="1"/>
+              <a:t>is</a:t>
+            </a:r>
+            <a:r>
+              <a:rPr lang="it-IT" dirty="0"/>
+              <a:t> </a:t>
+            </a:r>
+            <a:r>
+              <a:rPr lang="it-IT" dirty="0" err="1"/>
+              <a:t>built</a:t>
+            </a:r>
+            <a:r>
+              <a:rPr lang="it-IT" dirty="0"/>
+              <a:t> and </a:t>
+            </a:r>
+            <a:r>
+              <a:rPr lang="it-IT" dirty="0" err="1"/>
+              <a:t>updated</a:t>
+            </a:r>
+            <a:r>
+              <a:rPr lang="it-IT" dirty="0"/>
+              <a:t> with </a:t>
+            </a:r>
+            <a:r>
+              <a:rPr lang="it-IT" dirty="0" err="1"/>
+              <a:t>omp</a:t>
+            </a:r>
+            <a:r>
+              <a:rPr lang="it-IT" dirty="0"/>
+              <a:t> </a:t>
+            </a:r>
+            <a:r>
+              <a:rPr lang="it-IT" dirty="0" err="1"/>
+              <a:t>parallel</a:t>
+            </a:r>
+            <a:r>
+              <a:rPr lang="it-IT" dirty="0"/>
+              <a:t> tasks. </a:t>
+            </a:r>
+          </a:p>
+          <a:p>
+            <a:r>
+              <a:rPr lang="it-IT" dirty="0"/>
+              <a:t>With </a:t>
+            </a:r>
+            <a:r>
+              <a:rPr lang="it-IT" dirty="0" err="1"/>
+              <a:t>only</a:t>
+            </a:r>
+            <a:r>
+              <a:rPr lang="it-IT" dirty="0"/>
+              <a:t> 1000 bodies </a:t>
+            </a:r>
+            <a:r>
+              <a:rPr lang="it-IT" dirty="0" err="1"/>
+              <a:t>we</a:t>
+            </a:r>
+            <a:r>
+              <a:rPr lang="it-IT" dirty="0"/>
+              <a:t> </a:t>
+            </a:r>
+            <a:r>
+              <a:rPr lang="it-IT" dirty="0" err="1"/>
+              <a:t>cannot</a:t>
+            </a:r>
+            <a:r>
+              <a:rPr lang="it-IT" dirty="0"/>
+              <a:t> </a:t>
+            </a:r>
+            <a:r>
+              <a:rPr lang="it-IT" dirty="0" err="1"/>
+              <a:t>appreciate</a:t>
+            </a:r>
+            <a:r>
+              <a:rPr lang="it-IT" dirty="0"/>
+              <a:t> </a:t>
+            </a:r>
+            <a:r>
+              <a:rPr lang="it-IT" dirty="0" err="1"/>
+              <a:t>significant</a:t>
+            </a:r>
+            <a:r>
+              <a:rPr lang="it-IT" dirty="0"/>
+              <a:t> </a:t>
+            </a:r>
+            <a:r>
+              <a:rPr lang="it-IT" dirty="0" err="1"/>
+              <a:t>speedup</a:t>
+            </a:r>
+            <a:endParaRPr lang="it-IT" dirty="0"/>
+          </a:p>
+        </p:txBody>
+      </p:sp>
+      <p:pic>
+        <p:nvPicPr>
+          <p:cNvPr id="10" name="Immagine 9">
+            <a:extLst>
+              <a:ext uri="{FF2B5EF4-FFF2-40B4-BE49-F238E27FC236}">
+                <a16:creationId xmlns:a16="http://schemas.microsoft.com/office/drawing/2014/main" id="{7962E566-B308-60DE-EC40-3CC13BC31B06}"/>
+              </a:ext>
+            </a:extLst>
+          </p:cNvPr>
+          <p:cNvPicPr>
+            <a:picLocks noChangeAspect="1"/>
+          </p:cNvPicPr>
+          <p:nvPr/>
+        </p:nvPicPr>
+        <p:blipFill>
+          <a:blip r:embed="rId2"/>
+          <a:stretch>
+            <a:fillRect/>
+          </a:stretch>
+        </p:blipFill>
+        <p:spPr>
+          <a:xfrm>
+            <a:off x="2589324" y="3162935"/>
+            <a:ext cx="2779450" cy="3247334"/>
+          </a:xfrm>
+          <a:prstGeom prst="rect">
+            <a:avLst/>
+          </a:prstGeom>
+        </p:spPr>
+      </p:pic>
+      <p:pic>
+        <p:nvPicPr>
+          <p:cNvPr id="12" name="Immagine 11">
+            <a:extLst>
+              <a:ext uri="{FF2B5EF4-FFF2-40B4-BE49-F238E27FC236}">
+                <a16:creationId xmlns:a16="http://schemas.microsoft.com/office/drawing/2014/main" id="{2E059BBD-0F7F-2D8C-CE9B-C717AFD60A2E}"/>
+              </a:ext>
+            </a:extLst>
+          </p:cNvPr>
+          <p:cNvPicPr>
+            <a:picLocks noChangeAspect="1"/>
+          </p:cNvPicPr>
+          <p:nvPr/>
+        </p:nvPicPr>
+        <p:blipFill>
+          <a:blip r:embed="rId3"/>
+          <a:stretch>
+            <a:fillRect/>
+          </a:stretch>
+        </p:blipFill>
+        <p:spPr>
+          <a:xfrm>
+            <a:off x="7080275" y="3162935"/>
+            <a:ext cx="2746713" cy="3219148"/>
+          </a:xfrm>
+          <a:prstGeom prst="rect">
+            <a:avLst/>
+          </a:prstGeom>
+        </p:spPr>
+      </p:pic>
+      <p:pic>
+        <p:nvPicPr>
+          <p:cNvPr id="6" name="Immagine 5">
+            <a:extLst>
+              <a:ext uri="{FF2B5EF4-FFF2-40B4-BE49-F238E27FC236}">
+                <a16:creationId xmlns:a16="http://schemas.microsoft.com/office/drawing/2014/main" id="{B7CFAFBC-E29D-A470-4797-1D5DC887AF79}"/>
+              </a:ext>
+            </a:extLst>
+          </p:cNvPr>
+          <p:cNvPicPr>
+            <a:picLocks noChangeAspect="1"/>
+          </p:cNvPicPr>
+          <p:nvPr/>
+        </p:nvPicPr>
+        <p:blipFill>
+          <a:blip r:embed="rId4"/>
+          <a:stretch>
+            <a:fillRect/>
+          </a:stretch>
+        </p:blipFill>
+        <p:spPr>
+          <a:xfrm>
+            <a:off x="1287408" y="2097619"/>
+            <a:ext cx="9051673" cy="272719"/>
+          </a:xfrm>
+          <a:prstGeom prst="rect">
+            <a:avLst/>
+          </a:prstGeom>
+        </p:spPr>
+      </p:pic>
+    </p:spTree>
+    <p:extLst>
+      <p:ext uri="{BB962C8B-B14F-4D97-AF65-F5344CB8AC3E}">
+        <p14:creationId xmlns:p14="http://schemas.microsoft.com/office/powerpoint/2010/main" val="3145121648"/>
+      </p:ext>
+    </p:extLst>
+  </p:cSld>
+  <p:clrMapOvr>
+    <a:masterClrMapping/>
+  </p:clrMapOvr>
+</p:sld>
+</file>
+
+<file path=ppt/slides/slide23.xml><?xml version="1.0" encoding="utf-8"?>
+<p:sld xmlns:a="http://schemas.openxmlformats.org/drawingml/2006/main" xmlns:r="http://schemas.openxmlformats.org/officeDocument/2006/relationships" xmlns:p="http://schemas.openxmlformats.org/presentationml/2006/main">
+  <p:cSld>
+    <p:spTree>
+      <p:nvGrpSpPr>
+        <p:cNvPr id="1" name=""/>
+        <p:cNvGrpSpPr/>
+        <p:nvPr/>
+      </p:nvGrpSpPr>
+      <p:grpSpPr>
+        <a:xfrm>
+          <a:off x="0" y="0"/>
+          <a:ext cx="0" cy="0"/>
+          <a:chOff x="0" y="0"/>
+          <a:chExt cx="0" cy="0"/>
+        </a:xfrm>
+      </p:grpSpPr>
+      <p:pic>
+        <p:nvPicPr>
+          <p:cNvPr id="7" name="Segnaposto immagine 6" descr="Immagine che contiene oggetto da esterni, stella&#10;&#10;Descrizione generata automaticamente">
+            <a:extLst>
+              <a:ext uri="{FF2B5EF4-FFF2-40B4-BE49-F238E27FC236}">
+                <a16:creationId xmlns:a16="http://schemas.microsoft.com/office/drawing/2014/main" id="{2E443FE3-6ABC-C324-6125-6E2F460D552D}"/>
+              </a:ext>
+            </a:extLst>
+          </p:cNvPr>
+          <p:cNvPicPr>
+            <a:picLocks noGrp="1" noChangeAspect="1"/>
+          </p:cNvPicPr>
+          <p:nvPr>
+            <p:ph type="pic" sz="quarter" idx="12"/>
+          </p:nvPr>
+        </p:nvPicPr>
+        <p:blipFill>
+          <a:blip r:embed="rId3"/>
+          <a:srcRect t="8739" b="8739"/>
+          <a:stretch>
+            <a:fillRect/>
+          </a:stretch>
+        </p:blipFill>
+        <p:spPr>
+          <a:xfrm>
+            <a:off x="0" y="-150813"/>
+            <a:ext cx="12192000" cy="6858001"/>
+          </a:xfrm>
+        </p:spPr>
+      </p:pic>
+      <p:sp>
+        <p:nvSpPr>
+          <p:cNvPr id="19" name="Titolo 18">
+            <a:extLst>
+              <a:ext uri="{FF2B5EF4-FFF2-40B4-BE49-F238E27FC236}">
+                <a16:creationId xmlns:a16="http://schemas.microsoft.com/office/drawing/2014/main" id="{1130D679-D78E-1F15-EC3D-4BED6D69B35F}"/>
+              </a:ext>
+            </a:extLst>
+          </p:cNvPr>
+          <p:cNvSpPr>
+            <a:spLocks noGrp="1"/>
+          </p:cNvSpPr>
+          <p:nvPr>
+            <p:ph type="title"/>
+          </p:nvPr>
+        </p:nvSpPr>
+        <p:spPr/>
+        <p:txBody>
+          <a:bodyPr rtlCol="0"/>
+          <a:lstStyle>
+            <a:defPPr>
+              <a:defRPr lang="it-IT"/>
+            </a:defPPr>
+          </a:lstStyle>
+          <a:p>
+            <a:pPr rtl="0"/>
+            <a:r>
+              <a:rPr lang="it-IT" sz="4500" dirty="0"/>
+              <a:t>Thank </a:t>
+            </a:r>
+            <a:r>
+              <a:rPr lang="it-IT" sz="4500" dirty="0" err="1"/>
+              <a:t>you</a:t>
+            </a:r>
+            <a:r>
+              <a:rPr lang="it-IT" sz="4500" dirty="0"/>
+              <a:t> for the </a:t>
+            </a:r>
+            <a:r>
+              <a:rPr lang="it-IT" sz="4500" dirty="0" err="1"/>
+              <a:t>attention</a:t>
+            </a:r>
+            <a:r>
+              <a:rPr lang="it-IT" sz="4500" dirty="0"/>
+              <a:t> </a:t>
+            </a:r>
+          </a:p>
+        </p:txBody>
+      </p:sp>
+      <p:sp>
+        <p:nvSpPr>
+          <p:cNvPr id="27" name="Segnaposto testo 26">
+            <a:extLst>
+              <a:ext uri="{FF2B5EF4-FFF2-40B4-BE49-F238E27FC236}">
+                <a16:creationId xmlns:a16="http://schemas.microsoft.com/office/drawing/2014/main" id="{BB8B6963-69FE-8A03-5E86-2BF855024B00}"/>
+              </a:ext>
+            </a:extLst>
+          </p:cNvPr>
+          <p:cNvSpPr>
+            <a:spLocks noGrp="1"/>
+          </p:cNvSpPr>
+          <p:nvPr>
+            <p:ph type="body" sz="quarter" idx="14"/>
+          </p:nvPr>
+        </p:nvSpPr>
+        <p:spPr/>
+        <p:txBody>
+          <a:bodyPr rtlCol="0"/>
+          <a:lstStyle>
+            <a:defPPr>
+              <a:defRPr lang="it-IT"/>
+            </a:defPPr>
+          </a:lstStyle>
+          <a:p>
+            <a:pPr marL="0" indent="0" algn="ctr" rtl="0">
+              <a:lnSpc>
+                <a:spcPts val="2660"/>
+              </a:lnSpc>
+              <a:spcBef>
+                <a:spcPts val="0"/>
+              </a:spcBef>
+              <a:buNone/>
+            </a:pPr>
+            <a:r>
+              <a:rPr lang="it-IT" sz="2000" cap="all" spc="0" dirty="0" err="1">
+                <a:solidFill>
+                  <a:schemeClr val="bg1"/>
+                </a:solidFill>
+              </a:rPr>
+              <a:t>matteo</a:t>
+            </a:r>
+            <a:r>
+              <a:rPr lang="it-IT" sz="2000" cap="all" spc="0" dirty="0">
+                <a:solidFill>
+                  <a:schemeClr val="bg1"/>
+                </a:solidFill>
+              </a:rPr>
+              <a:t> </a:t>
+            </a:r>
+            <a:r>
+              <a:rPr lang="it-IT" sz="2000" cap="all" spc="0" dirty="0" err="1">
+                <a:solidFill>
+                  <a:schemeClr val="bg1"/>
+                </a:solidFill>
+              </a:rPr>
+              <a:t>rigamonti</a:t>
+            </a:r>
+            <a:endParaRPr lang="it-IT" sz="2000" cap="all" spc="0" dirty="0">
+              <a:solidFill>
+                <a:schemeClr val="bg1"/>
+              </a:solidFill>
+            </a:endParaRPr>
+          </a:p>
+        </p:txBody>
+      </p:sp>
+      <p:pic>
+        <p:nvPicPr>
+          <p:cNvPr id="15" name="Segnaposto immagine 14">
+            <a:extLst>
+              <a:ext uri="{FF2B5EF4-FFF2-40B4-BE49-F238E27FC236}">
+                <a16:creationId xmlns:a16="http://schemas.microsoft.com/office/drawing/2014/main" id="{2AB2E471-DA03-7A3F-F647-F5CC51BAEF04}"/>
+              </a:ext>
+            </a:extLst>
+          </p:cNvPr>
+          <p:cNvPicPr>
+            <a:picLocks noGrp="1" noChangeAspect="1"/>
+          </p:cNvPicPr>
+          <p:nvPr>
+            <p:ph type="pic" sz="quarter" idx="13"/>
+          </p:nvPr>
+        </p:nvPicPr>
+        <p:blipFill>
+          <a:blip r:embed="rId4"/>
+          <a:srcRect l="23750" r="23750"/>
+          <a:stretch>
+            <a:fillRect/>
+          </a:stretch>
+        </p:blipFill>
+        <p:spPr/>
+      </p:pic>
+    </p:spTree>
+    <p:extLst>
+      <p:ext uri="{BB962C8B-B14F-4D97-AF65-F5344CB8AC3E}">
+        <p14:creationId xmlns:p14="http://schemas.microsoft.com/office/powerpoint/2010/main" val="3334127647"/>
       </p:ext>
     </p:extLst>
   </p:cSld>
@@ -16003,6 +18188,619 @@
           <a:chExt cx="0" cy="0"/>
         </a:xfrm>
       </p:grpSpPr>
+      <p:sp>
+        <p:nvSpPr>
+          <p:cNvPr id="2" name="Titolo 1">
+            <a:extLst>
+              <a:ext uri="{FF2B5EF4-FFF2-40B4-BE49-F238E27FC236}">
+                <a16:creationId xmlns:a16="http://schemas.microsoft.com/office/drawing/2014/main" id="{F0984788-646A-CF90-D67D-14752A71745D}"/>
+              </a:ext>
+            </a:extLst>
+          </p:cNvPr>
+          <p:cNvSpPr>
+            <a:spLocks noGrp="1"/>
+          </p:cNvSpPr>
+          <p:nvPr>
+            <p:ph type="title"/>
+          </p:nvPr>
+        </p:nvSpPr>
+        <p:spPr/>
+        <p:txBody>
+          <a:bodyPr rtlCol="0"/>
+          <a:lstStyle>
+            <a:defPPr>
+              <a:defRPr lang="it-IT"/>
+            </a:defPPr>
+          </a:lstStyle>
+          <a:p>
+            <a:pPr rtl="0"/>
+            <a:r>
+              <a:rPr lang="it-IT" sz="4500" dirty="0"/>
+              <a:t>The </a:t>
+            </a:r>
+            <a:r>
+              <a:rPr lang="it-IT" sz="4500" dirty="0" err="1"/>
+              <a:t>barnes-hut</a:t>
+            </a:r>
+            <a:r>
+              <a:rPr lang="it-IT" sz="4500" dirty="0"/>
+              <a:t> </a:t>
+            </a:r>
+            <a:r>
+              <a:rPr lang="it-IT" sz="4500" dirty="0" err="1"/>
+              <a:t>algorithm</a:t>
+            </a:r>
+            <a:endParaRPr lang="it-IT" sz="4500" dirty="0"/>
+          </a:p>
+        </p:txBody>
+      </p:sp>
+      <p:sp>
+        <p:nvSpPr>
+          <p:cNvPr id="4" name="Segnaposto numero diapositiva 3">
+            <a:extLst>
+              <a:ext uri="{FF2B5EF4-FFF2-40B4-BE49-F238E27FC236}">
+                <a16:creationId xmlns:a16="http://schemas.microsoft.com/office/drawing/2014/main" id="{B6586F16-C3E1-6E51-D140-EF50382CA456}"/>
+              </a:ext>
+            </a:extLst>
+          </p:cNvPr>
+          <p:cNvSpPr>
+            <a:spLocks noGrp="1"/>
+          </p:cNvSpPr>
+          <p:nvPr>
+            <p:ph type="sldNum" sz="quarter" idx="11"/>
+          </p:nvPr>
+        </p:nvSpPr>
+        <p:spPr/>
+        <p:txBody>
+          <a:bodyPr rtlCol="0"/>
+          <a:lstStyle>
+            <a:defPPr>
+              <a:defRPr lang="it-IT"/>
+            </a:defPPr>
+          </a:lstStyle>
+          <a:p>
+            <a:pPr rtl="0"/>
+            <a:fld id="{75DF2D63-3FF5-D547-96B9-BE9CCD1ABA58}" type="slidenum">
+              <a:rPr lang="it-IT" smtClean="0"/>
+              <a:pPr rtl="0"/>
+              <a:t>4</a:t>
+            </a:fld>
+            <a:endParaRPr lang="it-IT"/>
+          </a:p>
+        </p:txBody>
+      </p:sp>
+      <p:sp>
+        <p:nvSpPr>
+          <p:cNvPr id="3" name="Segnaposto contenuto 2">
+            <a:extLst>
+              <a:ext uri="{FF2B5EF4-FFF2-40B4-BE49-F238E27FC236}">
+                <a16:creationId xmlns:a16="http://schemas.microsoft.com/office/drawing/2014/main" id="{77C9C890-ADC6-0AA7-BBC0-05E856AA7C3C}"/>
+              </a:ext>
+            </a:extLst>
+          </p:cNvPr>
+          <p:cNvSpPr>
+            <a:spLocks noGrp="1"/>
+          </p:cNvSpPr>
+          <p:nvPr>
+            <p:ph idx="1"/>
+          </p:nvPr>
+        </p:nvSpPr>
+        <p:spPr/>
+        <p:txBody>
+          <a:bodyPr rtlCol="0"/>
+          <a:lstStyle>
+            <a:defPPr>
+              <a:defRPr lang="it-IT"/>
+            </a:defPPr>
+          </a:lstStyle>
+          <a:p>
+            <a:pPr marL="0" indent="0" rtl="0">
+              <a:lnSpc>
+                <a:spcPts val="2400"/>
+              </a:lnSpc>
+              <a:buNone/>
+            </a:pPr>
+            <a:r>
+              <a:rPr lang="it-IT" sz="2000" spc="0" dirty="0"/>
+              <a:t>The Barnes-</a:t>
+            </a:r>
+            <a:r>
+              <a:rPr lang="it-IT" sz="2000" spc="0" dirty="0" err="1"/>
+              <a:t>Hut</a:t>
+            </a:r>
+            <a:r>
+              <a:rPr lang="it-IT" sz="2000" spc="0" dirty="0"/>
+              <a:t> </a:t>
+            </a:r>
+            <a:r>
+              <a:rPr lang="it-IT" sz="2000" spc="0" dirty="0" err="1"/>
+              <a:t>algorithm</a:t>
+            </a:r>
+            <a:r>
+              <a:rPr lang="it-IT" sz="2000" spc="0" dirty="0"/>
+              <a:t> </a:t>
+            </a:r>
+            <a:r>
+              <a:rPr lang="it-IT" sz="2000" spc="0" dirty="0" err="1"/>
+              <a:t>aims</a:t>
+            </a:r>
+            <a:r>
+              <a:rPr lang="it-IT" sz="2000" spc="0" dirty="0"/>
+              <a:t> to </a:t>
+            </a:r>
+            <a:r>
+              <a:rPr lang="it-IT" sz="2000" spc="0" dirty="0" err="1"/>
+              <a:t>optimize</a:t>
+            </a:r>
+            <a:r>
+              <a:rPr lang="it-IT" sz="2000" spc="0" dirty="0"/>
+              <a:t> the </a:t>
+            </a:r>
+            <a:r>
+              <a:rPr lang="it-IT" sz="2000" spc="0" dirty="0" err="1"/>
+              <a:t>number</a:t>
+            </a:r>
+            <a:r>
+              <a:rPr lang="it-IT" sz="2000" spc="0" dirty="0"/>
+              <a:t> of interactions to </a:t>
+            </a:r>
+            <a:r>
+              <a:rPr lang="it-IT" sz="2000" spc="0" dirty="0" err="1"/>
+              <a:t>calculate</a:t>
+            </a:r>
+            <a:r>
+              <a:rPr lang="it-IT" sz="2000" spc="0" dirty="0"/>
+              <a:t> </a:t>
+            </a:r>
+            <a:r>
+              <a:rPr lang="it-IT" sz="2000" spc="0" dirty="0" err="1"/>
+              <a:t>between</a:t>
+            </a:r>
+            <a:r>
+              <a:rPr lang="it-IT" sz="2000" spc="0" dirty="0"/>
+              <a:t> the bodies by </a:t>
+            </a:r>
+            <a:r>
+              <a:rPr lang="it-IT" sz="2000" spc="0" dirty="0" err="1"/>
+              <a:t>approximating</a:t>
+            </a:r>
+            <a:r>
+              <a:rPr lang="it-IT" sz="2000" spc="0" dirty="0"/>
+              <a:t> far </a:t>
+            </a:r>
+            <a:r>
+              <a:rPr lang="it-IT" sz="2000" spc="0" dirty="0" err="1"/>
+              <a:t>away</a:t>
+            </a:r>
+            <a:r>
+              <a:rPr lang="it-IT" sz="2000" spc="0" dirty="0"/>
+              <a:t> clusters with </a:t>
+            </a:r>
+            <a:r>
+              <a:rPr lang="it-IT" sz="2000" spc="0" dirty="0" err="1"/>
+              <a:t>their</a:t>
+            </a:r>
+            <a:r>
+              <a:rPr lang="it-IT" sz="2000" spc="0" dirty="0"/>
+              <a:t> center of mass. The code works on a </a:t>
+            </a:r>
+            <a:r>
+              <a:rPr lang="it-IT" sz="2000" spc="0" dirty="0" err="1"/>
+              <a:t>particular</a:t>
+            </a:r>
+            <a:r>
+              <a:rPr lang="it-IT" sz="2000" spc="0" dirty="0"/>
+              <a:t> data </a:t>
+            </a:r>
+            <a:r>
+              <a:rPr lang="it-IT" sz="2000" spc="0" dirty="0" err="1"/>
+              <a:t>structure</a:t>
+            </a:r>
+            <a:r>
+              <a:rPr lang="it-IT" sz="2000" spc="0" dirty="0"/>
+              <a:t> </a:t>
+            </a:r>
+            <a:r>
+              <a:rPr lang="it-IT" sz="2000" spc="0" dirty="0" err="1"/>
+              <a:t>called</a:t>
+            </a:r>
+            <a:r>
+              <a:rPr lang="it-IT" sz="2000" spc="0" dirty="0"/>
+              <a:t> </a:t>
+            </a:r>
+            <a:r>
+              <a:rPr lang="it-IT" sz="2000" spc="0" dirty="0" err="1"/>
+              <a:t>Octree</a:t>
+            </a:r>
+            <a:r>
+              <a:rPr lang="it-IT" sz="2000" spc="0" dirty="0"/>
+              <a:t>, </a:t>
+            </a:r>
+            <a:r>
+              <a:rPr lang="it-IT" sz="2000" spc="0" dirty="0" err="1"/>
+              <a:t>which</a:t>
+            </a:r>
+            <a:r>
+              <a:rPr lang="it-IT" sz="2000" spc="0" dirty="0"/>
+              <a:t> </a:t>
+            </a:r>
+            <a:r>
+              <a:rPr lang="it-IT" sz="2000" spc="0" dirty="0" err="1"/>
+              <a:t>is</a:t>
+            </a:r>
+            <a:r>
+              <a:rPr lang="it-IT" sz="2000" spc="0" dirty="0"/>
+              <a:t> a </a:t>
+            </a:r>
+            <a:r>
+              <a:rPr lang="it-IT" sz="2000" spc="0" dirty="0" err="1"/>
+              <a:t>tree</a:t>
+            </a:r>
+            <a:r>
+              <a:rPr lang="it-IT" sz="2000" spc="0" dirty="0"/>
+              <a:t> in </a:t>
+            </a:r>
+            <a:r>
+              <a:rPr lang="it-IT" sz="2000" spc="0" dirty="0" err="1"/>
+              <a:t>which</a:t>
+            </a:r>
+            <a:r>
+              <a:rPr lang="it-IT" sz="2000" spc="0" dirty="0"/>
+              <a:t> </a:t>
+            </a:r>
+            <a:r>
+              <a:rPr lang="it-IT" sz="2000" spc="0" dirty="0" err="1"/>
+              <a:t>every</a:t>
+            </a:r>
+            <a:r>
+              <a:rPr lang="it-IT" sz="2000" spc="0" dirty="0"/>
+              <a:t> </a:t>
+            </a:r>
+            <a:r>
+              <a:rPr lang="it-IT" sz="2000" spc="0" dirty="0" err="1"/>
+              <a:t>node</a:t>
+            </a:r>
+            <a:r>
+              <a:rPr lang="it-IT" sz="2000" spc="0" dirty="0"/>
+              <a:t> </a:t>
+            </a:r>
+            <a:r>
+              <a:rPr lang="it-IT" sz="2000" spc="0" dirty="0" err="1"/>
+              <a:t>has</a:t>
+            </a:r>
+            <a:r>
+              <a:rPr lang="it-IT" sz="2000" spc="0" dirty="0"/>
+              <a:t> 8 </a:t>
+            </a:r>
+            <a:r>
+              <a:rPr lang="it-IT" sz="2000" spc="0" dirty="0" err="1"/>
+              <a:t>children</a:t>
+            </a:r>
+            <a:r>
+              <a:rPr lang="it-IT" sz="2000" spc="0" dirty="0"/>
+              <a:t>. </a:t>
+            </a:r>
+            <a:r>
+              <a:rPr lang="it-IT" sz="2000" spc="0" dirty="0" err="1"/>
+              <a:t>Every</a:t>
+            </a:r>
+            <a:r>
+              <a:rPr lang="it-IT" sz="2000" spc="0" dirty="0"/>
+              <a:t> </a:t>
+            </a:r>
+            <a:r>
+              <a:rPr lang="it-IT" sz="2000" spc="0" dirty="0" err="1"/>
+              <a:t>level</a:t>
+            </a:r>
+            <a:r>
+              <a:rPr lang="it-IT" sz="2000" spc="0" dirty="0"/>
+              <a:t> of the </a:t>
+            </a:r>
+            <a:r>
+              <a:rPr lang="it-IT" sz="2000" spc="0" dirty="0" err="1"/>
+              <a:t>Octree</a:t>
+            </a:r>
+            <a:r>
+              <a:rPr lang="it-IT" sz="2000" spc="0" dirty="0"/>
+              <a:t> </a:t>
+            </a:r>
+            <a:r>
+              <a:rPr lang="it-IT" sz="2000" spc="0" dirty="0" err="1"/>
+              <a:t>subdivides</a:t>
+            </a:r>
+            <a:r>
+              <a:rPr lang="it-IT" sz="2000" spc="0" dirty="0"/>
+              <a:t> the </a:t>
+            </a:r>
+            <a:r>
+              <a:rPr lang="it-IT" sz="2000" spc="0" dirty="0" err="1"/>
+              <a:t>space</a:t>
+            </a:r>
+            <a:r>
+              <a:rPr lang="it-IT" sz="2000" spc="0" dirty="0"/>
+              <a:t> in 8 </a:t>
+            </a:r>
+            <a:r>
+              <a:rPr lang="it-IT" sz="2000" spc="0" dirty="0" err="1"/>
+              <a:t>octants</a:t>
+            </a:r>
+            <a:r>
+              <a:rPr lang="it-IT" sz="2000" spc="0" dirty="0"/>
+              <a:t>, and </a:t>
+            </a:r>
+            <a:r>
+              <a:rPr lang="it-IT" sz="2000" spc="0" dirty="0" err="1"/>
+              <a:t>proceeds</a:t>
+            </a:r>
+            <a:r>
+              <a:rPr lang="it-IT" sz="2000" spc="0" dirty="0"/>
+              <a:t> to </a:t>
+            </a:r>
+            <a:r>
+              <a:rPr lang="it-IT" sz="2000" spc="0" dirty="0" err="1"/>
+              <a:t>refine</a:t>
+            </a:r>
+            <a:r>
+              <a:rPr lang="it-IT" sz="2000" spc="0" dirty="0"/>
+              <a:t> the </a:t>
+            </a:r>
+            <a:r>
+              <a:rPr lang="it-IT" sz="2000" spc="0" dirty="0" err="1"/>
+              <a:t>ones</a:t>
+            </a:r>
+            <a:r>
+              <a:rPr lang="it-IT" sz="2000" spc="0" dirty="0"/>
+              <a:t> full of </a:t>
+            </a:r>
+            <a:r>
+              <a:rPr lang="it-IT" sz="2000" spc="0" dirty="0" err="1"/>
+              <a:t>particles</a:t>
+            </a:r>
+            <a:r>
+              <a:rPr lang="it-IT" sz="2000" spc="0" dirty="0"/>
+              <a:t> </a:t>
+            </a:r>
+            <a:r>
+              <a:rPr lang="it-IT" sz="2000" spc="0" dirty="0" err="1"/>
+              <a:t>while</a:t>
+            </a:r>
+            <a:r>
+              <a:rPr lang="it-IT" sz="2000" spc="0" dirty="0"/>
+              <a:t> </a:t>
+            </a:r>
+            <a:r>
+              <a:rPr lang="it-IT" sz="2000" spc="0" dirty="0" err="1"/>
+              <a:t>leaving</a:t>
+            </a:r>
+            <a:r>
+              <a:rPr lang="it-IT" sz="2000" spc="0" dirty="0"/>
+              <a:t> the </a:t>
+            </a:r>
+            <a:r>
+              <a:rPr lang="it-IT" sz="2000" spc="0" dirty="0" err="1"/>
+              <a:t>empty</a:t>
+            </a:r>
+            <a:r>
+              <a:rPr lang="it-IT" sz="2000" spc="0" dirty="0"/>
+              <a:t> </a:t>
+            </a:r>
+            <a:r>
+              <a:rPr lang="it-IT" sz="2000" spc="0" dirty="0" err="1"/>
+              <a:t>ones</a:t>
+            </a:r>
+            <a:r>
+              <a:rPr lang="it-IT" sz="2000" spc="0" dirty="0"/>
+              <a:t> large. For </a:t>
+            </a:r>
+            <a:r>
+              <a:rPr lang="it-IT" sz="2000" spc="0" dirty="0" err="1"/>
+              <a:t>every</a:t>
+            </a:r>
+            <a:r>
+              <a:rPr lang="it-IT" sz="2000" spc="0" dirty="0"/>
+              <a:t> </a:t>
+            </a:r>
+            <a:r>
+              <a:rPr lang="it-IT" sz="2000" spc="0" dirty="0" err="1"/>
+              <a:t>octant</a:t>
+            </a:r>
+            <a:r>
+              <a:rPr lang="it-IT" dirty="0"/>
+              <a:t> (and so </a:t>
+            </a:r>
+            <a:r>
+              <a:rPr lang="it-IT" dirty="0" err="1"/>
+              <a:t>every</a:t>
+            </a:r>
+            <a:r>
+              <a:rPr lang="it-IT" dirty="0"/>
+              <a:t> </a:t>
+            </a:r>
+            <a:r>
+              <a:rPr lang="it-IT" dirty="0" err="1"/>
+              <a:t>node</a:t>
+            </a:r>
+            <a:r>
+              <a:rPr lang="it-IT" dirty="0"/>
+              <a:t>) the center of mass and the </a:t>
+            </a:r>
+            <a:r>
+              <a:rPr lang="it-IT" dirty="0" err="1"/>
+              <a:t>resulting</a:t>
+            </a:r>
+            <a:r>
+              <a:rPr lang="it-IT" dirty="0"/>
+              <a:t> </a:t>
+            </a:r>
+            <a:r>
+              <a:rPr lang="it-IT" dirty="0" err="1"/>
+              <a:t>effect</a:t>
+            </a:r>
+            <a:r>
+              <a:rPr lang="it-IT" dirty="0"/>
+              <a:t> </a:t>
+            </a:r>
+            <a:r>
+              <a:rPr lang="it-IT" dirty="0" err="1"/>
+              <a:t>is</a:t>
+            </a:r>
+            <a:r>
+              <a:rPr lang="it-IT" dirty="0"/>
+              <a:t> </a:t>
+            </a:r>
+            <a:r>
+              <a:rPr lang="it-IT" dirty="0" err="1"/>
+              <a:t>calculated</a:t>
+            </a:r>
+            <a:r>
+              <a:rPr lang="it-IT" dirty="0"/>
+              <a:t>. </a:t>
+            </a:r>
+            <a:r>
+              <a:rPr lang="it-IT" dirty="0" err="1"/>
+              <a:t>This</a:t>
+            </a:r>
+            <a:r>
+              <a:rPr lang="it-IT" dirty="0"/>
+              <a:t> way, in the </a:t>
+            </a:r>
+            <a:r>
+              <a:rPr lang="it-IT" dirty="0" err="1"/>
+              <a:t>optimal</a:t>
+            </a:r>
+            <a:r>
+              <a:rPr lang="it-IT" dirty="0"/>
+              <a:t> case, the </a:t>
+            </a:r>
+            <a:r>
+              <a:rPr lang="it-IT" dirty="0" err="1"/>
+              <a:t>complexity</a:t>
+            </a:r>
+            <a:r>
+              <a:rPr lang="it-IT" dirty="0"/>
+              <a:t> of the </a:t>
+            </a:r>
+            <a:r>
+              <a:rPr lang="it-IT" dirty="0" err="1"/>
+              <a:t>algorithm</a:t>
+            </a:r>
+            <a:r>
+              <a:rPr lang="it-IT" dirty="0"/>
+              <a:t> </a:t>
+            </a:r>
+            <a:r>
+              <a:rPr lang="it-IT" dirty="0" err="1"/>
+              <a:t>goes</a:t>
+            </a:r>
+            <a:r>
+              <a:rPr lang="it-IT" dirty="0"/>
+              <a:t> from O(n^2) to O(</a:t>
+            </a:r>
+            <a:r>
+              <a:rPr lang="it-IT" dirty="0" err="1"/>
+              <a:t>nlogn</a:t>
+            </a:r>
+            <a:r>
+              <a:rPr lang="it-IT" dirty="0"/>
+              <a:t>)</a:t>
+            </a:r>
+            <a:endParaRPr lang="it-IT" sz="2000" spc="0" dirty="0"/>
+          </a:p>
+        </p:txBody>
+      </p:sp>
+      <p:sp>
+        <p:nvSpPr>
+          <p:cNvPr id="9" name="Segnaposto piè di pagina 4">
+            <a:extLst>
+              <a:ext uri="{FF2B5EF4-FFF2-40B4-BE49-F238E27FC236}">
+                <a16:creationId xmlns:a16="http://schemas.microsoft.com/office/drawing/2014/main" id="{F018D1D3-5AD8-4793-3A3C-0CE07A0F2891}"/>
+              </a:ext>
+            </a:extLst>
+          </p:cNvPr>
+          <p:cNvSpPr>
+            <a:spLocks noGrp="1"/>
+          </p:cNvSpPr>
+          <p:nvPr>
+            <p:ph type="ftr" sz="quarter" idx="12"/>
+          </p:nvPr>
+        </p:nvSpPr>
+        <p:spPr>
+          <a:xfrm rot="16200000">
+            <a:off x="-528868" y="1139512"/>
+            <a:ext cx="2350169" cy="247610"/>
+          </a:xfrm>
+        </p:spPr>
+        <p:txBody>
+          <a:bodyPr rtlCol="0"/>
+          <a:lstStyle>
+            <a:defPPr>
+              <a:defRPr lang="it-IT"/>
+            </a:defPPr>
+          </a:lstStyle>
+          <a:p>
+            <a:pPr rtl="0"/>
+            <a:r>
+              <a:rPr lang="it-IT"/>
+              <a:t>titolo della presentazione</a:t>
+            </a:r>
+          </a:p>
+        </p:txBody>
+      </p:sp>
+      <p:pic>
+        <p:nvPicPr>
+          <p:cNvPr id="10" name="Segnaposto immagine 9" descr="Immagine che contiene oggetto da esterni, ragnatela&#10;&#10;Descrizione generata automaticamente">
+            <a:extLst>
+              <a:ext uri="{FF2B5EF4-FFF2-40B4-BE49-F238E27FC236}">
+                <a16:creationId xmlns:a16="http://schemas.microsoft.com/office/drawing/2014/main" id="{0633982C-F5D6-6DBF-2FCA-378FCD5E3745}"/>
+              </a:ext>
+            </a:extLst>
+          </p:cNvPr>
+          <p:cNvPicPr>
+            <a:picLocks noGrp="1" noChangeAspect="1"/>
+          </p:cNvPicPr>
+          <p:nvPr>
+            <p:ph type="pic" sz="quarter" idx="13"/>
+          </p:nvPr>
+        </p:nvPicPr>
+        <p:blipFill>
+          <a:blip r:embed="rId3"/>
+          <a:srcRect l="21875" r="21875"/>
+          <a:stretch>
+            <a:fillRect/>
+          </a:stretch>
+        </p:blipFill>
+        <p:spPr/>
+      </p:pic>
+    </p:spTree>
+    <p:extLst>
+      <p:ext uri="{BB962C8B-B14F-4D97-AF65-F5344CB8AC3E}">
+        <p14:creationId xmlns:p14="http://schemas.microsoft.com/office/powerpoint/2010/main" val="4238917265"/>
+      </p:ext>
+    </p:extLst>
+  </p:cSld>
+  <p:clrMapOvr>
+    <a:masterClrMapping/>
+  </p:clrMapOvr>
+</p:sld>
+</file>
+
+<file path=ppt/slides/slide5.xml><?xml version="1.0" encoding="utf-8"?>
+<p:sld xmlns:a="http://schemas.openxmlformats.org/drawingml/2006/main" xmlns:r="http://schemas.openxmlformats.org/officeDocument/2006/relationships" xmlns:p="http://schemas.openxmlformats.org/presentationml/2006/main">
+  <p:cSld>
+    <p:spTree>
+      <p:nvGrpSpPr>
+        <p:cNvPr id="1" name=""/>
+        <p:cNvGrpSpPr/>
+        <p:nvPr/>
+      </p:nvGrpSpPr>
+      <p:grpSpPr>
+        <a:xfrm>
+          <a:off x="0" y="0"/>
+          <a:ext cx="0" cy="0"/>
+          <a:chOff x="0" y="0"/>
+          <a:chExt cx="0" cy="0"/>
+        </a:xfrm>
+      </p:grpSpPr>
       <p:pic>
         <p:nvPicPr>
           <p:cNvPr id="7" name="Segnaposto immagine 6">
@@ -16091,416 +18889,6 @@
 </p:sld>
 </file>
 
-<file path=ppt/slides/slide5.xml><?xml version="1.0" encoding="utf-8"?>
-<p:sld xmlns:a="http://schemas.openxmlformats.org/drawingml/2006/main" xmlns:r="http://schemas.openxmlformats.org/officeDocument/2006/relationships" xmlns:p="http://schemas.openxmlformats.org/presentationml/2006/main">
-  <p:cSld>
-    <p:spTree>
-      <p:nvGrpSpPr>
-        <p:cNvPr id="1" name=""/>
-        <p:cNvGrpSpPr/>
-        <p:nvPr/>
-      </p:nvGrpSpPr>
-      <p:grpSpPr>
-        <a:xfrm>
-          <a:off x="0" y="0"/>
-          <a:ext cx="0" cy="0"/>
-          <a:chOff x="0" y="0"/>
-          <a:chExt cx="0" cy="0"/>
-        </a:xfrm>
-      </p:grpSpPr>
-      <p:sp>
-        <p:nvSpPr>
-          <p:cNvPr id="2" name="Titolo 1">
-            <a:extLst>
-              <a:ext uri="{FF2B5EF4-FFF2-40B4-BE49-F238E27FC236}">
-                <a16:creationId xmlns:a16="http://schemas.microsoft.com/office/drawing/2014/main" id="{65B39652-E1D7-1C44-0D54-9E3D80256EA7}"/>
-              </a:ext>
-            </a:extLst>
-          </p:cNvPr>
-          <p:cNvSpPr>
-            <a:spLocks noGrp="1"/>
-          </p:cNvSpPr>
-          <p:nvPr>
-            <p:ph type="title"/>
-          </p:nvPr>
-        </p:nvSpPr>
-        <p:spPr/>
-        <p:txBody>
-          <a:bodyPr/>
-          <a:lstStyle/>
-          <a:p>
-            <a:r>
-              <a:rPr lang="it-IT" dirty="0" err="1"/>
-              <a:t>Structure</a:t>
-            </a:r>
-            <a:r>
-              <a:rPr lang="it-IT" dirty="0"/>
-              <a:t> of the </a:t>
-            </a:r>
-            <a:r>
-              <a:rPr lang="it-IT" dirty="0" err="1"/>
-              <a:t>program</a:t>
-            </a:r>
-            <a:br>
-              <a:rPr lang="it-IT" dirty="0"/>
-            </a:br>
-            <a:endParaRPr lang="it-IT" dirty="0"/>
-          </a:p>
-        </p:txBody>
-      </p:sp>
-      <p:sp>
-        <p:nvSpPr>
-          <p:cNvPr id="3" name="Segnaposto contenuto 2">
-            <a:extLst>
-              <a:ext uri="{FF2B5EF4-FFF2-40B4-BE49-F238E27FC236}">
-                <a16:creationId xmlns:a16="http://schemas.microsoft.com/office/drawing/2014/main" id="{8B3EC3B8-63DB-2786-0205-30DD1C46F286}"/>
-              </a:ext>
-            </a:extLst>
-          </p:cNvPr>
-          <p:cNvSpPr>
-            <a:spLocks noGrp="1"/>
-          </p:cNvSpPr>
-          <p:nvPr>
-            <p:ph idx="1"/>
-          </p:nvPr>
-        </p:nvSpPr>
-        <p:spPr/>
-        <p:txBody>
-          <a:bodyPr/>
-          <a:lstStyle/>
-          <a:p>
-            <a:r>
-              <a:rPr lang="it-IT" dirty="0" err="1"/>
-              <a:t>We</a:t>
-            </a:r>
-            <a:r>
-              <a:rPr lang="it-IT" dirty="0"/>
-              <a:t> </a:t>
-            </a:r>
-            <a:r>
-              <a:rPr lang="it-IT" dirty="0" err="1"/>
-              <a:t>have</a:t>
-            </a:r>
-            <a:r>
-              <a:rPr lang="it-IT" dirty="0"/>
-              <a:t> </a:t>
-            </a:r>
-            <a:r>
-              <a:rPr lang="it-IT" dirty="0" err="1"/>
-              <a:t>created</a:t>
-            </a:r>
-            <a:r>
-              <a:rPr lang="it-IT" dirty="0"/>
-              <a:t> a template class </a:t>
-            </a:r>
-            <a:r>
-              <a:rPr lang="it-IT" dirty="0" err="1"/>
-              <a:t>Vector</a:t>
-            </a:r>
-            <a:r>
-              <a:rPr lang="it-IT" dirty="0"/>
-              <a:t> with template </a:t>
-            </a:r>
-            <a:r>
-              <a:rPr lang="it-IT" dirty="0" err="1"/>
-              <a:t>functions</a:t>
-            </a:r>
-            <a:r>
-              <a:rPr lang="it-IT" dirty="0"/>
-              <a:t> </a:t>
-            </a:r>
-            <a:r>
-              <a:rPr lang="it-IT" dirty="0" err="1"/>
-              <a:t>depending</a:t>
-            </a:r>
-            <a:r>
-              <a:rPr lang="it-IT" dirty="0"/>
-              <a:t> on a </a:t>
-            </a:r>
-            <a:r>
-              <a:rPr lang="it-IT" dirty="0" err="1"/>
-              <a:t>parameter</a:t>
-            </a:r>
-            <a:r>
-              <a:rPr lang="it-IT" dirty="0"/>
-              <a:t> «</a:t>
-            </a:r>
-            <a:r>
-              <a:rPr lang="it-IT" dirty="0" err="1"/>
-              <a:t>dim</a:t>
-            </a:r>
-            <a:r>
-              <a:rPr lang="it-IT" dirty="0"/>
-              <a:t>» </a:t>
-            </a:r>
-            <a:r>
-              <a:rPr lang="it-IT" dirty="0" err="1"/>
-              <a:t>which</a:t>
-            </a:r>
-            <a:r>
-              <a:rPr lang="it-IT" dirty="0"/>
-              <a:t> </a:t>
-            </a:r>
-            <a:r>
-              <a:rPr lang="it-IT" dirty="0" err="1"/>
-              <a:t>represents</a:t>
-            </a:r>
-            <a:r>
-              <a:rPr lang="it-IT" dirty="0"/>
-              <a:t> the </a:t>
-            </a:r>
-            <a:r>
-              <a:rPr lang="it-IT" dirty="0" err="1"/>
-              <a:t>dimension</a:t>
-            </a:r>
-            <a:r>
-              <a:rPr lang="it-IT" dirty="0"/>
-              <a:t> of the system </a:t>
-            </a:r>
-            <a:r>
-              <a:rPr lang="it-IT" dirty="0" err="1"/>
-              <a:t>we’re</a:t>
-            </a:r>
-            <a:r>
-              <a:rPr lang="it-IT" dirty="0"/>
-              <a:t> in (e.g. 2D,3D). </a:t>
-            </a:r>
-            <a:r>
-              <a:rPr lang="it-IT" dirty="0" err="1"/>
-              <a:t>This</a:t>
-            </a:r>
-            <a:r>
-              <a:rPr lang="it-IT" dirty="0"/>
-              <a:t> </a:t>
-            </a:r>
-            <a:r>
-              <a:rPr lang="it-IT" dirty="0" err="1"/>
-              <a:t>allows</a:t>
-            </a:r>
-            <a:r>
-              <a:rPr lang="it-IT" dirty="0"/>
-              <a:t> </a:t>
-            </a:r>
-            <a:r>
-              <a:rPr lang="it-IT" dirty="0" err="1"/>
-              <a:t>us</a:t>
-            </a:r>
-            <a:r>
-              <a:rPr lang="it-IT" dirty="0"/>
-              <a:t> to </a:t>
-            </a:r>
-            <a:r>
-              <a:rPr lang="it-IT" dirty="0" err="1"/>
-              <a:t>change</a:t>
-            </a:r>
-            <a:r>
-              <a:rPr lang="it-IT" dirty="0"/>
-              <a:t> the </a:t>
-            </a:r>
-            <a:r>
-              <a:rPr lang="it-IT" dirty="0" err="1"/>
-              <a:t>dimension</a:t>
-            </a:r>
-            <a:r>
-              <a:rPr lang="it-IT" dirty="0"/>
-              <a:t> of the </a:t>
-            </a:r>
-            <a:r>
-              <a:rPr lang="it-IT" dirty="0" err="1"/>
-              <a:t>problem</a:t>
-            </a:r>
-            <a:r>
-              <a:rPr lang="it-IT" dirty="0"/>
-              <a:t> with </a:t>
-            </a:r>
-            <a:r>
-              <a:rPr lang="it-IT" dirty="0" err="1"/>
-              <a:t>very</a:t>
-            </a:r>
-            <a:r>
-              <a:rPr lang="it-IT" dirty="0"/>
-              <a:t> </a:t>
-            </a:r>
-            <a:r>
-              <a:rPr lang="it-IT" dirty="0" err="1"/>
-              <a:t>little</a:t>
-            </a:r>
-            <a:r>
-              <a:rPr lang="it-IT" dirty="0"/>
-              <a:t> </a:t>
-            </a:r>
-            <a:r>
-              <a:rPr lang="it-IT" dirty="0" err="1"/>
-              <a:t>effort</a:t>
-            </a:r>
-            <a:r>
-              <a:rPr lang="it-IT" dirty="0"/>
-              <a:t>. </a:t>
-            </a:r>
-            <a:r>
-              <a:rPr lang="it-IT" dirty="0" err="1"/>
-              <a:t>Our</a:t>
-            </a:r>
-            <a:r>
-              <a:rPr lang="it-IT" dirty="0"/>
-              <a:t> </a:t>
-            </a:r>
-            <a:r>
-              <a:rPr lang="it-IT" dirty="0" err="1"/>
-              <a:t>vector</a:t>
-            </a:r>
-            <a:r>
-              <a:rPr lang="it-IT" dirty="0"/>
-              <a:t> class </a:t>
-            </a:r>
-            <a:r>
-              <a:rPr lang="it-IT" dirty="0" err="1"/>
-              <a:t>has</a:t>
-            </a:r>
-            <a:r>
-              <a:rPr lang="it-IT" dirty="0"/>
-              <a:t> </a:t>
-            </a:r>
-            <a:r>
-              <a:rPr lang="it-IT" dirty="0" err="1"/>
-              <a:t>optimized</a:t>
-            </a:r>
-            <a:r>
-              <a:rPr lang="it-IT" dirty="0"/>
-              <a:t> </a:t>
-            </a:r>
-            <a:r>
-              <a:rPr lang="it-IT" dirty="0" err="1"/>
-              <a:t>functions</a:t>
-            </a:r>
-            <a:r>
-              <a:rPr lang="it-IT" dirty="0"/>
-              <a:t> for </a:t>
-            </a:r>
-            <a:r>
-              <a:rPr lang="it-IT" dirty="0" err="1"/>
-              <a:t>simple</a:t>
-            </a:r>
-            <a:r>
-              <a:rPr lang="it-IT" dirty="0"/>
-              <a:t> linear algebra </a:t>
-            </a:r>
-            <a:r>
-              <a:rPr lang="it-IT" dirty="0" err="1"/>
-              <a:t>that</a:t>
-            </a:r>
-            <a:r>
-              <a:rPr lang="it-IT" dirty="0"/>
-              <a:t> </a:t>
-            </a:r>
-            <a:r>
-              <a:rPr lang="it-IT" dirty="0" err="1"/>
-              <a:t>we</a:t>
-            </a:r>
-            <a:r>
-              <a:rPr lang="it-IT" dirty="0"/>
-              <a:t> </a:t>
-            </a:r>
-            <a:r>
-              <a:rPr lang="it-IT" dirty="0" err="1"/>
-              <a:t>coded</a:t>
-            </a:r>
-            <a:r>
-              <a:rPr lang="it-IT" dirty="0"/>
-              <a:t> by </a:t>
-            </a:r>
-            <a:r>
-              <a:rPr lang="it-IT" dirty="0" err="1"/>
-              <a:t>overloading</a:t>
-            </a:r>
-            <a:r>
-              <a:rPr lang="it-IT" dirty="0"/>
-              <a:t> some </a:t>
-            </a:r>
-            <a:r>
-              <a:rPr lang="it-IT" dirty="0" err="1"/>
-              <a:t>operators</a:t>
-            </a:r>
-            <a:r>
-              <a:rPr lang="it-IT" dirty="0"/>
-              <a:t>.</a:t>
-            </a:r>
-          </a:p>
-        </p:txBody>
-      </p:sp>
-      <p:sp>
-        <p:nvSpPr>
-          <p:cNvPr id="4" name="Segnaposto numero diapositiva 3">
-            <a:extLst>
-              <a:ext uri="{FF2B5EF4-FFF2-40B4-BE49-F238E27FC236}">
-                <a16:creationId xmlns:a16="http://schemas.microsoft.com/office/drawing/2014/main" id="{E1978521-534C-5731-7690-EF34FD3FFB3D}"/>
-              </a:ext>
-            </a:extLst>
-          </p:cNvPr>
-          <p:cNvSpPr>
-            <a:spLocks noGrp="1"/>
-          </p:cNvSpPr>
-          <p:nvPr>
-            <p:ph type="sldNum" sz="quarter" idx="11"/>
-          </p:nvPr>
-        </p:nvSpPr>
-        <p:spPr/>
-        <p:txBody>
-          <a:bodyPr/>
-          <a:lstStyle/>
-          <a:p>
-            <a:pPr rtl="0"/>
-            <a:fld id="{75DF2D63-3FF5-D547-96B9-BE9CCD1ABA58}" type="slidenum">
-              <a:rPr lang="it-IT" smtClean="0"/>
-              <a:pPr rtl="0"/>
-              <a:t>5</a:t>
-            </a:fld>
-            <a:endParaRPr lang="it-IT" dirty="0"/>
-          </a:p>
-        </p:txBody>
-      </p:sp>
-      <p:sp>
-        <p:nvSpPr>
-          <p:cNvPr id="5" name="Segnaposto piè di pagina 4">
-            <a:extLst>
-              <a:ext uri="{FF2B5EF4-FFF2-40B4-BE49-F238E27FC236}">
-                <a16:creationId xmlns:a16="http://schemas.microsoft.com/office/drawing/2014/main" id="{E62E3C7C-105D-65FA-EC3F-5F6D76CCD092}"/>
-              </a:ext>
-            </a:extLst>
-          </p:cNvPr>
-          <p:cNvSpPr>
-            <a:spLocks noGrp="1"/>
-          </p:cNvSpPr>
-          <p:nvPr>
-            <p:ph type="ftr" sz="quarter" idx="12"/>
-          </p:nvPr>
-        </p:nvSpPr>
-        <p:spPr/>
-        <p:txBody>
-          <a:bodyPr/>
-          <a:lstStyle/>
-          <a:p>
-            <a:pPr rtl="0"/>
-            <a:r>
-              <a:rPr lang="it-IT"/>
-              <a:t>titolo della presentazione</a:t>
-            </a:r>
-          </a:p>
-        </p:txBody>
-      </p:sp>
-    </p:spTree>
-    <p:extLst>
-      <p:ext uri="{BB962C8B-B14F-4D97-AF65-F5344CB8AC3E}">
-        <p14:creationId xmlns:p14="http://schemas.microsoft.com/office/powerpoint/2010/main" val="3996121746"/>
-      </p:ext>
-    </p:extLst>
-  </p:cSld>
-  <p:clrMapOvr>
-    <a:masterClrMapping/>
-  </p:clrMapOvr>
-</p:sld>
-</file>
-
 <file path=ppt/slides/slide6.xml><?xml version="1.0" encoding="utf-8"?>
 <p:sld xmlns:a="http://schemas.openxmlformats.org/drawingml/2006/main" xmlns:r="http://schemas.openxmlformats.org/officeDocument/2006/relationships" xmlns:p="http://schemas.openxmlformats.org/presentationml/2006/main">
   <p:cSld>
@@ -16523,7 +18911,7 @@
           <p:cNvPr id="2" name="Titolo 1">
             <a:extLst>
               <a:ext uri="{FF2B5EF4-FFF2-40B4-BE49-F238E27FC236}">
-                <a16:creationId xmlns:a16="http://schemas.microsoft.com/office/drawing/2014/main" id="{50228C67-1696-9110-8770-B6751E9C630A}"/>
+                <a16:creationId xmlns:a16="http://schemas.microsoft.com/office/drawing/2014/main" id="{65B39652-E1D7-1C44-0D54-9E3D80256EA7}"/>
               </a:ext>
             </a:extLst>
           </p:cNvPr>
@@ -16563,7 +18951,7 @@
           <p:cNvPr id="3" name="Segnaposto contenuto 2">
             <a:extLst>
               <a:ext uri="{FF2B5EF4-FFF2-40B4-BE49-F238E27FC236}">
-                <a16:creationId xmlns:a16="http://schemas.microsoft.com/office/drawing/2014/main" id="{21352EDC-CE77-1E02-F185-0E546A276639}"/>
+                <a16:creationId xmlns:a16="http://schemas.microsoft.com/office/drawing/2014/main" id="{8B3EC3B8-63DB-2786-0205-30DD1C46F286}"/>
               </a:ext>
             </a:extLst>
           </p:cNvPr>
@@ -16580,236 +18968,8 @@
           <a:lstStyle/>
           <a:p>
             <a:r>
-              <a:rPr lang="it-IT" sz="2000" dirty="0" err="1"/>
+              <a:rPr lang="it-IT" dirty="0" err="1"/>
               <a:t>We</a:t>
-            </a:r>
-            <a:r>
-              <a:rPr lang="it-IT" sz="2000" dirty="0"/>
-              <a:t> </a:t>
-            </a:r>
-            <a:r>
-              <a:rPr lang="it-IT" sz="2000" dirty="0" err="1"/>
-              <a:t>wrote</a:t>
-            </a:r>
-            <a:r>
-              <a:rPr lang="it-IT" sz="2000" dirty="0"/>
-              <a:t> a class </a:t>
-            </a:r>
-            <a:r>
-              <a:rPr lang="it-IT" sz="2000" dirty="0" err="1"/>
-              <a:t>Particle</a:t>
-            </a:r>
-            <a:r>
-              <a:rPr lang="it-IT" sz="2000" dirty="0"/>
-              <a:t> </a:t>
-            </a:r>
-            <a:r>
-              <a:rPr lang="it-IT" sz="2000" dirty="0" err="1"/>
-              <a:t>that</a:t>
-            </a:r>
-            <a:r>
-              <a:rPr lang="it-IT" sz="2000" dirty="0"/>
-              <a:t> </a:t>
-            </a:r>
-            <a:r>
-              <a:rPr lang="it-IT" sz="2000" dirty="0" err="1"/>
-              <a:t>represents</a:t>
-            </a:r>
-            <a:r>
-              <a:rPr lang="it-IT" sz="2000" dirty="0"/>
-              <a:t> the </a:t>
-            </a:r>
-            <a:r>
-              <a:rPr lang="it-IT" sz="2000" dirty="0" err="1"/>
-              <a:t>generic</a:t>
-            </a:r>
-            <a:r>
-              <a:rPr lang="it-IT" sz="2000" dirty="0"/>
-              <a:t> body </a:t>
-            </a:r>
-            <a:r>
-              <a:rPr lang="it-IT" sz="2000" dirty="0" err="1"/>
-              <a:t>that</a:t>
-            </a:r>
-            <a:r>
-              <a:rPr lang="it-IT" sz="2000" dirty="0"/>
-              <a:t> </a:t>
-            </a:r>
-            <a:r>
-              <a:rPr lang="it-IT" sz="2000" dirty="0" err="1"/>
-              <a:t>we</a:t>
-            </a:r>
-            <a:r>
-              <a:rPr lang="it-IT" sz="2000" dirty="0"/>
-              <a:t> </a:t>
-            </a:r>
-            <a:r>
-              <a:rPr lang="it-IT" sz="2000" dirty="0" err="1"/>
-              <a:t>consider</a:t>
-            </a:r>
-            <a:r>
-              <a:rPr lang="it-IT" sz="2000" dirty="0"/>
-              <a:t>, and </a:t>
-            </a:r>
-            <a:r>
-              <a:rPr lang="it-IT" sz="2000" dirty="0" err="1"/>
-              <a:t>we</a:t>
-            </a:r>
-            <a:r>
-              <a:rPr lang="it-IT" sz="2000" dirty="0"/>
-              <a:t> </a:t>
-            </a:r>
-            <a:r>
-              <a:rPr lang="it-IT" sz="2000" dirty="0" err="1"/>
-              <a:t>have</a:t>
-            </a:r>
-            <a:r>
-              <a:rPr lang="it-IT" sz="2000" dirty="0"/>
-              <a:t> </a:t>
-            </a:r>
-            <a:r>
-              <a:rPr lang="it-IT" sz="2000" dirty="0" err="1"/>
-              <a:t>given</a:t>
-            </a:r>
-            <a:r>
-              <a:rPr lang="it-IT" sz="2000" dirty="0"/>
-              <a:t> </a:t>
-            </a:r>
-            <a:r>
-              <a:rPr lang="it-IT" sz="2000" dirty="0" err="1"/>
-              <a:t>it</a:t>
-            </a:r>
-            <a:r>
-              <a:rPr lang="it-IT" sz="2000" dirty="0"/>
-              <a:t> </a:t>
-            </a:r>
-            <a:r>
-              <a:rPr lang="it-IT" sz="2000" dirty="0" err="1"/>
-              <a:t>attributes</a:t>
-            </a:r>
-            <a:r>
-              <a:rPr lang="it-IT" sz="2000" dirty="0"/>
-              <a:t> like mass, </a:t>
-            </a:r>
-            <a:r>
-              <a:rPr lang="it-IT" sz="2000" dirty="0" err="1"/>
-              <a:t>velocity</a:t>
-            </a:r>
-            <a:r>
-              <a:rPr lang="it-IT" sz="2000" dirty="0"/>
-              <a:t>, </a:t>
-            </a:r>
-            <a:r>
-              <a:rPr lang="it-IT" sz="2000" dirty="0" err="1"/>
-              <a:t>acceleration</a:t>
-            </a:r>
-            <a:r>
-              <a:rPr lang="it-IT" sz="2000" dirty="0"/>
-              <a:t>. </a:t>
-            </a:r>
-            <a:r>
-              <a:rPr lang="it-IT" sz="2000" dirty="0" err="1"/>
-              <a:t>It</a:t>
-            </a:r>
-            <a:r>
-              <a:rPr lang="it-IT" sz="2000" dirty="0"/>
-              <a:t> </a:t>
-            </a:r>
-            <a:r>
-              <a:rPr lang="it-IT" sz="2000" dirty="0" err="1"/>
-              <a:t>also</a:t>
-            </a:r>
-            <a:r>
-              <a:rPr lang="it-IT" sz="2000" dirty="0"/>
-              <a:t> </a:t>
-            </a:r>
-            <a:r>
-              <a:rPr lang="it-IT" sz="2000" dirty="0" err="1"/>
-              <a:t>has</a:t>
-            </a:r>
-            <a:r>
-              <a:rPr lang="it-IT" sz="2000" dirty="0"/>
-              <a:t> </a:t>
-            </a:r>
-            <a:r>
-              <a:rPr lang="it-IT" sz="2000" dirty="0" err="1"/>
-              <a:t>it’s</a:t>
-            </a:r>
-            <a:r>
-              <a:rPr lang="it-IT" sz="2000" dirty="0"/>
-              <a:t> </a:t>
-            </a:r>
-            <a:r>
-              <a:rPr lang="it-IT" sz="2000" dirty="0" err="1"/>
-              <a:t>own</a:t>
-            </a:r>
-            <a:r>
-              <a:rPr lang="it-IT" sz="2000" dirty="0"/>
-              <a:t> </a:t>
-            </a:r>
-            <a:r>
-              <a:rPr lang="it-IT" sz="2000" dirty="0" err="1"/>
-              <a:t>member</a:t>
-            </a:r>
-            <a:r>
-              <a:rPr lang="it-IT" sz="2000" dirty="0"/>
-              <a:t> </a:t>
-            </a:r>
-            <a:r>
-              <a:rPr lang="it-IT" sz="2000" dirty="0" err="1"/>
-              <a:t>functions</a:t>
-            </a:r>
-            <a:r>
-              <a:rPr lang="it-IT" sz="2000" dirty="0"/>
-              <a:t> </a:t>
-            </a:r>
-            <a:r>
-              <a:rPr lang="it-IT" sz="2000" dirty="0" err="1"/>
-              <a:t>that</a:t>
-            </a:r>
-            <a:r>
-              <a:rPr lang="it-IT" sz="2000" dirty="0"/>
-              <a:t> compute </a:t>
-            </a:r>
-            <a:r>
-              <a:rPr lang="it-IT" sz="2000" dirty="0" err="1"/>
-              <a:t>distances</a:t>
-            </a:r>
-            <a:r>
-              <a:rPr lang="it-IT" sz="2000" dirty="0"/>
-              <a:t> and interactions </a:t>
-            </a:r>
-            <a:r>
-              <a:rPr lang="it-IT" sz="2000" dirty="0" err="1"/>
-              <a:t>between</a:t>
-            </a:r>
-            <a:r>
-              <a:rPr lang="it-IT" sz="2000" dirty="0"/>
-              <a:t> </a:t>
-            </a:r>
-            <a:r>
-              <a:rPr lang="it-IT" sz="2000" dirty="0" err="1"/>
-              <a:t>particles</a:t>
-            </a:r>
-            <a:r>
-              <a:rPr lang="it-IT" sz="2000" dirty="0"/>
-              <a:t>. </a:t>
-            </a:r>
-            <a:r>
-              <a:rPr lang="it-IT" dirty="0"/>
-              <a:t>The </a:t>
-            </a:r>
-            <a:r>
-              <a:rPr lang="it-IT" dirty="0" err="1"/>
-              <a:t>methods</a:t>
-            </a:r>
-            <a:r>
-              <a:rPr lang="it-IT" dirty="0"/>
-              <a:t> are </a:t>
-            </a:r>
-            <a:r>
-              <a:rPr lang="it-IT" dirty="0" err="1"/>
-              <a:t>parallelized</a:t>
             </a:r>
             <a:r>
               <a:rPr lang="it-IT" dirty="0"/>
@@ -16817,7 +18977,7 @@
             </a:r>
             <a:r>
               <a:rPr lang="it-IT" dirty="0" err="1"/>
-              <a:t>using</a:t>
+              <a:t>have</a:t>
             </a:r>
             <a:r>
               <a:rPr lang="it-IT" dirty="0"/>
@@ -16825,7 +18985,239 @@
             </a:r>
             <a:r>
               <a:rPr lang="it-IT" dirty="0" err="1"/>
-              <a:t>OpenMP</a:t>
+              <a:t>created</a:t>
+            </a:r>
+            <a:r>
+              <a:rPr lang="it-IT" dirty="0"/>
+              <a:t> a template class </a:t>
+            </a:r>
+            <a:r>
+              <a:rPr lang="it-IT" dirty="0" err="1"/>
+              <a:t>Vector</a:t>
+            </a:r>
+            <a:r>
+              <a:rPr lang="it-IT" dirty="0"/>
+              <a:t> with template </a:t>
+            </a:r>
+            <a:r>
+              <a:rPr lang="it-IT" dirty="0" err="1"/>
+              <a:t>functions</a:t>
+            </a:r>
+            <a:r>
+              <a:rPr lang="it-IT" dirty="0"/>
+              <a:t> </a:t>
+            </a:r>
+            <a:r>
+              <a:rPr lang="it-IT" dirty="0" err="1"/>
+              <a:t>depending</a:t>
+            </a:r>
+            <a:r>
+              <a:rPr lang="it-IT" dirty="0"/>
+              <a:t> on a </a:t>
+            </a:r>
+            <a:r>
+              <a:rPr lang="it-IT" dirty="0" err="1"/>
+              <a:t>parameter</a:t>
+            </a:r>
+            <a:r>
+              <a:rPr lang="it-IT" dirty="0"/>
+              <a:t> «</a:t>
+            </a:r>
+            <a:r>
+              <a:rPr lang="it-IT" dirty="0" err="1"/>
+              <a:t>dim</a:t>
+            </a:r>
+            <a:r>
+              <a:rPr lang="it-IT" dirty="0"/>
+              <a:t>» </a:t>
+            </a:r>
+            <a:r>
+              <a:rPr lang="it-IT" dirty="0" err="1"/>
+              <a:t>which</a:t>
+            </a:r>
+            <a:r>
+              <a:rPr lang="it-IT" dirty="0"/>
+              <a:t> </a:t>
+            </a:r>
+            <a:r>
+              <a:rPr lang="it-IT" dirty="0" err="1"/>
+              <a:t>represents</a:t>
+            </a:r>
+            <a:r>
+              <a:rPr lang="it-IT" dirty="0"/>
+              <a:t> the </a:t>
+            </a:r>
+            <a:r>
+              <a:rPr lang="it-IT" dirty="0" err="1"/>
+              <a:t>dimension</a:t>
+            </a:r>
+            <a:r>
+              <a:rPr lang="it-IT" dirty="0"/>
+              <a:t> of the system </a:t>
+            </a:r>
+            <a:r>
+              <a:rPr lang="it-IT" dirty="0" err="1"/>
+              <a:t>we’re</a:t>
+            </a:r>
+            <a:r>
+              <a:rPr lang="it-IT" dirty="0"/>
+              <a:t> in (e.g. 2D,3D). </a:t>
+            </a:r>
+            <a:r>
+              <a:rPr lang="it-IT" dirty="0" err="1"/>
+              <a:t>This</a:t>
+            </a:r>
+            <a:r>
+              <a:rPr lang="it-IT" dirty="0"/>
+              <a:t> </a:t>
+            </a:r>
+            <a:r>
+              <a:rPr lang="it-IT" dirty="0" err="1"/>
+              <a:t>allows</a:t>
+            </a:r>
+            <a:r>
+              <a:rPr lang="it-IT" dirty="0"/>
+              <a:t> </a:t>
+            </a:r>
+            <a:r>
+              <a:rPr lang="it-IT" dirty="0" err="1"/>
+              <a:t>us</a:t>
+            </a:r>
+            <a:r>
+              <a:rPr lang="it-IT" dirty="0"/>
+              <a:t> to </a:t>
+            </a:r>
+            <a:r>
+              <a:rPr lang="it-IT" dirty="0" err="1"/>
+              <a:t>change</a:t>
+            </a:r>
+            <a:r>
+              <a:rPr lang="it-IT" dirty="0"/>
+              <a:t> the </a:t>
+            </a:r>
+            <a:r>
+              <a:rPr lang="it-IT" dirty="0" err="1"/>
+              <a:t>dimension</a:t>
+            </a:r>
+            <a:r>
+              <a:rPr lang="it-IT" dirty="0"/>
+              <a:t> of the </a:t>
+            </a:r>
+            <a:r>
+              <a:rPr lang="it-IT" dirty="0" err="1"/>
+              <a:t>problem</a:t>
+            </a:r>
+            <a:r>
+              <a:rPr lang="it-IT" dirty="0"/>
+              <a:t> with </a:t>
+            </a:r>
+            <a:r>
+              <a:rPr lang="it-IT" dirty="0" err="1"/>
+              <a:t>very</a:t>
+            </a:r>
+            <a:r>
+              <a:rPr lang="it-IT" dirty="0"/>
+              <a:t> </a:t>
+            </a:r>
+            <a:r>
+              <a:rPr lang="it-IT" dirty="0" err="1"/>
+              <a:t>little</a:t>
+            </a:r>
+            <a:r>
+              <a:rPr lang="it-IT" dirty="0"/>
+              <a:t> </a:t>
+            </a:r>
+            <a:r>
+              <a:rPr lang="it-IT" dirty="0" err="1"/>
+              <a:t>effort</a:t>
+            </a:r>
+            <a:r>
+              <a:rPr lang="it-IT" dirty="0"/>
+              <a:t>. </a:t>
+            </a:r>
+            <a:r>
+              <a:rPr lang="it-IT" dirty="0" err="1"/>
+              <a:t>Our</a:t>
+            </a:r>
+            <a:r>
+              <a:rPr lang="it-IT" dirty="0"/>
+              <a:t> </a:t>
+            </a:r>
+            <a:r>
+              <a:rPr lang="it-IT" dirty="0" err="1"/>
+              <a:t>vector</a:t>
+            </a:r>
+            <a:r>
+              <a:rPr lang="it-IT" dirty="0"/>
+              <a:t> class </a:t>
+            </a:r>
+            <a:r>
+              <a:rPr lang="it-IT" dirty="0" err="1"/>
+              <a:t>has</a:t>
+            </a:r>
+            <a:r>
+              <a:rPr lang="it-IT" dirty="0"/>
+              <a:t> </a:t>
+            </a:r>
+            <a:r>
+              <a:rPr lang="it-IT" dirty="0" err="1"/>
+              <a:t>optimized</a:t>
+            </a:r>
+            <a:r>
+              <a:rPr lang="it-IT" dirty="0"/>
+              <a:t> </a:t>
+            </a:r>
+            <a:r>
+              <a:rPr lang="it-IT" dirty="0" err="1"/>
+              <a:t>functions</a:t>
+            </a:r>
+            <a:r>
+              <a:rPr lang="it-IT" dirty="0"/>
+              <a:t> for </a:t>
+            </a:r>
+            <a:r>
+              <a:rPr lang="it-IT" dirty="0" err="1"/>
+              <a:t>simple</a:t>
+            </a:r>
+            <a:r>
+              <a:rPr lang="it-IT" dirty="0"/>
+              <a:t> linear algebra </a:t>
+            </a:r>
+            <a:r>
+              <a:rPr lang="it-IT" dirty="0" err="1"/>
+              <a:t>that</a:t>
+            </a:r>
+            <a:r>
+              <a:rPr lang="it-IT" dirty="0"/>
+              <a:t> </a:t>
+            </a:r>
+            <a:r>
+              <a:rPr lang="it-IT" dirty="0" err="1"/>
+              <a:t>we</a:t>
+            </a:r>
+            <a:r>
+              <a:rPr lang="it-IT" dirty="0"/>
+              <a:t> </a:t>
+            </a:r>
+            <a:r>
+              <a:rPr lang="it-IT" dirty="0" err="1"/>
+              <a:t>coded</a:t>
+            </a:r>
+            <a:r>
+              <a:rPr lang="it-IT" dirty="0"/>
+              <a:t> by </a:t>
+            </a:r>
+            <a:r>
+              <a:rPr lang="it-IT" dirty="0" err="1"/>
+              <a:t>overloading</a:t>
+            </a:r>
+            <a:r>
+              <a:rPr lang="it-IT" dirty="0"/>
+              <a:t> some </a:t>
+            </a:r>
+            <a:r>
+              <a:rPr lang="it-IT" dirty="0" err="1"/>
+              <a:t>operators</a:t>
             </a:r>
             <a:r>
               <a:rPr lang="it-IT" dirty="0"/>
@@ -16839,7 +19231,7 @@
           <p:cNvPr id="4" name="Segnaposto numero diapositiva 3">
             <a:extLst>
               <a:ext uri="{FF2B5EF4-FFF2-40B4-BE49-F238E27FC236}">
-                <a16:creationId xmlns:a16="http://schemas.microsoft.com/office/drawing/2014/main" id="{C7EEC93A-C7A2-DA95-9D29-BB755903C357}"/>
+                <a16:creationId xmlns:a16="http://schemas.microsoft.com/office/drawing/2014/main" id="{E1978521-534C-5731-7690-EF34FD3FFB3D}"/>
               </a:ext>
             </a:extLst>
           </p:cNvPr>
@@ -16870,7 +19262,7 @@
           <p:cNvPr id="5" name="Segnaposto piè di pagina 4">
             <a:extLst>
               <a:ext uri="{FF2B5EF4-FFF2-40B4-BE49-F238E27FC236}">
-                <a16:creationId xmlns:a16="http://schemas.microsoft.com/office/drawing/2014/main" id="{F3413233-F16A-3CE6-E9E0-FFA1E01BB092}"/>
+                <a16:creationId xmlns:a16="http://schemas.microsoft.com/office/drawing/2014/main" id="{E62E3C7C-105D-65FA-EC3F-5F6D76CCD092}"/>
               </a:ext>
             </a:extLst>
           </p:cNvPr>
@@ -16894,10 +19286,40 @@
           </a:p>
         </p:txBody>
       </p:sp>
+      <p:pic>
+        <p:nvPicPr>
+          <p:cNvPr id="7" name="Immagine 6">
+            <a:extLst>
+              <a:ext uri="{FF2B5EF4-FFF2-40B4-BE49-F238E27FC236}">
+                <a16:creationId xmlns:a16="http://schemas.microsoft.com/office/drawing/2014/main" id="{28EB5852-0473-BA8A-319F-D2167705F6A4}"/>
+              </a:ext>
+            </a:extLst>
+          </p:cNvPr>
+          <p:cNvPicPr>
+            <a:picLocks noChangeAspect="1"/>
+          </p:cNvPicPr>
+          <p:nvPr/>
+        </p:nvPicPr>
+        <p:blipFill>
+          <a:blip r:embed="rId2"/>
+          <a:stretch>
+            <a:fillRect/>
+          </a:stretch>
+        </p:blipFill>
+        <p:spPr>
+          <a:xfrm>
+            <a:off x="877824" y="1628775"/>
+            <a:ext cx="4244079" cy="3600450"/>
+          </a:xfrm>
+          <a:prstGeom prst="rect">
+            <a:avLst/>
+          </a:prstGeom>
+        </p:spPr>
+      </p:pic>
     </p:spTree>
     <p:extLst>
       <p:ext uri="{BB962C8B-B14F-4D97-AF65-F5344CB8AC3E}">
-        <p14:creationId xmlns:p14="http://schemas.microsoft.com/office/powerpoint/2010/main" val="1992171298"/>
+        <p14:creationId xmlns:p14="http://schemas.microsoft.com/office/powerpoint/2010/main" val="3996121746"/>
       </p:ext>
     </p:extLst>
   </p:cSld>
@@ -16929,7 +19351,7 @@
           <p:cNvPr id="2" name="Titolo 1">
             <a:extLst>
               <a:ext uri="{FF2B5EF4-FFF2-40B4-BE49-F238E27FC236}">
-                <a16:creationId xmlns:a16="http://schemas.microsoft.com/office/drawing/2014/main" id="{E58EB509-D567-9E79-40A1-EEFE585D1D83}"/>
+                <a16:creationId xmlns:a16="http://schemas.microsoft.com/office/drawing/2014/main" id="{50228C67-1696-9110-8770-B6751E9C630A}"/>
               </a:ext>
             </a:extLst>
           </p:cNvPr>
@@ -16957,6 +19379,9 @@
               <a:rPr lang="it-IT" dirty="0" err="1"/>
               <a:t>program</a:t>
             </a:r>
+            <a:br>
+              <a:rPr lang="it-IT" dirty="0"/>
+            </a:br>
             <a:endParaRPr lang="it-IT" dirty="0"/>
           </a:p>
         </p:txBody>
@@ -16966,7 +19391,7 @@
           <p:cNvPr id="3" name="Segnaposto contenuto 2">
             <a:extLst>
               <a:ext uri="{FF2B5EF4-FFF2-40B4-BE49-F238E27FC236}">
-                <a16:creationId xmlns:a16="http://schemas.microsoft.com/office/drawing/2014/main" id="{DF1E684B-ABD2-F7DD-FC63-30AB7351B4AF}"/>
+                <a16:creationId xmlns:a16="http://schemas.microsoft.com/office/drawing/2014/main" id="{21352EDC-CE77-1E02-F185-0E546A276639}"/>
               </a:ext>
             </a:extLst>
           </p:cNvPr>
@@ -16983,336 +19408,256 @@
           <a:lstStyle/>
           <a:p>
             <a:r>
-              <a:rPr lang="it-IT" sz="1800" dirty="0"/>
-              <a:t>In </a:t>
-            </a:r>
-            <a:r>
-              <a:rPr lang="it-IT" sz="1800" dirty="0" err="1"/>
-              <a:t>our</a:t>
-            </a:r>
-            <a:r>
-              <a:rPr lang="it-IT" sz="1800" dirty="0"/>
-              <a:t> first </a:t>
-            </a:r>
-            <a:r>
-              <a:rPr lang="it-IT" sz="1800" dirty="0" err="1"/>
-              <a:t>implementation</a:t>
-            </a:r>
-            <a:r>
-              <a:rPr lang="it-IT" sz="1800" dirty="0"/>
+              <a:rPr lang="it-IT" sz="2000" dirty="0" err="1"/>
+              <a:t>We</a:t>
+            </a:r>
+            <a:r>
+              <a:rPr lang="it-IT" sz="2000" dirty="0"/>
               <a:t> </a:t>
             </a:r>
             <a:r>
-              <a:rPr lang="it-IT" sz="1800" dirty="0" err="1"/>
+              <a:rPr lang="it-IT" sz="2000" dirty="0" err="1"/>
+              <a:t>wrote</a:t>
+            </a:r>
+            <a:r>
+              <a:rPr lang="it-IT" sz="2000" dirty="0"/>
+              <a:t> a class </a:t>
+            </a:r>
+            <a:r>
+              <a:rPr lang="it-IT" sz="2000" dirty="0" err="1"/>
+              <a:t>Particle</a:t>
+            </a:r>
+            <a:r>
+              <a:rPr lang="it-IT" sz="2000" dirty="0"/>
+              <a:t> </a:t>
+            </a:r>
+            <a:r>
+              <a:rPr lang="it-IT" sz="2000" dirty="0" err="1"/>
+              <a:t>that</a:t>
+            </a:r>
+            <a:r>
+              <a:rPr lang="it-IT" sz="2000" dirty="0"/>
+              <a:t> </a:t>
+            </a:r>
+            <a:r>
+              <a:rPr lang="it-IT" sz="2000" dirty="0" err="1"/>
+              <a:t>represents</a:t>
+            </a:r>
+            <a:r>
+              <a:rPr lang="it-IT" sz="2000" dirty="0"/>
+              <a:t> the </a:t>
+            </a:r>
+            <a:r>
+              <a:rPr lang="it-IT" sz="2000" dirty="0" err="1"/>
+              <a:t>generic</a:t>
+            </a:r>
+            <a:r>
+              <a:rPr lang="it-IT" sz="2000" dirty="0"/>
+              <a:t> body </a:t>
+            </a:r>
+            <a:r>
+              <a:rPr lang="it-IT" sz="2000" dirty="0" err="1"/>
+              <a:t>that</a:t>
+            </a:r>
+            <a:r>
+              <a:rPr lang="it-IT" sz="2000" dirty="0"/>
+              <a:t> </a:t>
+            </a:r>
+            <a:r>
+              <a:rPr lang="it-IT" sz="2000" dirty="0" err="1"/>
               <a:t>we</a:t>
             </a:r>
             <a:r>
-              <a:rPr lang="it-IT" sz="1800" dirty="0"/>
+              <a:rPr lang="it-IT" sz="2000" dirty="0"/>
               <a:t> </a:t>
             </a:r>
             <a:r>
-              <a:rPr lang="it-IT" sz="1800" dirty="0" err="1"/>
-              <a:t>wanted</a:t>
-            </a:r>
-            <a:r>
-              <a:rPr lang="it-IT" sz="1800" dirty="0"/>
-              <a:t> to </a:t>
-            </a:r>
-            <a:r>
-              <a:rPr lang="it-IT" sz="1800" dirty="0" err="1"/>
-              <a:t>avoid</a:t>
-            </a:r>
-            <a:r>
-              <a:rPr lang="it-IT" sz="1800" dirty="0"/>
+              <a:rPr lang="it-IT" sz="2000" dirty="0" err="1"/>
+              <a:t>consider</a:t>
+            </a:r>
+            <a:r>
+              <a:rPr lang="it-IT" sz="2000" dirty="0"/>
+              <a:t>, and </a:t>
+            </a:r>
+            <a:r>
+              <a:rPr lang="it-IT" sz="2000" dirty="0" err="1"/>
+              <a:t>we</a:t>
+            </a:r>
+            <a:r>
+              <a:rPr lang="it-IT" sz="2000" dirty="0"/>
               <a:t> </a:t>
             </a:r>
             <a:r>
-              <a:rPr lang="it-IT" sz="1800" dirty="0" err="1"/>
-              <a:t>repeated</a:t>
-            </a:r>
-            <a:r>
-              <a:rPr lang="it-IT" sz="1800" dirty="0"/>
+              <a:rPr lang="it-IT" sz="2000" dirty="0" err="1"/>
+              <a:t>have</a:t>
+            </a:r>
+            <a:r>
+              <a:rPr lang="it-IT" sz="2000" dirty="0"/>
               <a:t> </a:t>
             </a:r>
             <a:r>
-              <a:rPr lang="it-IT" sz="1800" dirty="0" err="1"/>
-              <a:t>calculations</a:t>
-            </a:r>
-            <a:r>
-              <a:rPr lang="it-IT" sz="1800" dirty="0"/>
-              <a:t> of interactions, so </a:t>
-            </a:r>
-            <a:r>
-              <a:rPr lang="it-IT" sz="1800" dirty="0" err="1"/>
-              <a:t>we</a:t>
-            </a:r>
-            <a:r>
-              <a:rPr lang="it-IT" sz="1800" dirty="0"/>
+              <a:rPr lang="it-IT" sz="2000" dirty="0" err="1"/>
+              <a:t>given</a:t>
+            </a:r>
+            <a:r>
+              <a:rPr lang="it-IT" sz="2000" dirty="0"/>
               <a:t> </a:t>
             </a:r>
             <a:r>
-              <a:rPr lang="it-IT" sz="1800" dirty="0" err="1"/>
-              <a:t>created</a:t>
-            </a:r>
-            <a:r>
-              <a:rPr lang="it-IT" sz="1800" dirty="0"/>
-              <a:t> a «force </a:t>
-            </a:r>
-            <a:r>
-              <a:rPr lang="it-IT" sz="1800" dirty="0" err="1"/>
-              <a:t>matrix</a:t>
-            </a:r>
-            <a:r>
-              <a:rPr lang="it-IT" sz="1800" dirty="0"/>
-              <a:t>», with </a:t>
-            </a:r>
-            <a:r>
-              <a:rPr lang="it-IT" sz="1800" dirty="0" err="1"/>
-              <a:t>its</a:t>
-            </a:r>
-            <a:r>
-              <a:rPr lang="it-IT" sz="1800" dirty="0"/>
+              <a:rPr lang="it-IT" sz="2000" dirty="0" err="1"/>
+              <a:t>it</a:t>
+            </a:r>
+            <a:r>
+              <a:rPr lang="it-IT" sz="2000" dirty="0"/>
               <a:t> </a:t>
             </a:r>
             <a:r>
-              <a:rPr lang="it-IT" sz="1800" dirty="0" err="1"/>
+              <a:rPr lang="it-IT" sz="2000" dirty="0" err="1"/>
+              <a:t>attributes</a:t>
+            </a:r>
+            <a:r>
+              <a:rPr lang="it-IT" sz="2000" dirty="0"/>
+              <a:t> like mass, </a:t>
+            </a:r>
+            <a:r>
+              <a:rPr lang="it-IT" sz="2000" dirty="0" err="1"/>
+              <a:t>velocity</a:t>
+            </a:r>
+            <a:r>
+              <a:rPr lang="it-IT" sz="2000" dirty="0"/>
+              <a:t>, </a:t>
+            </a:r>
+            <a:r>
+              <a:rPr lang="it-IT" sz="2000" dirty="0" err="1"/>
+              <a:t>acceleration</a:t>
+            </a:r>
+            <a:r>
+              <a:rPr lang="it-IT" sz="2000" dirty="0"/>
+              <a:t>. </a:t>
+            </a:r>
+            <a:r>
+              <a:rPr lang="it-IT" sz="2000" dirty="0" err="1"/>
+              <a:t>It</a:t>
+            </a:r>
+            <a:r>
+              <a:rPr lang="it-IT" sz="2000" dirty="0"/>
+              <a:t> </a:t>
+            </a:r>
+            <a:r>
+              <a:rPr lang="it-IT" sz="2000" dirty="0" err="1"/>
+              <a:t>also</a:t>
+            </a:r>
+            <a:r>
+              <a:rPr lang="it-IT" sz="2000" dirty="0"/>
+              <a:t> </a:t>
+            </a:r>
+            <a:r>
+              <a:rPr lang="it-IT" sz="2000" dirty="0" err="1"/>
+              <a:t>has</a:t>
+            </a:r>
+            <a:r>
+              <a:rPr lang="it-IT" sz="2000" dirty="0"/>
+              <a:t> </a:t>
+            </a:r>
+            <a:r>
+              <a:rPr lang="it-IT" sz="2000" dirty="0" err="1"/>
+              <a:t>it’s</a:t>
+            </a:r>
+            <a:r>
+              <a:rPr lang="it-IT" sz="2000" dirty="0"/>
+              <a:t> </a:t>
+            </a:r>
+            <a:r>
+              <a:rPr lang="it-IT" sz="2000" dirty="0" err="1"/>
               <a:t>own</a:t>
             </a:r>
             <a:r>
-              <a:rPr lang="it-IT" sz="1800" dirty="0"/>
-              <a:t> class, </a:t>
-            </a:r>
-            <a:r>
-              <a:rPr lang="it-IT" sz="1800" dirty="0" err="1"/>
+              <a:rPr lang="it-IT" sz="2000" dirty="0"/>
+              <a:t> </a:t>
+            </a:r>
+            <a:r>
+              <a:rPr lang="it-IT" sz="2000" dirty="0" err="1"/>
+              <a:t>member</a:t>
+            </a:r>
+            <a:r>
+              <a:rPr lang="it-IT" sz="2000" dirty="0"/>
+              <a:t> </a:t>
+            </a:r>
+            <a:r>
+              <a:rPr lang="it-IT" sz="2000" dirty="0" err="1"/>
+              <a:t>functions</a:t>
+            </a:r>
+            <a:r>
+              <a:rPr lang="it-IT" sz="2000" dirty="0"/>
+              <a:t> </a:t>
+            </a:r>
+            <a:r>
+              <a:rPr lang="it-IT" sz="2000" dirty="0" err="1"/>
               <a:t>that</a:t>
             </a:r>
             <a:r>
-              <a:rPr lang="it-IT" sz="1800" dirty="0"/>
+              <a:rPr lang="it-IT" sz="2000" dirty="0"/>
+              <a:t> compute </a:t>
+            </a:r>
+            <a:r>
+              <a:rPr lang="it-IT" sz="2000" dirty="0" err="1"/>
+              <a:t>distances</a:t>
+            </a:r>
+            <a:r>
+              <a:rPr lang="it-IT" sz="2000" dirty="0"/>
+              <a:t> and interactions </a:t>
+            </a:r>
+            <a:r>
+              <a:rPr lang="it-IT" sz="2000" dirty="0" err="1"/>
+              <a:t>between</a:t>
+            </a:r>
+            <a:r>
+              <a:rPr lang="it-IT" sz="2000" dirty="0"/>
               <a:t> </a:t>
             </a:r>
             <a:r>
-              <a:rPr lang="it-IT" sz="1800" dirty="0" err="1"/>
-              <a:t>stored</a:t>
-            </a:r>
-            <a:r>
-              <a:rPr lang="it-IT" sz="1800" dirty="0"/>
-              <a:t> the </a:t>
-            </a:r>
-            <a:r>
-              <a:rPr lang="it-IT" sz="1800" dirty="0" err="1"/>
-              <a:t>forces</a:t>
-            </a:r>
-            <a:r>
-              <a:rPr lang="it-IT" sz="1800" dirty="0"/>
+              <a:rPr lang="it-IT" sz="2000" dirty="0" err="1"/>
+              <a:t>particles</a:t>
+            </a:r>
+            <a:r>
+              <a:rPr lang="it-IT" sz="2000" dirty="0"/>
+              <a:t>. </a:t>
+            </a:r>
+            <a:r>
+              <a:rPr lang="it-IT" dirty="0"/>
+              <a:t>The </a:t>
+            </a:r>
+            <a:r>
+              <a:rPr lang="it-IT" dirty="0" err="1"/>
+              <a:t>methods</a:t>
+            </a:r>
+            <a:r>
+              <a:rPr lang="it-IT" dirty="0"/>
+              <a:t> are </a:t>
+            </a:r>
+            <a:r>
+              <a:rPr lang="it-IT" dirty="0" err="1"/>
+              <a:t>parallelized</a:t>
+            </a:r>
+            <a:r>
+              <a:rPr lang="it-IT" dirty="0"/>
               <a:t> </a:t>
             </a:r>
             <a:r>
-              <a:rPr lang="it-IT" sz="1800" dirty="0" err="1"/>
-              <a:t>at</a:t>
-            </a:r>
-            <a:r>
-              <a:rPr lang="it-IT" sz="1800" dirty="0"/>
+              <a:rPr lang="it-IT" dirty="0" err="1"/>
+              <a:t>using</a:t>
+            </a:r>
+            <a:r>
+              <a:rPr lang="it-IT" dirty="0"/>
               <a:t> </a:t>
             </a:r>
             <a:r>
-              <a:rPr lang="it-IT" sz="1800" dirty="0" err="1"/>
-              <a:t>every</a:t>
-            </a:r>
-            <a:r>
-              <a:rPr lang="it-IT" sz="1800" dirty="0"/>
-              <a:t> </a:t>
-            </a:r>
-            <a:r>
-              <a:rPr lang="it-IT" sz="1800" dirty="0" err="1"/>
-              <a:t>iteration</a:t>
-            </a:r>
-            <a:r>
-              <a:rPr lang="it-IT" sz="1800" dirty="0"/>
-              <a:t>. </a:t>
-            </a:r>
-            <a:r>
-              <a:rPr lang="it-IT" sz="1800" dirty="0" err="1"/>
-              <a:t>We</a:t>
-            </a:r>
-            <a:r>
-              <a:rPr lang="it-IT" sz="1800" dirty="0"/>
-              <a:t> </a:t>
-            </a:r>
-            <a:r>
-              <a:rPr lang="it-IT" sz="1800" dirty="0" err="1"/>
-              <a:t>then</a:t>
-            </a:r>
-            <a:r>
-              <a:rPr lang="it-IT" sz="1800" dirty="0"/>
-              <a:t> </a:t>
-            </a:r>
-            <a:r>
-              <a:rPr lang="it-IT" sz="1800" dirty="0" err="1"/>
-              <a:t>noticed</a:t>
-            </a:r>
-            <a:r>
-              <a:rPr lang="it-IT" sz="1800" dirty="0"/>
-              <a:t> </a:t>
-            </a:r>
-            <a:r>
-              <a:rPr lang="it-IT" sz="1800" dirty="0" err="1"/>
-              <a:t>that</a:t>
-            </a:r>
-            <a:r>
-              <a:rPr lang="it-IT" sz="1800" dirty="0"/>
-              <a:t> </a:t>
-            </a:r>
-            <a:r>
-              <a:rPr lang="it-IT" sz="1800" dirty="0" err="1"/>
-              <a:t>this</a:t>
-            </a:r>
-            <a:r>
-              <a:rPr lang="it-IT" sz="1800" dirty="0"/>
-              <a:t> technique </a:t>
-            </a:r>
-            <a:r>
-              <a:rPr lang="it-IT" sz="1800" dirty="0" err="1"/>
-              <a:t>slowed</a:t>
-            </a:r>
-            <a:r>
-              <a:rPr lang="it-IT" sz="1800" dirty="0"/>
-              <a:t> down the </a:t>
-            </a:r>
-            <a:r>
-              <a:rPr lang="it-IT" sz="1800" dirty="0" err="1"/>
-              <a:t>process</a:t>
-            </a:r>
-            <a:r>
-              <a:rPr lang="it-IT" sz="1800" dirty="0"/>
-              <a:t>, due to the eccessive </a:t>
-            </a:r>
-            <a:r>
-              <a:rPr lang="it-IT" sz="1800" dirty="0" err="1"/>
-              <a:t>amount</a:t>
-            </a:r>
-            <a:r>
-              <a:rPr lang="it-IT" sz="1800" dirty="0"/>
-              <a:t> of </a:t>
-            </a:r>
-            <a:r>
-              <a:rPr lang="it-IT" sz="1800" dirty="0" err="1"/>
-              <a:t>memory</a:t>
-            </a:r>
-            <a:r>
-              <a:rPr lang="it-IT" sz="1800" dirty="0"/>
-              <a:t> accesses. So </a:t>
-            </a:r>
-            <a:r>
-              <a:rPr lang="it-IT" sz="1800" dirty="0" err="1"/>
-              <a:t>we</a:t>
-            </a:r>
-            <a:r>
-              <a:rPr lang="it-IT" sz="1800" dirty="0"/>
-              <a:t> </a:t>
-            </a:r>
-            <a:r>
-              <a:rPr lang="it-IT" sz="1800" dirty="0" err="1"/>
-              <a:t>decided</a:t>
-            </a:r>
-            <a:r>
-              <a:rPr lang="it-IT" sz="1800" dirty="0"/>
-              <a:t> to </a:t>
-            </a:r>
-            <a:r>
-              <a:rPr lang="it-IT" sz="1800" dirty="0" err="1"/>
-              <a:t>remove</a:t>
-            </a:r>
-            <a:r>
-              <a:rPr lang="it-IT" sz="1800" dirty="0"/>
-              <a:t> the class and </a:t>
-            </a:r>
-            <a:r>
-              <a:rPr lang="it-IT" sz="1800" dirty="0" err="1"/>
-              <a:t>let</a:t>
-            </a:r>
-            <a:r>
-              <a:rPr lang="it-IT" sz="1800" dirty="0"/>
-              <a:t> </a:t>
-            </a:r>
-            <a:r>
-              <a:rPr lang="it-IT" sz="1800" dirty="0" err="1"/>
-              <a:t>every</a:t>
-            </a:r>
-            <a:r>
-              <a:rPr lang="it-IT" sz="1800" dirty="0"/>
-              <a:t> </a:t>
-            </a:r>
-            <a:r>
-              <a:rPr lang="it-IT" sz="1800" dirty="0" err="1"/>
-              <a:t>particle</a:t>
-            </a:r>
-            <a:r>
-              <a:rPr lang="it-IT" sz="1800" dirty="0"/>
-              <a:t> </a:t>
-            </a:r>
-            <a:r>
-              <a:rPr lang="it-IT" sz="1800" dirty="0" err="1"/>
-              <a:t>calculate</a:t>
-            </a:r>
-            <a:r>
-              <a:rPr lang="it-IT" sz="1800" dirty="0"/>
-              <a:t> </a:t>
-            </a:r>
-            <a:r>
-              <a:rPr lang="it-IT" sz="1800" dirty="0" err="1"/>
-              <a:t>its</a:t>
-            </a:r>
-            <a:r>
-              <a:rPr lang="it-IT" sz="1800" dirty="0"/>
-              <a:t> interactions (</a:t>
-            </a:r>
-            <a:r>
-              <a:rPr lang="it-IT" sz="1800" dirty="0" err="1"/>
-              <a:t>mathematical</a:t>
-            </a:r>
-            <a:r>
-              <a:rPr lang="it-IT" sz="1800" dirty="0"/>
-              <a:t> </a:t>
-            </a:r>
-            <a:r>
-              <a:rPr lang="it-IT" sz="1800" dirty="0" err="1"/>
-              <a:t>operations</a:t>
-            </a:r>
-            <a:r>
-              <a:rPr lang="it-IT" sz="1800" dirty="0"/>
-              <a:t> are </a:t>
-            </a:r>
-            <a:r>
-              <a:rPr lang="it-IT" sz="1800" dirty="0" err="1"/>
-              <a:t>much</a:t>
-            </a:r>
-            <a:r>
-              <a:rPr lang="it-IT" sz="1800" dirty="0"/>
-              <a:t> </a:t>
-            </a:r>
-            <a:r>
-              <a:rPr lang="it-IT" sz="1800" dirty="0" err="1"/>
-              <a:t>faster</a:t>
-            </a:r>
-            <a:r>
-              <a:rPr lang="it-IT" sz="1800" dirty="0"/>
-              <a:t> </a:t>
-            </a:r>
-            <a:r>
-              <a:rPr lang="it-IT" sz="1800" dirty="0" err="1"/>
-              <a:t>than</a:t>
-            </a:r>
-            <a:r>
-              <a:rPr lang="it-IT" sz="1800" dirty="0"/>
-              <a:t> </a:t>
-            </a:r>
-            <a:r>
-              <a:rPr lang="it-IT" sz="1800" dirty="0" err="1"/>
-              <a:t>memory</a:t>
-            </a:r>
-            <a:r>
-              <a:rPr lang="it-IT" sz="1800" dirty="0"/>
-              <a:t> accesses).</a:t>
+              <a:rPr lang="it-IT" dirty="0" err="1"/>
+              <a:t>OpenMP</a:t>
+            </a:r>
+            <a:r>
+              <a:rPr lang="it-IT" dirty="0"/>
+              <a:t>.</a:t>
             </a:r>
           </a:p>
         </p:txBody>
@@ -17322,7 +19667,7 @@
           <p:cNvPr id="4" name="Segnaposto numero diapositiva 3">
             <a:extLst>
               <a:ext uri="{FF2B5EF4-FFF2-40B4-BE49-F238E27FC236}">
-                <a16:creationId xmlns:a16="http://schemas.microsoft.com/office/drawing/2014/main" id="{8704448F-14F8-2922-4543-4BD0BA56FE8C}"/>
+                <a16:creationId xmlns:a16="http://schemas.microsoft.com/office/drawing/2014/main" id="{C7EEC93A-C7A2-DA95-9D29-BB755903C357}"/>
               </a:ext>
             </a:extLst>
           </p:cNvPr>
@@ -17353,7 +19698,7 @@
           <p:cNvPr id="5" name="Segnaposto piè di pagina 4">
             <a:extLst>
               <a:ext uri="{FF2B5EF4-FFF2-40B4-BE49-F238E27FC236}">
-                <a16:creationId xmlns:a16="http://schemas.microsoft.com/office/drawing/2014/main" id="{A20FE295-6F81-DDD8-7680-2A77C63C788E}"/>
+                <a16:creationId xmlns:a16="http://schemas.microsoft.com/office/drawing/2014/main" id="{F3413233-F16A-3CE6-E9E0-FFA1E01BB092}"/>
               </a:ext>
             </a:extLst>
           </p:cNvPr>
@@ -17377,10 +19722,40 @@
           </a:p>
         </p:txBody>
       </p:sp>
+      <p:pic>
+        <p:nvPicPr>
+          <p:cNvPr id="7" name="Immagine 6">
+            <a:extLst>
+              <a:ext uri="{FF2B5EF4-FFF2-40B4-BE49-F238E27FC236}">
+                <a16:creationId xmlns:a16="http://schemas.microsoft.com/office/drawing/2014/main" id="{6AECA9F5-7769-F798-F676-925A2CC880D5}"/>
+              </a:ext>
+            </a:extLst>
+          </p:cNvPr>
+          <p:cNvPicPr>
+            <a:picLocks noChangeAspect="1"/>
+          </p:cNvPicPr>
+          <p:nvPr/>
+        </p:nvPicPr>
+        <p:blipFill>
+          <a:blip r:embed="rId2"/>
+          <a:stretch>
+            <a:fillRect/>
+          </a:stretch>
+        </p:blipFill>
+        <p:spPr>
+          <a:xfrm>
+            <a:off x="877824" y="1673352"/>
+            <a:ext cx="4282934" cy="3886602"/>
+          </a:xfrm>
+          <a:prstGeom prst="rect">
+            <a:avLst/>
+          </a:prstGeom>
+        </p:spPr>
+      </p:pic>
     </p:spTree>
     <p:extLst>
       <p:ext uri="{BB962C8B-B14F-4D97-AF65-F5344CB8AC3E}">
-        <p14:creationId xmlns:p14="http://schemas.microsoft.com/office/powerpoint/2010/main" val="413390723"/>
+        <p14:creationId xmlns:p14="http://schemas.microsoft.com/office/powerpoint/2010/main" val="1992171298"/>
       </p:ext>
     </p:extLst>
   </p:cSld>
@@ -17412,7 +19787,7 @@
           <p:cNvPr id="2" name="Titolo 1">
             <a:extLst>
               <a:ext uri="{FF2B5EF4-FFF2-40B4-BE49-F238E27FC236}">
-                <a16:creationId xmlns:a16="http://schemas.microsoft.com/office/drawing/2014/main" id="{6FFED3AD-F66C-7487-0BAA-B3E454A2926D}"/>
+                <a16:creationId xmlns:a16="http://schemas.microsoft.com/office/drawing/2014/main" id="{E58EB509-D567-9E79-40A1-EEFE585D1D83}"/>
               </a:ext>
             </a:extLst>
           </p:cNvPr>
@@ -17449,7 +19824,7 @@
           <p:cNvPr id="3" name="Segnaposto contenuto 2">
             <a:extLst>
               <a:ext uri="{FF2B5EF4-FFF2-40B4-BE49-F238E27FC236}">
-                <a16:creationId xmlns:a16="http://schemas.microsoft.com/office/drawing/2014/main" id="{6FAA00B5-3282-AA52-FD47-0D8D7C1724B9}"/>
+                <a16:creationId xmlns:a16="http://schemas.microsoft.com/office/drawing/2014/main" id="{DF1E684B-ABD2-F7DD-FC63-30AB7351B4AF}"/>
               </a:ext>
             </a:extLst>
           </p:cNvPr>
@@ -17466,222 +19841,336 @@
           <a:lstStyle/>
           <a:p>
             <a:r>
-              <a:rPr lang="it-IT" dirty="0" err="1"/>
+              <a:rPr lang="it-IT" sz="1800" dirty="0"/>
+              <a:t>In </a:t>
+            </a:r>
+            <a:r>
+              <a:rPr lang="it-IT" sz="1800" dirty="0" err="1"/>
+              <a:t>our</a:t>
+            </a:r>
+            <a:r>
+              <a:rPr lang="it-IT" sz="1800" dirty="0"/>
+              <a:t> first </a:t>
+            </a:r>
+            <a:r>
+              <a:rPr lang="it-IT" sz="1800" dirty="0" err="1"/>
+              <a:t>implementation</a:t>
+            </a:r>
+            <a:r>
+              <a:rPr lang="it-IT" sz="1800" dirty="0"/>
+              <a:t> </a:t>
+            </a:r>
+            <a:r>
+              <a:rPr lang="it-IT" sz="1800" dirty="0" err="1"/>
+              <a:t>we</a:t>
+            </a:r>
+            <a:r>
+              <a:rPr lang="it-IT" sz="1800" dirty="0"/>
+              <a:t> </a:t>
+            </a:r>
+            <a:r>
+              <a:rPr lang="it-IT" sz="1800" dirty="0" err="1"/>
+              <a:t>wanted</a:t>
+            </a:r>
+            <a:r>
+              <a:rPr lang="it-IT" sz="1800" dirty="0"/>
+              <a:t> to </a:t>
+            </a:r>
+            <a:r>
+              <a:rPr lang="it-IT" sz="1800" dirty="0" err="1"/>
+              <a:t>avoid</a:t>
+            </a:r>
+            <a:r>
+              <a:rPr lang="it-IT" sz="1800" dirty="0"/>
+              <a:t> </a:t>
+            </a:r>
+            <a:r>
+              <a:rPr lang="it-IT" sz="1800" dirty="0" err="1"/>
+              <a:t>repeated</a:t>
+            </a:r>
+            <a:r>
+              <a:rPr lang="it-IT" sz="1800" dirty="0"/>
+              <a:t> </a:t>
+            </a:r>
+            <a:r>
+              <a:rPr lang="it-IT" sz="1800" dirty="0" err="1"/>
+              <a:t>calculations</a:t>
+            </a:r>
+            <a:r>
+              <a:rPr lang="it-IT" sz="1800" dirty="0"/>
+              <a:t> of interactions, so </a:t>
+            </a:r>
+            <a:r>
+              <a:rPr lang="it-IT" sz="1800" dirty="0" err="1"/>
+              <a:t>we</a:t>
+            </a:r>
+            <a:r>
+              <a:rPr lang="it-IT" sz="1800" dirty="0"/>
+              <a:t> </a:t>
+            </a:r>
+            <a:r>
+              <a:rPr lang="it-IT" sz="1800" dirty="0" err="1"/>
+              <a:t>created</a:t>
+            </a:r>
+            <a:r>
+              <a:rPr lang="it-IT" sz="1800" dirty="0"/>
+              <a:t> a «force </a:t>
+            </a:r>
+            <a:r>
+              <a:rPr lang="it-IT" sz="1800" dirty="0" err="1"/>
+              <a:t>matrix</a:t>
+            </a:r>
+            <a:r>
+              <a:rPr lang="it-IT" sz="1800" dirty="0"/>
+              <a:t>», with </a:t>
+            </a:r>
+            <a:r>
+              <a:rPr lang="it-IT" sz="1800" dirty="0" err="1"/>
+              <a:t>its</a:t>
+            </a:r>
+            <a:r>
+              <a:rPr lang="it-IT" sz="1800" dirty="0"/>
+              <a:t> </a:t>
+            </a:r>
+            <a:r>
+              <a:rPr lang="it-IT" sz="1800" dirty="0" err="1"/>
+              <a:t>own</a:t>
+            </a:r>
+            <a:r>
+              <a:rPr lang="it-IT" sz="1800" dirty="0"/>
+              <a:t> class, </a:t>
+            </a:r>
+            <a:r>
+              <a:rPr lang="it-IT" sz="1800" dirty="0" err="1"/>
+              <a:t>that</a:t>
+            </a:r>
+            <a:r>
+              <a:rPr lang="it-IT" sz="1800" dirty="0"/>
+              <a:t> </a:t>
+            </a:r>
+            <a:r>
+              <a:rPr lang="it-IT" sz="1800" dirty="0" err="1"/>
+              <a:t>stored</a:t>
+            </a:r>
+            <a:r>
+              <a:rPr lang="it-IT" sz="1800" dirty="0"/>
+              <a:t> the </a:t>
+            </a:r>
+            <a:r>
+              <a:rPr lang="it-IT" sz="1800" dirty="0" err="1"/>
+              <a:t>forces</a:t>
+            </a:r>
+            <a:r>
+              <a:rPr lang="it-IT" sz="1800" dirty="0"/>
+              <a:t> </a:t>
+            </a:r>
+            <a:r>
+              <a:rPr lang="it-IT" sz="1800" dirty="0" err="1"/>
+              <a:t>at</a:t>
+            </a:r>
+            <a:r>
+              <a:rPr lang="it-IT" sz="1800" dirty="0"/>
+              <a:t> </a:t>
+            </a:r>
+            <a:r>
+              <a:rPr lang="it-IT" sz="1800" dirty="0" err="1"/>
+              <a:t>every</a:t>
+            </a:r>
+            <a:r>
+              <a:rPr lang="it-IT" sz="1800" dirty="0"/>
+              <a:t> </a:t>
+            </a:r>
+            <a:r>
+              <a:rPr lang="it-IT" sz="1800" dirty="0" err="1"/>
+              <a:t>iteration</a:t>
+            </a:r>
+            <a:r>
+              <a:rPr lang="it-IT" sz="1800" dirty="0"/>
+              <a:t>. </a:t>
+            </a:r>
+            <a:r>
+              <a:rPr lang="it-IT" sz="1800" dirty="0" err="1"/>
               <a:t>We</a:t>
             </a:r>
             <a:r>
-              <a:rPr lang="it-IT" dirty="0"/>
+              <a:rPr lang="it-IT" sz="1800" dirty="0"/>
               <a:t> </a:t>
             </a:r>
             <a:r>
-              <a:rPr lang="it-IT" dirty="0" err="1"/>
-              <a:t>have</a:t>
-            </a:r>
-            <a:r>
-              <a:rPr lang="it-IT" dirty="0"/>
+              <a:rPr lang="it-IT" sz="1800" dirty="0" err="1"/>
+              <a:t>then</a:t>
+            </a:r>
+            <a:r>
+              <a:rPr lang="it-IT" sz="1800" dirty="0"/>
               <a:t> </a:t>
             </a:r>
             <a:r>
-              <a:rPr lang="it-IT" dirty="0" err="1"/>
-              <a:t>also</a:t>
-            </a:r>
-            <a:r>
-              <a:rPr lang="it-IT" dirty="0"/>
+              <a:rPr lang="it-IT" sz="1800" dirty="0" err="1"/>
+              <a:t>noticed</a:t>
+            </a:r>
+            <a:r>
+              <a:rPr lang="it-IT" sz="1800" dirty="0"/>
               <a:t> </a:t>
             </a:r>
             <a:r>
-              <a:rPr lang="it-IT" dirty="0" err="1"/>
-              <a:t>built</a:t>
-            </a:r>
-            <a:r>
-              <a:rPr lang="it-IT" dirty="0"/>
-              <a:t> a JSON parser to be </a:t>
-            </a:r>
-            <a:r>
-              <a:rPr lang="it-IT" dirty="0" err="1"/>
-              <a:t>able</a:t>
-            </a:r>
-            <a:r>
-              <a:rPr lang="it-IT" dirty="0"/>
+              <a:rPr lang="it-IT" sz="1800" dirty="0" err="1"/>
+              <a:t>that</a:t>
+            </a:r>
+            <a:r>
+              <a:rPr lang="it-IT" sz="1800" dirty="0"/>
+              <a:t> </a:t>
+            </a:r>
+            <a:r>
+              <a:rPr lang="it-IT" sz="1800" dirty="0" err="1"/>
+              <a:t>this</a:t>
+            </a:r>
+            <a:r>
+              <a:rPr lang="it-IT" sz="1800" dirty="0"/>
+              <a:t> technique </a:t>
+            </a:r>
+            <a:r>
+              <a:rPr lang="it-IT" sz="1800" dirty="0" err="1"/>
+              <a:t>slowed</a:t>
+            </a:r>
+            <a:r>
+              <a:rPr lang="it-IT" sz="1800" dirty="0"/>
+              <a:t> down the </a:t>
+            </a:r>
+            <a:r>
+              <a:rPr lang="it-IT" sz="1800" dirty="0" err="1"/>
+              <a:t>process</a:t>
+            </a:r>
+            <a:r>
+              <a:rPr lang="it-IT" sz="1800" dirty="0"/>
+              <a:t>, due to the eccessive </a:t>
+            </a:r>
+            <a:r>
+              <a:rPr lang="it-IT" sz="1800" dirty="0" err="1"/>
+              <a:t>amount</a:t>
+            </a:r>
+            <a:r>
+              <a:rPr lang="it-IT" sz="1800" dirty="0"/>
+              <a:t> of </a:t>
+            </a:r>
+            <a:r>
+              <a:rPr lang="it-IT" sz="1800" dirty="0" err="1"/>
+              <a:t>memory</a:t>
+            </a:r>
+            <a:r>
+              <a:rPr lang="it-IT" sz="1800" dirty="0"/>
+              <a:t> accesses. So </a:t>
+            </a:r>
+            <a:r>
+              <a:rPr lang="it-IT" sz="1800" dirty="0" err="1"/>
+              <a:t>we</a:t>
+            </a:r>
+            <a:r>
+              <a:rPr lang="it-IT" sz="1800" dirty="0"/>
+              <a:t> </a:t>
+            </a:r>
+            <a:r>
+              <a:rPr lang="it-IT" sz="1800" dirty="0" err="1"/>
+              <a:t>decided</a:t>
+            </a:r>
+            <a:r>
+              <a:rPr lang="it-IT" sz="1800" dirty="0"/>
               <a:t> to </a:t>
             </a:r>
             <a:r>
-              <a:rPr lang="it-IT" dirty="0" err="1"/>
-              <a:t>simply</a:t>
-            </a:r>
-            <a:r>
-              <a:rPr lang="it-IT" dirty="0"/>
+              <a:rPr lang="it-IT" sz="1800" dirty="0" err="1"/>
+              <a:t>remove</a:t>
+            </a:r>
+            <a:r>
+              <a:rPr lang="it-IT" sz="1800" dirty="0"/>
+              <a:t> the class and </a:t>
+            </a:r>
+            <a:r>
+              <a:rPr lang="it-IT" sz="1800" dirty="0" err="1"/>
+              <a:t>let</a:t>
+            </a:r>
+            <a:r>
+              <a:rPr lang="it-IT" sz="1800" dirty="0"/>
               <a:t> </a:t>
             </a:r>
             <a:r>
-              <a:rPr lang="it-IT" dirty="0" err="1"/>
-              <a:t>change</a:t>
-            </a:r>
-            <a:r>
-              <a:rPr lang="it-IT" dirty="0"/>
+              <a:rPr lang="it-IT" sz="1800" dirty="0" err="1"/>
+              <a:t>every</a:t>
+            </a:r>
+            <a:r>
+              <a:rPr lang="it-IT" sz="1800" dirty="0"/>
               <a:t> </a:t>
             </a:r>
             <a:r>
-              <a:rPr lang="it-IT" dirty="0" err="1"/>
-              <a:t>our</a:t>
-            </a:r>
-            <a:r>
-              <a:rPr lang="it-IT" dirty="0"/>
+              <a:rPr lang="it-IT" sz="1800" dirty="0" err="1"/>
+              <a:t>particle</a:t>
+            </a:r>
+            <a:r>
+              <a:rPr lang="it-IT" sz="1800" dirty="0"/>
               <a:t> </a:t>
             </a:r>
             <a:r>
-              <a:rPr lang="it-IT" dirty="0" err="1"/>
-              <a:t>constants</a:t>
-            </a:r>
-            <a:r>
-              <a:rPr lang="it-IT" dirty="0"/>
+              <a:rPr lang="it-IT" sz="1800" dirty="0" err="1"/>
+              <a:t>calculate</a:t>
+            </a:r>
+            <a:r>
+              <a:rPr lang="it-IT" sz="1800" dirty="0"/>
               <a:t> </a:t>
             </a:r>
             <a:r>
-              <a:rPr lang="it-IT" dirty="0" err="1"/>
-              <a:t>along</a:t>
-            </a:r>
-            <a:r>
-              <a:rPr lang="it-IT" dirty="0"/>
-              <a:t> he way, and a </a:t>
-            </a:r>
-            <a:r>
-              <a:rPr lang="it-IT" dirty="0" err="1"/>
-              <a:t>binary</a:t>
-            </a:r>
-            <a:r>
-              <a:rPr lang="it-IT" dirty="0"/>
-              <a:t> file </a:t>
-            </a:r>
-            <a:r>
-              <a:rPr lang="it-IT" dirty="0" err="1"/>
-              <a:t>that</a:t>
-            </a:r>
-            <a:r>
-              <a:rPr lang="it-IT" dirty="0"/>
-              <a:t> stores the status of a </a:t>
-            </a:r>
-            <a:r>
-              <a:rPr lang="it-IT" dirty="0" err="1"/>
-              <a:t>simulation</a:t>
-            </a:r>
-            <a:r>
-              <a:rPr lang="it-IT" dirty="0"/>
-              <a:t> to be </a:t>
-            </a:r>
-            <a:r>
-              <a:rPr lang="it-IT" dirty="0" err="1"/>
-              <a:t>able</a:t>
-            </a:r>
-            <a:r>
-              <a:rPr lang="it-IT" dirty="0"/>
-              <a:t> to load </a:t>
-            </a:r>
-            <a:r>
-              <a:rPr lang="it-IT" dirty="0" err="1"/>
-              <a:t>it</a:t>
-            </a:r>
-            <a:r>
-              <a:rPr lang="it-IT" dirty="0"/>
-              <a:t> and/or </a:t>
-            </a:r>
-            <a:r>
-              <a:rPr lang="it-IT" dirty="0" err="1"/>
-              <a:t>save</a:t>
-            </a:r>
-            <a:r>
-              <a:rPr lang="it-IT" dirty="0"/>
-              <a:t> the </a:t>
-            </a:r>
-            <a:r>
-              <a:rPr lang="it-IT" dirty="0" err="1"/>
-              <a:t>current</a:t>
-            </a:r>
-            <a:r>
-              <a:rPr lang="it-IT" dirty="0"/>
-              <a:t> state.</a:t>
-            </a:r>
-          </a:p>
-          <a:p>
-            <a:r>
-              <a:rPr lang="it-IT" dirty="0" err="1"/>
-              <a:t>We</a:t>
-            </a:r>
-            <a:r>
-              <a:rPr lang="it-IT" dirty="0"/>
+              <a:rPr lang="it-IT" sz="1800" dirty="0" err="1"/>
+              <a:t>its</a:t>
+            </a:r>
+            <a:r>
+              <a:rPr lang="it-IT" sz="1800" dirty="0"/>
+              <a:t> interactions (</a:t>
+            </a:r>
+            <a:r>
+              <a:rPr lang="it-IT" sz="1800" dirty="0" err="1"/>
+              <a:t>mathematical</a:t>
+            </a:r>
+            <a:r>
+              <a:rPr lang="it-IT" sz="1800" dirty="0"/>
               <a:t> </a:t>
             </a:r>
             <a:r>
-              <a:rPr lang="it-IT" dirty="0" err="1"/>
-              <a:t>built</a:t>
-            </a:r>
-            <a:r>
-              <a:rPr lang="it-IT" dirty="0"/>
-              <a:t> a 3D graphics </a:t>
-            </a:r>
-            <a:r>
-              <a:rPr lang="it-IT" dirty="0" err="1"/>
-              <a:t>engine</a:t>
-            </a:r>
-            <a:r>
-              <a:rPr lang="it-IT" dirty="0"/>
-              <a:t> with OpenGL </a:t>
-            </a:r>
-            <a:r>
-              <a:rPr lang="it-IT" dirty="0" err="1"/>
-              <a:t>that</a:t>
-            </a:r>
-            <a:r>
-              <a:rPr lang="it-IT" dirty="0"/>
+              <a:rPr lang="it-IT" sz="1800" dirty="0" err="1"/>
+              <a:t>operations</a:t>
+            </a:r>
+            <a:r>
+              <a:rPr lang="it-IT" sz="1800" dirty="0"/>
+              <a:t> are </a:t>
+            </a:r>
+            <a:r>
+              <a:rPr lang="it-IT" sz="1800" dirty="0" err="1"/>
+              <a:t>much</a:t>
+            </a:r>
+            <a:r>
+              <a:rPr lang="it-IT" sz="1800" dirty="0"/>
               <a:t> </a:t>
             </a:r>
             <a:r>
-              <a:rPr lang="it-IT" dirty="0" err="1"/>
-              <a:t>is</a:t>
-            </a:r>
-            <a:r>
-              <a:rPr lang="it-IT" dirty="0"/>
+              <a:rPr lang="it-IT" sz="1800" dirty="0" err="1"/>
+              <a:t>faster</a:t>
+            </a:r>
+            <a:r>
+              <a:rPr lang="it-IT" sz="1800" dirty="0"/>
               <a:t> </a:t>
             </a:r>
             <a:r>
-              <a:rPr lang="it-IT" dirty="0" err="1"/>
-              <a:t>able</a:t>
-            </a:r>
-            <a:r>
-              <a:rPr lang="it-IT" dirty="0"/>
-              <a:t> to </a:t>
-            </a:r>
-            <a:r>
-              <a:rPr lang="it-IT" dirty="0" err="1"/>
-              <a:t>effectively</a:t>
-            </a:r>
-            <a:r>
-              <a:rPr lang="it-IT" dirty="0"/>
-              <a:t> plot </a:t>
-            </a:r>
-            <a:r>
-              <a:rPr lang="it-IT" dirty="0" err="1"/>
-              <a:t>our</a:t>
-            </a:r>
-            <a:r>
-              <a:rPr lang="it-IT" dirty="0"/>
-              <a:t> system and simulate </a:t>
-            </a:r>
-            <a:r>
-              <a:rPr lang="it-IT" dirty="0" err="1"/>
-              <a:t>its</a:t>
-            </a:r>
-            <a:r>
-              <a:rPr lang="it-IT" dirty="0"/>
+              <a:rPr lang="it-IT" sz="1800" dirty="0" err="1"/>
+              <a:t>than</a:t>
+            </a:r>
+            <a:r>
+              <a:rPr lang="it-IT" sz="1800" dirty="0"/>
               <a:t> </a:t>
             </a:r>
             <a:r>
-              <a:rPr lang="it-IT" dirty="0" err="1"/>
-              <a:t>behaviour</a:t>
-            </a:r>
-            <a:r>
-              <a:rPr lang="it-IT" dirty="0"/>
-              <a:t>.</a:t>
+              <a:rPr lang="it-IT" sz="1800" dirty="0" err="1"/>
+              <a:t>memory</a:t>
+            </a:r>
+            <a:r>
+              <a:rPr lang="it-IT" sz="1800" dirty="0"/>
+              <a:t> accesses).</a:t>
             </a:r>
           </a:p>
         </p:txBody>
@@ -17691,7 +20180,7 @@
           <p:cNvPr id="4" name="Segnaposto numero diapositiva 3">
             <a:extLst>
               <a:ext uri="{FF2B5EF4-FFF2-40B4-BE49-F238E27FC236}">
-                <a16:creationId xmlns:a16="http://schemas.microsoft.com/office/drawing/2014/main" id="{616B0CEA-1705-E4EC-E210-8C3D01433203}"/>
+                <a16:creationId xmlns:a16="http://schemas.microsoft.com/office/drawing/2014/main" id="{8704448F-14F8-2922-4543-4BD0BA56FE8C}"/>
               </a:ext>
             </a:extLst>
           </p:cNvPr>
@@ -17722,7 +20211,7 @@
           <p:cNvPr id="5" name="Segnaposto piè di pagina 4">
             <a:extLst>
               <a:ext uri="{FF2B5EF4-FFF2-40B4-BE49-F238E27FC236}">
-                <a16:creationId xmlns:a16="http://schemas.microsoft.com/office/drawing/2014/main" id="{470A3129-1DB3-3D83-B6AC-F7EEF296E526}"/>
+                <a16:creationId xmlns:a16="http://schemas.microsoft.com/office/drawing/2014/main" id="{A20FE295-6F81-DDD8-7680-2A77C63C788E}"/>
               </a:ext>
             </a:extLst>
           </p:cNvPr>
@@ -17749,7 +20238,7 @@
     </p:spTree>
     <p:extLst>
       <p:ext uri="{BB962C8B-B14F-4D97-AF65-F5344CB8AC3E}">
-        <p14:creationId xmlns:p14="http://schemas.microsoft.com/office/powerpoint/2010/main" val="3701463856"/>
+        <p14:creationId xmlns:p14="http://schemas.microsoft.com/office/powerpoint/2010/main" val="413390723"/>
       </p:ext>
     </p:extLst>
   </p:cSld>
@@ -17776,72 +20265,369 @@
           <a:chExt cx="0" cy="0"/>
         </a:xfrm>
       </p:grpSpPr>
+      <p:sp>
+        <p:nvSpPr>
+          <p:cNvPr id="2" name="Titolo 1">
+            <a:extLst>
+              <a:ext uri="{FF2B5EF4-FFF2-40B4-BE49-F238E27FC236}">
+                <a16:creationId xmlns:a16="http://schemas.microsoft.com/office/drawing/2014/main" id="{E58EB509-D567-9E79-40A1-EEFE585D1D83}"/>
+              </a:ext>
+            </a:extLst>
+          </p:cNvPr>
+          <p:cNvSpPr>
+            <a:spLocks noGrp="1"/>
+          </p:cNvSpPr>
+          <p:nvPr>
+            <p:ph type="title"/>
+          </p:nvPr>
+        </p:nvSpPr>
+        <p:spPr/>
+        <p:txBody>
+          <a:bodyPr/>
+          <a:lstStyle/>
+          <a:p>
+            <a:r>
+              <a:rPr lang="it-IT" dirty="0" err="1"/>
+              <a:t>Structure</a:t>
+            </a:r>
+            <a:r>
+              <a:rPr lang="it-IT" dirty="0"/>
+              <a:t> of the </a:t>
+            </a:r>
+            <a:r>
+              <a:rPr lang="it-IT" dirty="0" err="1"/>
+              <a:t>program</a:t>
+            </a:r>
+            <a:endParaRPr lang="it-IT" dirty="0"/>
+          </a:p>
+        </p:txBody>
+      </p:sp>
+      <p:sp>
+        <p:nvSpPr>
+          <p:cNvPr id="3" name="Segnaposto contenuto 2">
+            <a:extLst>
+              <a:ext uri="{FF2B5EF4-FFF2-40B4-BE49-F238E27FC236}">
+                <a16:creationId xmlns:a16="http://schemas.microsoft.com/office/drawing/2014/main" id="{DF1E684B-ABD2-F7DD-FC63-30AB7351B4AF}"/>
+              </a:ext>
+            </a:extLst>
+          </p:cNvPr>
+          <p:cNvSpPr>
+            <a:spLocks noGrp="1"/>
+          </p:cNvSpPr>
+          <p:nvPr>
+            <p:ph idx="1"/>
+          </p:nvPr>
+        </p:nvSpPr>
+        <p:spPr/>
+        <p:txBody>
+          <a:bodyPr/>
+          <a:lstStyle/>
+          <a:p>
+            <a:r>
+              <a:rPr lang="it-IT" sz="1800" dirty="0" err="1"/>
+              <a:t>Differently</a:t>
+            </a:r>
+            <a:r>
+              <a:rPr lang="it-IT" sz="1800" dirty="0"/>
+              <a:t> from </a:t>
+            </a:r>
+            <a:r>
+              <a:rPr lang="it-IT" sz="1800" dirty="0" err="1"/>
+              <a:t>before</a:t>
+            </a:r>
+            <a:r>
+              <a:rPr lang="it-IT" sz="1800" dirty="0"/>
+              <a:t>, I </a:t>
+            </a:r>
+            <a:r>
+              <a:rPr lang="it-IT" sz="1800" dirty="0" err="1"/>
+              <a:t>have</a:t>
+            </a:r>
+            <a:r>
+              <a:rPr lang="it-IT" sz="1800" dirty="0"/>
+              <a:t> </a:t>
+            </a:r>
+            <a:r>
+              <a:rPr lang="it-IT" sz="1800" dirty="0" err="1"/>
+              <a:t>implemented</a:t>
+            </a:r>
+            <a:r>
+              <a:rPr lang="it-IT" sz="1800" dirty="0"/>
+              <a:t> a class Cell, </a:t>
+            </a:r>
+            <a:r>
+              <a:rPr lang="it-IT" sz="1800" dirty="0" err="1"/>
+              <a:t>which</a:t>
+            </a:r>
+            <a:r>
+              <a:rPr lang="it-IT" sz="1800" dirty="0"/>
+              <a:t> </a:t>
+            </a:r>
+            <a:r>
+              <a:rPr lang="it-IT" sz="1800" dirty="0" err="1"/>
+              <a:t>represents</a:t>
+            </a:r>
+            <a:r>
+              <a:rPr lang="it-IT" sz="1800" dirty="0"/>
+              <a:t> a </a:t>
+            </a:r>
+            <a:r>
+              <a:rPr lang="it-IT" sz="1800" dirty="0" err="1"/>
+              <a:t>node</a:t>
+            </a:r>
+            <a:r>
+              <a:rPr lang="it-IT" sz="1800" dirty="0"/>
+              <a:t> the </a:t>
+            </a:r>
+            <a:r>
+              <a:rPr lang="it-IT" sz="1800" dirty="0" err="1"/>
+              <a:t>Octree</a:t>
+            </a:r>
+            <a:r>
+              <a:rPr lang="it-IT" sz="1800" dirty="0"/>
+              <a:t>, and </a:t>
+            </a:r>
+            <a:r>
+              <a:rPr lang="it-IT" sz="1800" dirty="0" err="1"/>
+              <a:t>has</a:t>
+            </a:r>
+            <a:r>
+              <a:rPr lang="it-IT" sz="1800" dirty="0"/>
+              <a:t> the </a:t>
+            </a:r>
+            <a:r>
+              <a:rPr lang="it-IT" sz="1800" dirty="0" err="1"/>
+              <a:t>methods</a:t>
+            </a:r>
+            <a:r>
+              <a:rPr lang="it-IT" sz="1800" dirty="0"/>
+              <a:t> </a:t>
+            </a:r>
+            <a:r>
+              <a:rPr lang="it-IT" sz="1800" dirty="0" err="1"/>
+              <a:t>buildTree</a:t>
+            </a:r>
+            <a:r>
+              <a:rPr lang="it-IT" sz="1800" dirty="0"/>
+              <a:t> and </a:t>
+            </a:r>
+            <a:r>
+              <a:rPr lang="it-IT" sz="1800" dirty="0" err="1"/>
+              <a:t>updateForces</a:t>
+            </a:r>
+            <a:r>
+              <a:rPr lang="it-IT" sz="1800" dirty="0"/>
+              <a:t>. </a:t>
+            </a:r>
+            <a:r>
+              <a:rPr lang="it-IT" sz="1800" dirty="0" err="1"/>
+              <a:t>Every</a:t>
+            </a:r>
+            <a:r>
+              <a:rPr lang="it-IT" sz="1800" dirty="0"/>
+              <a:t> Cell </a:t>
+            </a:r>
+            <a:r>
+              <a:rPr lang="it-IT" sz="1800" dirty="0" err="1"/>
+              <a:t>contains</a:t>
+            </a:r>
+            <a:r>
+              <a:rPr lang="it-IT" sz="1800" dirty="0"/>
+              <a:t> a </a:t>
+            </a:r>
+            <a:r>
+              <a:rPr lang="it-IT" sz="1800" dirty="0" err="1"/>
+              <a:t>vector</a:t>
+            </a:r>
+            <a:r>
+              <a:rPr lang="it-IT" sz="1800" dirty="0"/>
+              <a:t> of pointers to </a:t>
+            </a:r>
+            <a:r>
+              <a:rPr lang="it-IT" sz="1800" dirty="0" err="1"/>
+              <a:t>particles</a:t>
+            </a:r>
+            <a:r>
+              <a:rPr lang="it-IT" sz="1800" dirty="0"/>
+              <a:t>, </a:t>
+            </a:r>
+            <a:r>
+              <a:rPr lang="it-IT" sz="1800" dirty="0" err="1"/>
+              <a:t>that</a:t>
+            </a:r>
+            <a:r>
+              <a:rPr lang="it-IT" sz="1800" dirty="0"/>
+              <a:t> </a:t>
+            </a:r>
+            <a:r>
+              <a:rPr lang="it-IT" sz="1800" dirty="0" err="1"/>
+              <a:t>represent</a:t>
+            </a:r>
+            <a:r>
+              <a:rPr lang="it-IT" sz="1800" dirty="0"/>
+              <a:t> the </a:t>
+            </a:r>
+            <a:r>
+              <a:rPr lang="it-IT" sz="1800" dirty="0" err="1"/>
+              <a:t>particles</a:t>
+            </a:r>
+            <a:r>
+              <a:rPr lang="it-IT" sz="1800" dirty="0"/>
+              <a:t> inside, an information </a:t>
+            </a:r>
+            <a:r>
+              <a:rPr lang="it-IT" sz="1800" dirty="0" err="1"/>
+              <a:t>about</a:t>
+            </a:r>
+            <a:r>
+              <a:rPr lang="it-IT" sz="1800" dirty="0"/>
+              <a:t> </a:t>
+            </a:r>
+            <a:r>
+              <a:rPr lang="it-IT" sz="1800" dirty="0" err="1"/>
+              <a:t>its</a:t>
+            </a:r>
+            <a:r>
+              <a:rPr lang="it-IT" sz="1800" dirty="0"/>
+              <a:t> center of mass and </a:t>
+            </a:r>
+            <a:r>
+              <a:rPr lang="it-IT" sz="1800" dirty="0" err="1"/>
+              <a:t>its</a:t>
+            </a:r>
+            <a:r>
+              <a:rPr lang="it-IT" sz="1800" dirty="0"/>
+              <a:t> center in </a:t>
+            </a:r>
+            <a:r>
+              <a:rPr lang="it-IT" sz="1800" dirty="0" err="1"/>
+              <a:t>physical</a:t>
+            </a:r>
+            <a:r>
+              <a:rPr lang="it-IT" sz="1800" dirty="0"/>
+              <a:t> </a:t>
+            </a:r>
+            <a:r>
+              <a:rPr lang="it-IT" sz="1800" dirty="0" err="1"/>
+              <a:t>space</a:t>
+            </a:r>
+            <a:r>
+              <a:rPr lang="it-IT" sz="1800" dirty="0"/>
+              <a:t>, and an information </a:t>
+            </a:r>
+            <a:r>
+              <a:rPr lang="it-IT" sz="1800" dirty="0" err="1"/>
+              <a:t>about</a:t>
+            </a:r>
+            <a:r>
+              <a:rPr lang="it-IT" sz="1800" dirty="0"/>
+              <a:t> the size of the </a:t>
+            </a:r>
+            <a:r>
+              <a:rPr lang="it-IT" sz="1800" dirty="0" err="1"/>
+              <a:t>octant</a:t>
+            </a:r>
+            <a:r>
+              <a:rPr lang="it-IT" sz="1800" dirty="0"/>
+              <a:t>. </a:t>
+            </a:r>
+          </a:p>
+        </p:txBody>
+      </p:sp>
+      <p:sp>
+        <p:nvSpPr>
+          <p:cNvPr id="4" name="Segnaposto numero diapositiva 3">
+            <a:extLst>
+              <a:ext uri="{FF2B5EF4-FFF2-40B4-BE49-F238E27FC236}">
+                <a16:creationId xmlns:a16="http://schemas.microsoft.com/office/drawing/2014/main" id="{8704448F-14F8-2922-4543-4BD0BA56FE8C}"/>
+              </a:ext>
+            </a:extLst>
+          </p:cNvPr>
+          <p:cNvSpPr>
+            <a:spLocks noGrp="1"/>
+          </p:cNvSpPr>
+          <p:nvPr>
+            <p:ph type="sldNum" sz="quarter" idx="11"/>
+          </p:nvPr>
+        </p:nvSpPr>
+        <p:spPr/>
+        <p:txBody>
+          <a:bodyPr/>
+          <a:lstStyle/>
+          <a:p>
+            <a:pPr rtl="0"/>
+            <a:fld id="{75DF2D63-3FF5-D547-96B9-BE9CCD1ABA58}" type="slidenum">
+              <a:rPr lang="it-IT" smtClean="0"/>
+              <a:pPr rtl="0"/>
+              <a:t>9</a:t>
+            </a:fld>
+            <a:endParaRPr lang="it-IT" dirty="0"/>
+          </a:p>
+        </p:txBody>
+      </p:sp>
+      <p:sp>
+        <p:nvSpPr>
+          <p:cNvPr id="5" name="Segnaposto piè di pagina 4">
+            <a:extLst>
+              <a:ext uri="{FF2B5EF4-FFF2-40B4-BE49-F238E27FC236}">
+                <a16:creationId xmlns:a16="http://schemas.microsoft.com/office/drawing/2014/main" id="{A20FE295-6F81-DDD8-7680-2A77C63C788E}"/>
+              </a:ext>
+            </a:extLst>
+          </p:cNvPr>
+          <p:cNvSpPr>
+            <a:spLocks noGrp="1"/>
+          </p:cNvSpPr>
+          <p:nvPr>
+            <p:ph type="ftr" sz="quarter" idx="12"/>
+          </p:nvPr>
+        </p:nvSpPr>
+        <p:spPr/>
+        <p:txBody>
+          <a:bodyPr/>
+          <a:lstStyle/>
+          <a:p>
+            <a:pPr rtl="0"/>
+            <a:r>
+              <a:rPr lang="it-IT"/>
+              <a:t>titolo della presentazione</a:t>
+            </a:r>
+          </a:p>
+        </p:txBody>
+      </p:sp>
       <p:pic>
         <p:nvPicPr>
-          <p:cNvPr id="6" name="Segnaposto immagine 5" descr="Immagine che contiene computer&#10;&#10;Descrizione generata automaticamente">
-            <a:extLst>
-              <a:ext uri="{FF2B5EF4-FFF2-40B4-BE49-F238E27FC236}">
-                <a16:creationId xmlns:a16="http://schemas.microsoft.com/office/drawing/2014/main" id="{B756FD0C-7B81-B0EA-8BC1-FA973336403B}"/>
+          <p:cNvPr id="7" name="Immagine 6">
+            <a:extLst>
+              <a:ext uri="{FF2B5EF4-FFF2-40B4-BE49-F238E27FC236}">
+                <a16:creationId xmlns:a16="http://schemas.microsoft.com/office/drawing/2014/main" id="{5818135A-E7EB-9AF6-C0A8-8818FDF98017}"/>
               </a:ext>
             </a:extLst>
           </p:cNvPr>
           <p:cNvPicPr>
-            <a:picLocks noGrp="1" noChangeAspect="1"/>
+            <a:picLocks noChangeAspect="1"/>
           </p:cNvPicPr>
-          <p:nvPr>
-            <p:ph type="pic" sz="quarter" idx="10"/>
-          </p:nvPr>
+          <p:nvPr/>
         </p:nvPicPr>
         <p:blipFill>
           <a:blip r:embed="rId2"/>
-          <a:srcRect t="13774" b="13774"/>
           <a:stretch>
             <a:fillRect/>
           </a:stretch>
         </p:blipFill>
-        <p:spPr/>
-      </p:pic>
-      <p:sp>
-        <p:nvSpPr>
-          <p:cNvPr id="3" name="Titolo 2">
-            <a:extLst>
-              <a:ext uri="{FF2B5EF4-FFF2-40B4-BE49-F238E27FC236}">
-                <a16:creationId xmlns:a16="http://schemas.microsoft.com/office/drawing/2014/main" id="{9A4671B0-D050-D6C3-5581-B0F06525C3F1}"/>
-              </a:ext>
-            </a:extLst>
-          </p:cNvPr>
-          <p:cNvSpPr>
-            <a:spLocks noGrp="1"/>
-          </p:cNvSpPr>
-          <p:nvPr>
-            <p:ph type="title"/>
-          </p:nvPr>
-        </p:nvSpPr>
         <p:spPr>
           <a:xfrm>
-            <a:off x="2040636" y="3195828"/>
-            <a:ext cx="8110728" cy="457200"/>
+            <a:off x="1154050" y="1655762"/>
+            <a:ext cx="3579012" cy="3546476"/>
           </a:xfrm>
+          <a:prstGeom prst="rect">
+            <a:avLst/>
+          </a:prstGeom>
         </p:spPr>
-        <p:txBody>
-          <a:bodyPr/>
-          <a:lstStyle/>
-          <a:p>
-            <a:r>
-              <a:rPr lang="it-IT" dirty="0">
-                <a:solidFill>
-                  <a:schemeClr val="bg1"/>
-                </a:solidFill>
-              </a:rPr>
-              <a:t>Performance</a:t>
-            </a:r>
-          </a:p>
-        </p:txBody>
-      </p:sp>
+      </p:pic>
     </p:spTree>
     <p:extLst>
       <p:ext uri="{BB962C8B-B14F-4D97-AF65-F5344CB8AC3E}">
-        <p14:creationId xmlns:p14="http://schemas.microsoft.com/office/powerpoint/2010/main" val="3526478263"/>
+        <p14:creationId xmlns:p14="http://schemas.microsoft.com/office/powerpoint/2010/main" val="1215483384"/>
       </p:ext>
     </p:extLst>
   </p:cSld>
